--- a/Class Presentations/3rd-presentation/PPT 13 05.pptx
+++ b/Class Presentations/3rd-presentation/PPT 13 05.pptx
@@ -9,6 +9,9 @@
     <p:sldId id="257" r:id="rId3"/>
     <p:sldId id="258" r:id="rId4"/>
     <p:sldId id="261" r:id="rId5"/>
+    <p:sldId id="262" r:id="rId6"/>
+    <p:sldId id="263" r:id="rId7"/>
+    <p:sldId id="264" r:id="rId8"/>
   </p:sldIdLst>
   <p:sldSz cx="12192000" cy="6858000"/>
   <p:notesSz cx="6858000" cy="9144000"/>
@@ -107,6 +110,11 @@
       </a:defRPr>
     </a:lvl9pPr>
   </p:defaultTextStyle>
+  <p:extLst>
+    <p:ext uri="{EFAFB233-063F-42B5-8137-9DF3F51BA10A}">
+      <p15:sldGuideLst xmlns:p15="http://schemas.microsoft.com/office/powerpoint/2012/main"/>
+    </p:ext>
+  </p:extLst>
 </p:presentation>
 </file>
 
@@ -241,7 +249,7 @@
           <a:p>
             <a:fld id="{1CE56620-D267-4CA2-95CE-44BD2B620111}" type="datetimeFigureOut">
               <a:rPr lang="fr-FR" smtClean="0"/>
-              <a:t>12/05/2015</a:t>
+              <a:t>13/05/2015</a:t>
             </a:fld>
             <a:endParaRPr lang="fr-FR"/>
           </a:p>
@@ -283,7 +291,7 @@
           <a:p>
             <a:fld id="{A866AD3D-4C28-4B2E-82F0-498A9359451B}" type="slidenum">
               <a:rPr lang="fr-FR" smtClean="0"/>
-              <a:t>‹N°›</a:t>
+              <a:t>‹#›</a:t>
             </a:fld>
             <a:endParaRPr lang="fr-FR"/>
           </a:p>
@@ -411,7 +419,7 @@
           <a:p>
             <a:fld id="{1CE56620-D267-4CA2-95CE-44BD2B620111}" type="datetimeFigureOut">
               <a:rPr lang="fr-FR" smtClean="0"/>
-              <a:t>12/05/2015</a:t>
+              <a:t>13/05/2015</a:t>
             </a:fld>
             <a:endParaRPr lang="fr-FR"/>
           </a:p>
@@ -453,7 +461,7 @@
           <a:p>
             <a:fld id="{A866AD3D-4C28-4B2E-82F0-498A9359451B}" type="slidenum">
               <a:rPr lang="fr-FR" smtClean="0"/>
-              <a:t>‹N°›</a:t>
+              <a:t>‹#›</a:t>
             </a:fld>
             <a:endParaRPr lang="fr-FR"/>
           </a:p>
@@ -591,7 +599,7 @@
           <a:p>
             <a:fld id="{1CE56620-D267-4CA2-95CE-44BD2B620111}" type="datetimeFigureOut">
               <a:rPr lang="fr-FR" smtClean="0"/>
-              <a:t>12/05/2015</a:t>
+              <a:t>13/05/2015</a:t>
             </a:fld>
             <a:endParaRPr lang="fr-FR"/>
           </a:p>
@@ -633,7 +641,7 @@
           <a:p>
             <a:fld id="{A866AD3D-4C28-4B2E-82F0-498A9359451B}" type="slidenum">
               <a:rPr lang="fr-FR" smtClean="0"/>
-              <a:t>‹N°›</a:t>
+              <a:t>‹#›</a:t>
             </a:fld>
             <a:endParaRPr lang="fr-FR"/>
           </a:p>
@@ -761,7 +769,7 @@
           <a:p>
             <a:fld id="{1CE56620-D267-4CA2-95CE-44BD2B620111}" type="datetimeFigureOut">
               <a:rPr lang="fr-FR" smtClean="0"/>
-              <a:t>12/05/2015</a:t>
+              <a:t>13/05/2015</a:t>
             </a:fld>
             <a:endParaRPr lang="fr-FR"/>
           </a:p>
@@ -803,7 +811,7 @@
           <a:p>
             <a:fld id="{A866AD3D-4C28-4B2E-82F0-498A9359451B}" type="slidenum">
               <a:rPr lang="fr-FR" smtClean="0"/>
-              <a:t>‹N°›</a:t>
+              <a:t>‹#›</a:t>
             </a:fld>
             <a:endParaRPr lang="fr-FR"/>
           </a:p>
@@ -1007,7 +1015,7 @@
           <a:p>
             <a:fld id="{1CE56620-D267-4CA2-95CE-44BD2B620111}" type="datetimeFigureOut">
               <a:rPr lang="fr-FR" smtClean="0"/>
-              <a:t>12/05/2015</a:t>
+              <a:t>13/05/2015</a:t>
             </a:fld>
             <a:endParaRPr lang="fr-FR"/>
           </a:p>
@@ -1049,7 +1057,7 @@
           <a:p>
             <a:fld id="{A866AD3D-4C28-4B2E-82F0-498A9359451B}" type="slidenum">
               <a:rPr lang="fr-FR" smtClean="0"/>
-              <a:t>‹N°›</a:t>
+              <a:t>‹#›</a:t>
             </a:fld>
             <a:endParaRPr lang="fr-FR"/>
           </a:p>
@@ -1239,7 +1247,7 @@
           <a:p>
             <a:fld id="{1CE56620-D267-4CA2-95CE-44BD2B620111}" type="datetimeFigureOut">
               <a:rPr lang="fr-FR" smtClean="0"/>
-              <a:t>12/05/2015</a:t>
+              <a:t>13/05/2015</a:t>
             </a:fld>
             <a:endParaRPr lang="fr-FR"/>
           </a:p>
@@ -1281,7 +1289,7 @@
           <a:p>
             <a:fld id="{A866AD3D-4C28-4B2E-82F0-498A9359451B}" type="slidenum">
               <a:rPr lang="fr-FR" smtClean="0"/>
-              <a:t>‹N°›</a:t>
+              <a:t>‹#›</a:t>
             </a:fld>
             <a:endParaRPr lang="fr-FR"/>
           </a:p>
@@ -1606,7 +1614,7 @@
           <a:p>
             <a:fld id="{1CE56620-D267-4CA2-95CE-44BD2B620111}" type="datetimeFigureOut">
               <a:rPr lang="fr-FR" smtClean="0"/>
-              <a:t>12/05/2015</a:t>
+              <a:t>13/05/2015</a:t>
             </a:fld>
             <a:endParaRPr lang="fr-FR"/>
           </a:p>
@@ -1648,7 +1656,7 @@
           <a:p>
             <a:fld id="{A866AD3D-4C28-4B2E-82F0-498A9359451B}" type="slidenum">
               <a:rPr lang="fr-FR" smtClean="0"/>
-              <a:t>‹N°›</a:t>
+              <a:t>‹#›</a:t>
             </a:fld>
             <a:endParaRPr lang="fr-FR"/>
           </a:p>
@@ -1724,7 +1732,7 @@
           <a:p>
             <a:fld id="{1CE56620-D267-4CA2-95CE-44BD2B620111}" type="datetimeFigureOut">
               <a:rPr lang="fr-FR" smtClean="0"/>
-              <a:t>12/05/2015</a:t>
+              <a:t>13/05/2015</a:t>
             </a:fld>
             <a:endParaRPr lang="fr-FR"/>
           </a:p>
@@ -1766,7 +1774,7 @@
           <a:p>
             <a:fld id="{A866AD3D-4C28-4B2E-82F0-498A9359451B}" type="slidenum">
               <a:rPr lang="fr-FR" smtClean="0"/>
-              <a:t>‹N°›</a:t>
+              <a:t>‹#›</a:t>
             </a:fld>
             <a:endParaRPr lang="fr-FR"/>
           </a:p>
@@ -1819,7 +1827,7 @@
           <a:p>
             <a:fld id="{1CE56620-D267-4CA2-95CE-44BD2B620111}" type="datetimeFigureOut">
               <a:rPr lang="fr-FR" smtClean="0"/>
-              <a:t>12/05/2015</a:t>
+              <a:t>13/05/2015</a:t>
             </a:fld>
             <a:endParaRPr lang="fr-FR"/>
           </a:p>
@@ -1861,7 +1869,7 @@
           <a:p>
             <a:fld id="{A866AD3D-4C28-4B2E-82F0-498A9359451B}" type="slidenum">
               <a:rPr lang="fr-FR" smtClean="0"/>
-              <a:t>‹N°›</a:t>
+              <a:t>‹#›</a:t>
             </a:fld>
             <a:endParaRPr lang="fr-FR"/>
           </a:p>
@@ -2096,7 +2104,7 @@
           <a:p>
             <a:fld id="{1CE56620-D267-4CA2-95CE-44BD2B620111}" type="datetimeFigureOut">
               <a:rPr lang="fr-FR" smtClean="0"/>
-              <a:t>12/05/2015</a:t>
+              <a:t>13/05/2015</a:t>
             </a:fld>
             <a:endParaRPr lang="fr-FR"/>
           </a:p>
@@ -2138,7 +2146,7 @@
           <a:p>
             <a:fld id="{A866AD3D-4C28-4B2E-82F0-498A9359451B}" type="slidenum">
               <a:rPr lang="fr-FR" smtClean="0"/>
-              <a:t>‹N°›</a:t>
+              <a:t>‹#›</a:t>
             </a:fld>
             <a:endParaRPr lang="fr-FR"/>
           </a:p>
@@ -2349,7 +2357,7 @@
           <a:p>
             <a:fld id="{1CE56620-D267-4CA2-95CE-44BD2B620111}" type="datetimeFigureOut">
               <a:rPr lang="fr-FR" smtClean="0"/>
-              <a:t>12/05/2015</a:t>
+              <a:t>13/05/2015</a:t>
             </a:fld>
             <a:endParaRPr lang="fr-FR"/>
           </a:p>
@@ -2391,7 +2399,7 @@
           <a:p>
             <a:fld id="{A866AD3D-4C28-4B2E-82F0-498A9359451B}" type="slidenum">
               <a:rPr lang="fr-FR" smtClean="0"/>
-              <a:t>‹N°›</a:t>
+              <a:t>‹#›</a:t>
             </a:fld>
             <a:endParaRPr lang="fr-FR"/>
           </a:p>
@@ -2562,7 +2570,7 @@
           <a:p>
             <a:fld id="{1CE56620-D267-4CA2-95CE-44BD2B620111}" type="datetimeFigureOut">
               <a:rPr lang="fr-FR" smtClean="0"/>
-              <a:t>12/05/2015</a:t>
+              <a:t>13/05/2015</a:t>
             </a:fld>
             <a:endParaRPr lang="fr-FR"/>
           </a:p>
@@ -2640,7 +2648,7 @@
           <a:p>
             <a:fld id="{A866AD3D-4C28-4B2E-82F0-498A9359451B}" type="slidenum">
               <a:rPr lang="fr-FR" smtClean="0"/>
-              <a:t>‹N°›</a:t>
+              <a:t>‹#›</a:t>
             </a:fld>
             <a:endParaRPr lang="fr-FR"/>
           </a:p>
@@ -2975,8 +2983,8 @@
         </p:nvSpPr>
         <p:spPr>
           <a:xfrm>
-            <a:off x="4108361" y="1275008"/>
-            <a:ext cx="7096259" cy="1077218"/>
+            <a:off x="953038" y="1751526"/>
+            <a:ext cx="10225826" cy="1077218"/>
           </a:xfrm>
           <a:prstGeom prst="rect">
             <a:avLst/>
@@ -2989,6 +2997,7 @@
           </a:bodyPr>
           <a:lstStyle/>
           <a:p>
+            <a:pPr algn="ctr"/>
             <a:r>
               <a:rPr lang="fr-FR" sz="6400" dirty="0" err="1" smtClean="0"/>
               <a:t>Companies</a:t>
@@ -3827,7 +3836,6 @@
               <a:rPr lang="fr-FR" dirty="0" smtClean="0"/>
               <a:t> on brand image</a:t>
             </a:r>
-            <a:endParaRPr lang="fr-FR" dirty="0" smtClean="0"/>
           </a:p>
           <a:p>
             <a:endParaRPr lang="fr-FR" dirty="0" smtClean="0"/>
@@ -4881,6 +4889,1037 @@
       </p:par>
     </p:tnLst>
   </p:timing>
+</p:sld>
+</file>
+
+<file path=ppt/slides/slide5.xml><?xml version="1.0" encoding="utf-8"?>
+<p:sld xmlns:a="http://schemas.openxmlformats.org/drawingml/2006/main" xmlns:r="http://schemas.openxmlformats.org/officeDocument/2006/relationships" xmlns:p="http://schemas.openxmlformats.org/presentationml/2006/main">
+  <p:cSld>
+    <p:spTree>
+      <p:nvGrpSpPr>
+        <p:cNvPr id="1" name=""/>
+        <p:cNvGrpSpPr/>
+        <p:nvPr/>
+      </p:nvGrpSpPr>
+      <p:grpSpPr>
+        <a:xfrm>
+          <a:off x="0" y="0"/>
+          <a:ext cx="0" cy="0"/>
+          <a:chOff x="0" y="0"/>
+          <a:chExt cx="0" cy="0"/>
+        </a:xfrm>
+      </p:grpSpPr>
+      <p:sp>
+        <p:nvSpPr>
+          <p:cNvPr id="4" name="ZoneTexte 3"/>
+          <p:cNvSpPr txBox="1"/>
+          <p:nvPr/>
+        </p:nvSpPr>
+        <p:spPr>
+          <a:xfrm>
+            <a:off x="953038" y="1751526"/>
+            <a:ext cx="10225826" cy="1077218"/>
+          </a:xfrm>
+          <a:prstGeom prst="rect">
+            <a:avLst/>
+          </a:prstGeom>
+          <a:noFill/>
+        </p:spPr>
+        <p:txBody>
+          <a:bodyPr wrap="square" rtlCol="0">
+            <a:spAutoFit/>
+          </a:bodyPr>
+          <a:lstStyle/>
+          <a:p>
+            <a:pPr algn="ctr"/>
+            <a:r>
+              <a:rPr lang="tr-TR" sz="6400" dirty="0" err="1" smtClean="0"/>
+              <a:t>Countries</a:t>
+            </a:r>
+            <a:endParaRPr lang="fr-FR" sz="6400" dirty="0"/>
+          </a:p>
+        </p:txBody>
+      </p:sp>
+    </p:spTree>
+    <p:extLst>
+      <p:ext uri="{BB962C8B-B14F-4D97-AF65-F5344CB8AC3E}">
+        <p14:creationId xmlns:p14="http://schemas.microsoft.com/office/powerpoint/2010/main" val="1064199473"/>
+      </p:ext>
+    </p:extLst>
+  </p:cSld>
+  <p:clrMapOvr>
+    <a:masterClrMapping/>
+  </p:clrMapOvr>
+</p:sld>
+</file>
+
+<file path=ppt/slides/slide6.xml><?xml version="1.0" encoding="utf-8"?>
+<p:sld xmlns:a="http://schemas.openxmlformats.org/drawingml/2006/main" xmlns:r="http://schemas.openxmlformats.org/officeDocument/2006/relationships" xmlns:p="http://schemas.openxmlformats.org/presentationml/2006/main">
+  <p:cSld>
+    <p:spTree>
+      <p:nvGrpSpPr>
+        <p:cNvPr id="1" name=""/>
+        <p:cNvGrpSpPr/>
+        <p:nvPr/>
+      </p:nvGrpSpPr>
+      <p:grpSpPr>
+        <a:xfrm>
+          <a:off x="0" y="0"/>
+          <a:ext cx="0" cy="0"/>
+          <a:chOff x="0" y="0"/>
+          <a:chExt cx="0" cy="0"/>
+        </a:xfrm>
+      </p:grpSpPr>
+      <p:sp>
+        <p:nvSpPr>
+          <p:cNvPr id="2" name="Title 1"/>
+          <p:cNvSpPr>
+            <a:spLocks noGrp="1"/>
+          </p:cNvSpPr>
+          <p:nvPr>
+            <p:ph type="title"/>
+          </p:nvPr>
+        </p:nvSpPr>
+        <p:spPr/>
+        <p:txBody>
+          <a:bodyPr/>
+          <a:lstStyle/>
+          <a:p>
+            <a:r>
+              <a:rPr lang="tr-TR" b="1" dirty="0" smtClean="0"/>
+              <a:t>California</a:t>
+            </a:r>
+            <a:endParaRPr lang="tr-TR" b="1" dirty="0"/>
+          </a:p>
+        </p:txBody>
+      </p:sp>
+      <p:sp>
+        <p:nvSpPr>
+          <p:cNvPr id="5" name="Espace réservé du contenu 2"/>
+          <p:cNvSpPr txBox="1">
+            <a:spLocks/>
+          </p:cNvSpPr>
+          <p:nvPr/>
+        </p:nvSpPr>
+        <p:spPr>
+          <a:xfrm>
+            <a:off x="838199" y="1598720"/>
+            <a:ext cx="5601237" cy="4647533"/>
+          </a:xfrm>
+          <a:prstGeom prst="rect">
+            <a:avLst/>
+          </a:prstGeom>
+        </p:spPr>
+        <p:txBody>
+          <a:bodyPr vert="horz" lIns="91440" tIns="45720" rIns="91440" bIns="45720" rtlCol="0">
+            <a:normAutofit fontScale="92500" lnSpcReduction="10000"/>
+          </a:bodyPr>
+          <a:lstStyle>
+            <a:lvl1pPr marL="228600" indent="-228600" algn="l" defTabSz="914400" rtl="0" eaLnBrk="1" latinLnBrk="0" hangingPunct="1">
+              <a:lnSpc>
+                <a:spcPct val="90000"/>
+              </a:lnSpc>
+              <a:spcBef>
+                <a:spcPts val="1000"/>
+              </a:spcBef>
+              <a:buFont typeface="Arial" panose="020B0604020202020204" pitchFamily="34" charset="0"/>
+              <a:buChar char="•"/>
+              <a:defRPr sz="2800" kern="1200">
+                <a:solidFill>
+                  <a:schemeClr val="tx1"/>
+                </a:solidFill>
+                <a:latin typeface="+mn-lt"/>
+                <a:ea typeface="+mn-ea"/>
+                <a:cs typeface="+mn-cs"/>
+              </a:defRPr>
+            </a:lvl1pPr>
+            <a:lvl2pPr marL="685800" indent="-228600" algn="l" defTabSz="914400" rtl="0" eaLnBrk="1" latinLnBrk="0" hangingPunct="1">
+              <a:lnSpc>
+                <a:spcPct val="90000"/>
+              </a:lnSpc>
+              <a:spcBef>
+                <a:spcPts val="500"/>
+              </a:spcBef>
+              <a:buFont typeface="Arial" panose="020B0604020202020204" pitchFamily="34" charset="0"/>
+              <a:buChar char="•"/>
+              <a:defRPr sz="2400" kern="1200">
+                <a:solidFill>
+                  <a:schemeClr val="tx1"/>
+                </a:solidFill>
+                <a:latin typeface="+mn-lt"/>
+                <a:ea typeface="+mn-ea"/>
+                <a:cs typeface="+mn-cs"/>
+              </a:defRPr>
+            </a:lvl2pPr>
+            <a:lvl3pPr marL="1143000" indent="-228600" algn="l" defTabSz="914400" rtl="0" eaLnBrk="1" latinLnBrk="0" hangingPunct="1">
+              <a:lnSpc>
+                <a:spcPct val="90000"/>
+              </a:lnSpc>
+              <a:spcBef>
+                <a:spcPts val="500"/>
+              </a:spcBef>
+              <a:buFont typeface="Arial" panose="020B0604020202020204" pitchFamily="34" charset="0"/>
+              <a:buChar char="•"/>
+              <a:defRPr sz="2000" kern="1200">
+                <a:solidFill>
+                  <a:schemeClr val="tx1"/>
+                </a:solidFill>
+                <a:latin typeface="+mn-lt"/>
+                <a:ea typeface="+mn-ea"/>
+                <a:cs typeface="+mn-cs"/>
+              </a:defRPr>
+            </a:lvl3pPr>
+            <a:lvl4pPr marL="1600200" indent="-228600" algn="l" defTabSz="914400" rtl="0" eaLnBrk="1" latinLnBrk="0" hangingPunct="1">
+              <a:lnSpc>
+                <a:spcPct val="90000"/>
+              </a:lnSpc>
+              <a:spcBef>
+                <a:spcPts val="500"/>
+              </a:spcBef>
+              <a:buFont typeface="Arial" panose="020B0604020202020204" pitchFamily="34" charset="0"/>
+              <a:buChar char="•"/>
+              <a:defRPr sz="1800" kern="1200">
+                <a:solidFill>
+                  <a:schemeClr val="tx1"/>
+                </a:solidFill>
+                <a:latin typeface="+mn-lt"/>
+                <a:ea typeface="+mn-ea"/>
+                <a:cs typeface="+mn-cs"/>
+              </a:defRPr>
+            </a:lvl4pPr>
+            <a:lvl5pPr marL="2057400" indent="-228600" algn="l" defTabSz="914400" rtl="0" eaLnBrk="1" latinLnBrk="0" hangingPunct="1">
+              <a:lnSpc>
+                <a:spcPct val="90000"/>
+              </a:lnSpc>
+              <a:spcBef>
+                <a:spcPts val="500"/>
+              </a:spcBef>
+              <a:buFont typeface="Arial" panose="020B0604020202020204" pitchFamily="34" charset="0"/>
+              <a:buChar char="•"/>
+              <a:defRPr sz="1800" kern="1200">
+                <a:solidFill>
+                  <a:schemeClr val="tx1"/>
+                </a:solidFill>
+                <a:latin typeface="+mn-lt"/>
+                <a:ea typeface="+mn-ea"/>
+                <a:cs typeface="+mn-cs"/>
+              </a:defRPr>
+            </a:lvl5pPr>
+            <a:lvl6pPr marL="2514600" indent="-228600" algn="l" defTabSz="914400" rtl="0" eaLnBrk="1" latinLnBrk="0" hangingPunct="1">
+              <a:lnSpc>
+                <a:spcPct val="90000"/>
+              </a:lnSpc>
+              <a:spcBef>
+                <a:spcPts val="500"/>
+              </a:spcBef>
+              <a:buFont typeface="Arial" panose="020B0604020202020204" pitchFamily="34" charset="0"/>
+              <a:buChar char="•"/>
+              <a:defRPr sz="1800" kern="1200">
+                <a:solidFill>
+                  <a:schemeClr val="tx1"/>
+                </a:solidFill>
+                <a:latin typeface="+mn-lt"/>
+                <a:ea typeface="+mn-ea"/>
+                <a:cs typeface="+mn-cs"/>
+              </a:defRPr>
+            </a:lvl6pPr>
+            <a:lvl7pPr marL="2971800" indent="-228600" algn="l" defTabSz="914400" rtl="0" eaLnBrk="1" latinLnBrk="0" hangingPunct="1">
+              <a:lnSpc>
+                <a:spcPct val="90000"/>
+              </a:lnSpc>
+              <a:spcBef>
+                <a:spcPts val="500"/>
+              </a:spcBef>
+              <a:buFont typeface="Arial" panose="020B0604020202020204" pitchFamily="34" charset="0"/>
+              <a:buChar char="•"/>
+              <a:defRPr sz="1800" kern="1200">
+                <a:solidFill>
+                  <a:schemeClr val="tx1"/>
+                </a:solidFill>
+                <a:latin typeface="+mn-lt"/>
+                <a:ea typeface="+mn-ea"/>
+                <a:cs typeface="+mn-cs"/>
+              </a:defRPr>
+            </a:lvl7pPr>
+            <a:lvl8pPr marL="3429000" indent="-228600" algn="l" defTabSz="914400" rtl="0" eaLnBrk="1" latinLnBrk="0" hangingPunct="1">
+              <a:lnSpc>
+                <a:spcPct val="90000"/>
+              </a:lnSpc>
+              <a:spcBef>
+                <a:spcPts val="500"/>
+              </a:spcBef>
+              <a:buFont typeface="Arial" panose="020B0604020202020204" pitchFamily="34" charset="0"/>
+              <a:buChar char="•"/>
+              <a:defRPr sz="1800" kern="1200">
+                <a:solidFill>
+                  <a:schemeClr val="tx1"/>
+                </a:solidFill>
+                <a:latin typeface="+mn-lt"/>
+                <a:ea typeface="+mn-ea"/>
+                <a:cs typeface="+mn-cs"/>
+              </a:defRPr>
+            </a:lvl8pPr>
+            <a:lvl9pPr marL="3886200" indent="-228600" algn="l" defTabSz="914400" rtl="0" eaLnBrk="1" latinLnBrk="0" hangingPunct="1">
+              <a:lnSpc>
+                <a:spcPct val="90000"/>
+              </a:lnSpc>
+              <a:spcBef>
+                <a:spcPts val="500"/>
+              </a:spcBef>
+              <a:buFont typeface="Arial" panose="020B0604020202020204" pitchFamily="34" charset="0"/>
+              <a:buChar char="•"/>
+              <a:defRPr sz="1800" kern="1200">
+                <a:solidFill>
+                  <a:schemeClr val="tx1"/>
+                </a:solidFill>
+                <a:latin typeface="+mn-lt"/>
+                <a:ea typeface="+mn-ea"/>
+                <a:cs typeface="+mn-cs"/>
+              </a:defRPr>
+            </a:lvl9pPr>
+          </a:lstStyle>
+          <a:p>
+            <a:pPr marL="0" indent="0">
+              <a:buNone/>
+            </a:pPr>
+            <a:r>
+              <a:rPr lang="tr-TR" b="1" u="sng" dirty="0" err="1" smtClean="0"/>
+              <a:t>Infrasturcture</a:t>
+            </a:r>
+            <a:endParaRPr lang="fr-FR" dirty="0" smtClean="0"/>
+          </a:p>
+          <a:p>
+            <a:r>
+              <a:rPr lang="en-US" dirty="0" smtClean="0"/>
+              <a:t>1,207 </a:t>
+            </a:r>
+            <a:r>
+              <a:rPr lang="en-US" dirty="0"/>
+              <a:t>stations (21.3</a:t>
+            </a:r>
+            <a:r>
+              <a:rPr lang="en-US" dirty="0" smtClean="0"/>
+              <a:t>%)</a:t>
+            </a:r>
+            <a:endParaRPr lang="tr-TR" dirty="0" smtClean="0"/>
+          </a:p>
+          <a:p>
+            <a:r>
+              <a:rPr lang="en-US" dirty="0"/>
+              <a:t>5,176 (26.6%) public charging points</a:t>
+            </a:r>
+            <a:r>
+              <a:rPr lang="en-US" dirty="0" smtClean="0"/>
+              <a:t>.</a:t>
+            </a:r>
+            <a:endParaRPr lang="tr-TR" dirty="0" smtClean="0"/>
+          </a:p>
+          <a:p>
+            <a:r>
+              <a:rPr lang="tr-TR" dirty="0" smtClean="0"/>
+              <a:t>71% </a:t>
+            </a:r>
+            <a:r>
+              <a:rPr lang="tr-TR" dirty="0" err="1" smtClean="0"/>
+              <a:t>dissatisfaction</a:t>
+            </a:r>
+            <a:r>
+              <a:rPr lang="tr-TR" dirty="0" smtClean="0"/>
+              <a:t> </a:t>
+            </a:r>
+            <a:r>
+              <a:rPr lang="tr-TR" dirty="0" err="1" smtClean="0"/>
+              <a:t>with</a:t>
+            </a:r>
+            <a:r>
+              <a:rPr lang="tr-TR" dirty="0" smtClean="0"/>
+              <a:t> </a:t>
+            </a:r>
+            <a:r>
+              <a:rPr lang="tr-TR" dirty="0" err="1" smtClean="0"/>
+              <a:t>public</a:t>
+            </a:r>
+            <a:r>
+              <a:rPr lang="tr-TR" dirty="0" smtClean="0"/>
+              <a:t> </a:t>
+            </a:r>
+            <a:r>
+              <a:rPr lang="tr-TR" dirty="0" err="1" smtClean="0"/>
+              <a:t>charging</a:t>
+            </a:r>
+            <a:r>
+              <a:rPr lang="tr-TR" dirty="0" smtClean="0"/>
+              <a:t> </a:t>
+            </a:r>
+            <a:r>
+              <a:rPr lang="tr-TR" dirty="0" err="1" smtClean="0"/>
+              <a:t>infrastructure</a:t>
+            </a:r>
+            <a:endParaRPr lang="tr-TR" dirty="0" smtClean="0"/>
+          </a:p>
+          <a:p>
+            <a:r>
+              <a:rPr lang="tr-TR" dirty="0"/>
+              <a:t>64% </a:t>
+            </a:r>
+            <a:r>
+              <a:rPr lang="tr-TR" dirty="0" err="1"/>
+              <a:t>level</a:t>
+            </a:r>
+            <a:r>
+              <a:rPr lang="tr-TR" dirty="0"/>
+              <a:t> 2 </a:t>
+            </a:r>
+            <a:r>
+              <a:rPr lang="tr-TR" dirty="0" err="1"/>
+              <a:t>home</a:t>
+            </a:r>
+            <a:r>
+              <a:rPr lang="tr-TR" dirty="0"/>
+              <a:t> </a:t>
+            </a:r>
+            <a:r>
+              <a:rPr lang="tr-TR" dirty="0" err="1"/>
+              <a:t>chargers</a:t>
+            </a:r>
+            <a:r>
+              <a:rPr lang="tr-TR" dirty="0"/>
+              <a:t> </a:t>
+            </a:r>
+            <a:r>
+              <a:rPr lang="tr-TR" dirty="0" err="1"/>
+              <a:t>received</a:t>
+            </a:r>
+            <a:r>
+              <a:rPr lang="tr-TR" dirty="0"/>
+              <a:t> </a:t>
+            </a:r>
+            <a:r>
+              <a:rPr lang="tr-TR" dirty="0" err="1"/>
+              <a:t>free</a:t>
+            </a:r>
+            <a:endParaRPr lang="tr-TR" dirty="0"/>
+          </a:p>
+          <a:p>
+            <a:pPr marL="0" indent="0">
+              <a:buNone/>
+            </a:pPr>
+            <a:r>
+              <a:rPr lang="tr-TR" b="1" u="sng" dirty="0" err="1" smtClean="0"/>
+              <a:t>Incentives</a:t>
+            </a:r>
+            <a:endParaRPr lang="tr-TR" b="1" u="sng" dirty="0" smtClean="0"/>
+          </a:p>
+          <a:p>
+            <a:r>
+              <a:rPr lang="tr-TR" dirty="0"/>
+              <a:t>46 (11% in U.S) </a:t>
+            </a:r>
+            <a:r>
+              <a:rPr lang="tr-TR" dirty="0" err="1"/>
+              <a:t>Evs</a:t>
+            </a:r>
+            <a:r>
+              <a:rPr lang="tr-TR" dirty="0"/>
+              <a:t> </a:t>
+            </a:r>
+            <a:r>
+              <a:rPr lang="tr-TR" dirty="0" err="1" smtClean="0"/>
+              <a:t>incentives</a:t>
+            </a:r>
+            <a:endParaRPr lang="tr-TR" dirty="0" smtClean="0"/>
+          </a:p>
+          <a:p>
+            <a:r>
+              <a:rPr lang="en-US" dirty="0"/>
+              <a:t>HOV lane access was </a:t>
+            </a:r>
+            <a:r>
+              <a:rPr lang="en-US" dirty="0" smtClean="0"/>
+              <a:t>a </a:t>
+            </a:r>
+            <a:r>
+              <a:rPr lang="en-US" dirty="0"/>
+              <a:t>very important purchase motivation for 59% </a:t>
+            </a:r>
+            <a:endParaRPr lang="fr-FR" dirty="0"/>
+          </a:p>
+          <a:p>
+            <a:pPr marL="0" indent="0">
+              <a:buNone/>
+            </a:pPr>
+            <a:endParaRPr lang="fr-FR" b="1" u="sng" dirty="0"/>
+          </a:p>
+        </p:txBody>
+      </p:sp>
+      <p:sp>
+        <p:nvSpPr>
+          <p:cNvPr id="6" name="ZoneTexte 6"/>
+          <p:cNvSpPr txBox="1"/>
+          <p:nvPr/>
+        </p:nvSpPr>
+        <p:spPr>
+          <a:xfrm>
+            <a:off x="6971318" y="3129566"/>
+            <a:ext cx="4833601" cy="3539430"/>
+          </a:xfrm>
+          <a:prstGeom prst="rect">
+            <a:avLst/>
+          </a:prstGeom>
+          <a:noFill/>
+        </p:spPr>
+        <p:txBody>
+          <a:bodyPr wrap="square" rtlCol="0">
+            <a:spAutoFit/>
+          </a:bodyPr>
+          <a:lstStyle/>
+          <a:p>
+            <a:r>
+              <a:rPr lang="fr-FR" sz="2800" b="1" u="sng" dirty="0" err="1" smtClean="0"/>
+              <a:t>Results</a:t>
+            </a:r>
+            <a:r>
+              <a:rPr lang="fr-FR" sz="2800" b="1" u="sng" dirty="0" smtClean="0"/>
+              <a:t>:</a:t>
+            </a:r>
+          </a:p>
+          <a:p>
+            <a:pPr marL="457200" indent="-457200">
+              <a:buFont typeface="Arial" panose="020B0604020202020204" pitchFamily="34" charset="0"/>
+              <a:buChar char="•"/>
+            </a:pPr>
+            <a:r>
+              <a:rPr lang="tr-TR" sz="2800" dirty="0" smtClean="0"/>
+              <a:t>92% </a:t>
+            </a:r>
+            <a:r>
+              <a:rPr lang="tr-TR" sz="2800" dirty="0" err="1" smtClean="0"/>
+              <a:t>overall</a:t>
+            </a:r>
+            <a:r>
+              <a:rPr lang="tr-TR" sz="2800" dirty="0" smtClean="0"/>
+              <a:t> </a:t>
+            </a:r>
+            <a:r>
+              <a:rPr lang="tr-TR" sz="2800" dirty="0" err="1" smtClean="0"/>
+              <a:t>satisfaction</a:t>
+            </a:r>
+            <a:endParaRPr lang="tr-TR" sz="2800" dirty="0" smtClean="0"/>
+          </a:p>
+          <a:p>
+            <a:pPr marL="457200" indent="-457200">
+              <a:buFont typeface="Arial" panose="020B0604020202020204" pitchFamily="34" charset="0"/>
+              <a:buChar char="•"/>
+            </a:pPr>
+            <a:r>
+              <a:rPr lang="tr-TR" sz="2800" dirty="0" smtClean="0"/>
+              <a:t>87% </a:t>
+            </a:r>
+            <a:r>
+              <a:rPr lang="tr-TR" sz="2800" dirty="0" err="1" smtClean="0"/>
+              <a:t>users</a:t>
+            </a:r>
+            <a:r>
+              <a:rPr lang="tr-TR" sz="2800" dirty="0" smtClean="0"/>
+              <a:t> </a:t>
+            </a:r>
+            <a:r>
+              <a:rPr lang="tr-TR" sz="2800" dirty="0" err="1" smtClean="0"/>
+              <a:t>graduate</a:t>
+            </a:r>
+            <a:r>
+              <a:rPr lang="tr-TR" sz="2800" dirty="0" smtClean="0"/>
+              <a:t> </a:t>
+            </a:r>
+            <a:r>
+              <a:rPr lang="tr-TR" sz="2800" dirty="0" err="1" smtClean="0"/>
+              <a:t>or</a:t>
+            </a:r>
+            <a:r>
+              <a:rPr lang="tr-TR" sz="2800" dirty="0" smtClean="0"/>
+              <a:t> </a:t>
+            </a:r>
+            <a:r>
+              <a:rPr lang="tr-TR" sz="2800" dirty="0" err="1" smtClean="0"/>
+              <a:t>postgraduate</a:t>
+            </a:r>
+            <a:endParaRPr lang="fr-FR" sz="2800" dirty="0" smtClean="0"/>
+          </a:p>
+          <a:p>
+            <a:pPr marL="457200" indent="-457200">
+              <a:buFont typeface="Arial" panose="020B0604020202020204" pitchFamily="34" charset="0"/>
+              <a:buChar char="•"/>
+            </a:pPr>
+            <a:r>
+              <a:rPr lang="tr-TR" sz="2800" dirty="0" err="1" smtClean="0"/>
+              <a:t>Cost</a:t>
+            </a:r>
+            <a:r>
+              <a:rPr lang="tr-TR" sz="2800" dirty="0" smtClean="0"/>
+              <a:t> is </a:t>
+            </a:r>
+            <a:r>
+              <a:rPr lang="tr-TR" sz="2800" dirty="0" err="1" smtClean="0"/>
+              <a:t>first</a:t>
+            </a:r>
+            <a:r>
+              <a:rPr lang="tr-TR" sz="2800" dirty="0" smtClean="0"/>
+              <a:t> on </a:t>
+            </a:r>
+            <a:r>
+              <a:rPr lang="tr-TR" sz="2800" dirty="0" err="1" smtClean="0"/>
+              <a:t>deciding</a:t>
+            </a:r>
+            <a:r>
+              <a:rPr lang="tr-TR" sz="2800" dirty="0" smtClean="0"/>
+              <a:t> </a:t>
+            </a:r>
+            <a:r>
+              <a:rPr lang="tr-TR" sz="2800" dirty="0" err="1" smtClean="0"/>
+              <a:t>charging</a:t>
+            </a:r>
+            <a:endParaRPr lang="fr-FR" sz="2800" dirty="0"/>
+          </a:p>
+          <a:p>
+            <a:pPr marL="457200" indent="-457200">
+              <a:buFont typeface="Arial" panose="020B0604020202020204" pitchFamily="34" charset="0"/>
+              <a:buChar char="•"/>
+            </a:pPr>
+            <a:r>
+              <a:rPr lang="tr-TR" sz="2800" dirty="0" smtClean="0"/>
+              <a:t>Environment </a:t>
+            </a:r>
+            <a:r>
+              <a:rPr lang="tr-TR" sz="2800" dirty="0" err="1" smtClean="0"/>
+              <a:t>and</a:t>
+            </a:r>
+            <a:r>
+              <a:rPr lang="tr-TR" sz="2800" dirty="0" smtClean="0"/>
+              <a:t> </a:t>
+            </a:r>
+            <a:r>
+              <a:rPr lang="tr-TR" sz="2800" dirty="0" err="1" smtClean="0"/>
+              <a:t>energy</a:t>
+            </a:r>
+            <a:r>
+              <a:rPr lang="tr-TR" sz="2800" dirty="0" smtClean="0"/>
+              <a:t> </a:t>
+            </a:r>
+            <a:r>
+              <a:rPr lang="tr-TR" sz="2800" dirty="0" err="1" smtClean="0"/>
+              <a:t>independance</a:t>
+            </a:r>
+            <a:r>
+              <a:rPr lang="tr-TR" sz="2800" dirty="0" smtClean="0"/>
+              <a:t> </a:t>
+            </a:r>
+            <a:r>
+              <a:rPr lang="tr-TR" sz="2800" dirty="0" err="1" smtClean="0"/>
+              <a:t>first</a:t>
+            </a:r>
+            <a:r>
+              <a:rPr lang="tr-TR" sz="2800" dirty="0" smtClean="0"/>
+              <a:t> </a:t>
+            </a:r>
+            <a:r>
+              <a:rPr lang="tr-TR" sz="2800" dirty="0" err="1" smtClean="0"/>
+              <a:t>reasons</a:t>
+            </a:r>
+            <a:endParaRPr lang="fr-FR" sz="2800" b="1" u="sng" dirty="0" smtClean="0"/>
+          </a:p>
+        </p:txBody>
+      </p:sp>
+      <p:pic>
+        <p:nvPicPr>
+          <p:cNvPr id="10" name="Picture 9"/>
+          <p:cNvPicPr>
+            <a:picLocks noChangeAspect="1"/>
+          </p:cNvPicPr>
+          <p:nvPr/>
+        </p:nvPicPr>
+        <p:blipFill>
+          <a:blip r:embed="rId2">
+            <a:extLst>
+              <a:ext uri="{28A0092B-C50C-407E-A947-70E740481C1C}">
+                <a14:useLocalDpi xmlns:a14="http://schemas.microsoft.com/office/drawing/2010/main" val="0"/>
+              </a:ext>
+            </a:extLst>
+          </a:blip>
+          <a:stretch>
+            <a:fillRect/>
+          </a:stretch>
+        </p:blipFill>
+        <p:spPr>
+          <a:xfrm>
+            <a:off x="6584238" y="11959"/>
+            <a:ext cx="5607762" cy="3143365"/>
+          </a:xfrm>
+          <a:prstGeom prst="rect">
+            <a:avLst/>
+          </a:prstGeom>
+        </p:spPr>
+      </p:pic>
+    </p:spTree>
+    <p:extLst>
+      <p:ext uri="{BB962C8B-B14F-4D97-AF65-F5344CB8AC3E}">
+        <p14:creationId xmlns:p14="http://schemas.microsoft.com/office/powerpoint/2010/main" val="1832435074"/>
+      </p:ext>
+    </p:extLst>
+  </p:cSld>
+  <p:clrMapOvr>
+    <a:masterClrMapping/>
+  </p:clrMapOvr>
+</p:sld>
+</file>
+
+<file path=ppt/slides/slide7.xml><?xml version="1.0" encoding="utf-8"?>
+<p:sld xmlns:a="http://schemas.openxmlformats.org/drawingml/2006/main" xmlns:r="http://schemas.openxmlformats.org/officeDocument/2006/relationships" xmlns:p="http://schemas.openxmlformats.org/presentationml/2006/main">
+  <p:cSld>
+    <p:spTree>
+      <p:nvGrpSpPr>
+        <p:cNvPr id="1" name=""/>
+        <p:cNvGrpSpPr/>
+        <p:nvPr/>
+      </p:nvGrpSpPr>
+      <p:grpSpPr>
+        <a:xfrm>
+          <a:off x="0" y="0"/>
+          <a:ext cx="0" cy="0"/>
+          <a:chOff x="0" y="0"/>
+          <a:chExt cx="0" cy="0"/>
+        </a:xfrm>
+      </p:grpSpPr>
+      <p:sp>
+        <p:nvSpPr>
+          <p:cNvPr id="2" name="Title 1"/>
+          <p:cNvSpPr>
+            <a:spLocks noGrp="1"/>
+          </p:cNvSpPr>
+          <p:nvPr>
+            <p:ph type="title"/>
+          </p:nvPr>
+        </p:nvSpPr>
+        <p:spPr/>
+        <p:txBody>
+          <a:bodyPr/>
+          <a:lstStyle/>
+          <a:p>
+            <a:r>
+              <a:rPr lang="tr-TR" b="1" dirty="0" err="1" smtClean="0"/>
+              <a:t>Estonia</a:t>
+            </a:r>
+            <a:endParaRPr lang="tr-TR" b="1" dirty="0"/>
+          </a:p>
+        </p:txBody>
+      </p:sp>
+      <p:sp>
+        <p:nvSpPr>
+          <p:cNvPr id="4" name="Espace réservé du contenu 2"/>
+          <p:cNvSpPr txBox="1">
+            <a:spLocks/>
+          </p:cNvSpPr>
+          <p:nvPr/>
+        </p:nvSpPr>
+        <p:spPr>
+          <a:xfrm>
+            <a:off x="838199" y="1598721"/>
+            <a:ext cx="5534025" cy="4351338"/>
+          </a:xfrm>
+          <a:prstGeom prst="rect">
+            <a:avLst/>
+          </a:prstGeom>
+        </p:spPr>
+        <p:txBody>
+          <a:bodyPr vert="horz" lIns="91440" tIns="45720" rIns="91440" bIns="45720" rtlCol="0">
+            <a:normAutofit/>
+          </a:bodyPr>
+          <a:lstStyle>
+            <a:lvl1pPr marL="228600" indent="-228600" algn="l" defTabSz="914400" rtl="0" eaLnBrk="1" latinLnBrk="0" hangingPunct="1">
+              <a:lnSpc>
+                <a:spcPct val="90000"/>
+              </a:lnSpc>
+              <a:spcBef>
+                <a:spcPts val="1000"/>
+              </a:spcBef>
+              <a:buFont typeface="Arial" panose="020B0604020202020204" pitchFamily="34" charset="0"/>
+              <a:buChar char="•"/>
+              <a:defRPr sz="2800" kern="1200">
+                <a:solidFill>
+                  <a:schemeClr val="tx1"/>
+                </a:solidFill>
+                <a:latin typeface="+mn-lt"/>
+                <a:ea typeface="+mn-ea"/>
+                <a:cs typeface="+mn-cs"/>
+              </a:defRPr>
+            </a:lvl1pPr>
+            <a:lvl2pPr marL="685800" indent="-228600" algn="l" defTabSz="914400" rtl="0" eaLnBrk="1" latinLnBrk="0" hangingPunct="1">
+              <a:lnSpc>
+                <a:spcPct val="90000"/>
+              </a:lnSpc>
+              <a:spcBef>
+                <a:spcPts val="500"/>
+              </a:spcBef>
+              <a:buFont typeface="Arial" panose="020B0604020202020204" pitchFamily="34" charset="0"/>
+              <a:buChar char="•"/>
+              <a:defRPr sz="2400" kern="1200">
+                <a:solidFill>
+                  <a:schemeClr val="tx1"/>
+                </a:solidFill>
+                <a:latin typeface="+mn-lt"/>
+                <a:ea typeface="+mn-ea"/>
+                <a:cs typeface="+mn-cs"/>
+              </a:defRPr>
+            </a:lvl2pPr>
+            <a:lvl3pPr marL="1143000" indent="-228600" algn="l" defTabSz="914400" rtl="0" eaLnBrk="1" latinLnBrk="0" hangingPunct="1">
+              <a:lnSpc>
+                <a:spcPct val="90000"/>
+              </a:lnSpc>
+              <a:spcBef>
+                <a:spcPts val="500"/>
+              </a:spcBef>
+              <a:buFont typeface="Arial" panose="020B0604020202020204" pitchFamily="34" charset="0"/>
+              <a:buChar char="•"/>
+              <a:defRPr sz="2000" kern="1200">
+                <a:solidFill>
+                  <a:schemeClr val="tx1"/>
+                </a:solidFill>
+                <a:latin typeface="+mn-lt"/>
+                <a:ea typeface="+mn-ea"/>
+                <a:cs typeface="+mn-cs"/>
+              </a:defRPr>
+            </a:lvl3pPr>
+            <a:lvl4pPr marL="1600200" indent="-228600" algn="l" defTabSz="914400" rtl="0" eaLnBrk="1" latinLnBrk="0" hangingPunct="1">
+              <a:lnSpc>
+                <a:spcPct val="90000"/>
+              </a:lnSpc>
+              <a:spcBef>
+                <a:spcPts val="500"/>
+              </a:spcBef>
+              <a:buFont typeface="Arial" panose="020B0604020202020204" pitchFamily="34" charset="0"/>
+              <a:buChar char="•"/>
+              <a:defRPr sz="1800" kern="1200">
+                <a:solidFill>
+                  <a:schemeClr val="tx1"/>
+                </a:solidFill>
+                <a:latin typeface="+mn-lt"/>
+                <a:ea typeface="+mn-ea"/>
+                <a:cs typeface="+mn-cs"/>
+              </a:defRPr>
+            </a:lvl4pPr>
+            <a:lvl5pPr marL="2057400" indent="-228600" algn="l" defTabSz="914400" rtl="0" eaLnBrk="1" latinLnBrk="0" hangingPunct="1">
+              <a:lnSpc>
+                <a:spcPct val="90000"/>
+              </a:lnSpc>
+              <a:spcBef>
+                <a:spcPts val="500"/>
+              </a:spcBef>
+              <a:buFont typeface="Arial" panose="020B0604020202020204" pitchFamily="34" charset="0"/>
+              <a:buChar char="•"/>
+              <a:defRPr sz="1800" kern="1200">
+                <a:solidFill>
+                  <a:schemeClr val="tx1"/>
+                </a:solidFill>
+                <a:latin typeface="+mn-lt"/>
+                <a:ea typeface="+mn-ea"/>
+                <a:cs typeface="+mn-cs"/>
+              </a:defRPr>
+            </a:lvl5pPr>
+            <a:lvl6pPr marL="2514600" indent="-228600" algn="l" defTabSz="914400" rtl="0" eaLnBrk="1" latinLnBrk="0" hangingPunct="1">
+              <a:lnSpc>
+                <a:spcPct val="90000"/>
+              </a:lnSpc>
+              <a:spcBef>
+                <a:spcPts val="500"/>
+              </a:spcBef>
+              <a:buFont typeface="Arial" panose="020B0604020202020204" pitchFamily="34" charset="0"/>
+              <a:buChar char="•"/>
+              <a:defRPr sz="1800" kern="1200">
+                <a:solidFill>
+                  <a:schemeClr val="tx1"/>
+                </a:solidFill>
+                <a:latin typeface="+mn-lt"/>
+                <a:ea typeface="+mn-ea"/>
+                <a:cs typeface="+mn-cs"/>
+              </a:defRPr>
+            </a:lvl6pPr>
+            <a:lvl7pPr marL="2971800" indent="-228600" algn="l" defTabSz="914400" rtl="0" eaLnBrk="1" latinLnBrk="0" hangingPunct="1">
+              <a:lnSpc>
+                <a:spcPct val="90000"/>
+              </a:lnSpc>
+              <a:spcBef>
+                <a:spcPts val="500"/>
+              </a:spcBef>
+              <a:buFont typeface="Arial" panose="020B0604020202020204" pitchFamily="34" charset="0"/>
+              <a:buChar char="•"/>
+              <a:defRPr sz="1800" kern="1200">
+                <a:solidFill>
+                  <a:schemeClr val="tx1"/>
+                </a:solidFill>
+                <a:latin typeface="+mn-lt"/>
+                <a:ea typeface="+mn-ea"/>
+                <a:cs typeface="+mn-cs"/>
+              </a:defRPr>
+            </a:lvl7pPr>
+            <a:lvl8pPr marL="3429000" indent="-228600" algn="l" defTabSz="914400" rtl="0" eaLnBrk="1" latinLnBrk="0" hangingPunct="1">
+              <a:lnSpc>
+                <a:spcPct val="90000"/>
+              </a:lnSpc>
+              <a:spcBef>
+                <a:spcPts val="500"/>
+              </a:spcBef>
+              <a:buFont typeface="Arial" panose="020B0604020202020204" pitchFamily="34" charset="0"/>
+              <a:buChar char="•"/>
+              <a:defRPr sz="1800" kern="1200">
+                <a:solidFill>
+                  <a:schemeClr val="tx1"/>
+                </a:solidFill>
+                <a:latin typeface="+mn-lt"/>
+                <a:ea typeface="+mn-ea"/>
+                <a:cs typeface="+mn-cs"/>
+              </a:defRPr>
+            </a:lvl8pPr>
+            <a:lvl9pPr marL="3886200" indent="-228600" algn="l" defTabSz="914400" rtl="0" eaLnBrk="1" latinLnBrk="0" hangingPunct="1">
+              <a:lnSpc>
+                <a:spcPct val="90000"/>
+              </a:lnSpc>
+              <a:spcBef>
+                <a:spcPts val="500"/>
+              </a:spcBef>
+              <a:buFont typeface="Arial" panose="020B0604020202020204" pitchFamily="34" charset="0"/>
+              <a:buChar char="•"/>
+              <a:defRPr sz="1800" kern="1200">
+                <a:solidFill>
+                  <a:schemeClr val="tx1"/>
+                </a:solidFill>
+                <a:latin typeface="+mn-lt"/>
+                <a:ea typeface="+mn-ea"/>
+                <a:cs typeface="+mn-cs"/>
+              </a:defRPr>
+            </a:lvl9pPr>
+          </a:lstStyle>
+          <a:p>
+            <a:pPr marL="0" indent="0">
+              <a:buNone/>
+            </a:pPr>
+            <a:r>
+              <a:rPr lang="tr-TR" b="1" u="sng" dirty="0" err="1"/>
+              <a:t>Infrasturcture</a:t>
+            </a:r>
+            <a:endParaRPr lang="fr-FR" dirty="0"/>
+          </a:p>
+          <a:p>
+            <a:r>
+              <a:rPr lang="en-US" dirty="0" smtClean="0"/>
+              <a:t>5,176</a:t>
+            </a:r>
+            <a:endParaRPr lang="tr-TR" dirty="0" smtClean="0"/>
+          </a:p>
+          <a:p>
+            <a:pPr marL="0" indent="0">
+              <a:buNone/>
+            </a:pPr>
+            <a:r>
+              <a:rPr lang="tr-TR" b="1" u="sng" dirty="0" err="1"/>
+              <a:t>Incentives</a:t>
+            </a:r>
+            <a:endParaRPr lang="fr-FR" b="1" u="sng" dirty="0"/>
+          </a:p>
+          <a:p>
+            <a:r>
+              <a:rPr lang="tr-TR" dirty="0" smtClean="0"/>
+              <a:t>46 </a:t>
+            </a:r>
+            <a:endParaRPr lang="fr-FR" dirty="0" smtClean="0"/>
+          </a:p>
+          <a:p>
+            <a:endParaRPr lang="fr-FR" dirty="0"/>
+          </a:p>
+        </p:txBody>
+      </p:sp>
+      <p:sp>
+        <p:nvSpPr>
+          <p:cNvPr id="5" name="ZoneTexte 6"/>
+          <p:cNvSpPr txBox="1"/>
+          <p:nvPr/>
+        </p:nvSpPr>
+        <p:spPr>
+          <a:xfrm>
+            <a:off x="6786294" y="3323649"/>
+            <a:ext cx="5169486" cy="954107"/>
+          </a:xfrm>
+          <a:prstGeom prst="rect">
+            <a:avLst/>
+          </a:prstGeom>
+          <a:noFill/>
+        </p:spPr>
+        <p:txBody>
+          <a:bodyPr wrap="square" rtlCol="0">
+            <a:spAutoFit/>
+          </a:bodyPr>
+          <a:lstStyle/>
+          <a:p>
+            <a:r>
+              <a:rPr lang="fr-FR" sz="2800" b="1" u="sng" dirty="0" err="1" smtClean="0"/>
+              <a:t>Results</a:t>
+            </a:r>
+            <a:r>
+              <a:rPr lang="fr-FR" sz="2800" b="1" u="sng" dirty="0" smtClean="0"/>
+              <a:t>:</a:t>
+            </a:r>
+          </a:p>
+          <a:p>
+            <a:pPr marL="457200" indent="-457200">
+              <a:buFont typeface="Arial" panose="020B0604020202020204" pitchFamily="34" charset="0"/>
+              <a:buChar char="•"/>
+            </a:pPr>
+            <a:r>
+              <a:rPr lang="fr-FR" sz="2800" dirty="0" smtClean="0"/>
+              <a:t>Ver</a:t>
+            </a:r>
+            <a:endParaRPr lang="fr-FR" sz="2800" b="1" u="sng" dirty="0"/>
+          </a:p>
+        </p:txBody>
+      </p:sp>
+      <p:pic>
+        <p:nvPicPr>
+          <p:cNvPr id="7" name="图片 2"/>
+          <p:cNvPicPr/>
+          <p:nvPr/>
+        </p:nvPicPr>
+        <p:blipFill>
+          <a:blip r:embed="rId2"/>
+          <a:srcRect/>
+          <a:stretch>
+            <a:fillRect/>
+          </a:stretch>
+        </p:blipFill>
+        <p:spPr bwMode="auto">
+          <a:xfrm>
+            <a:off x="6786294" y="0"/>
+            <a:ext cx="4981575" cy="3181350"/>
+          </a:xfrm>
+          <a:prstGeom prst="rect">
+            <a:avLst/>
+          </a:prstGeom>
+          <a:noFill/>
+          <a:ln w="9525">
+            <a:noFill/>
+            <a:miter lim="800000"/>
+            <a:headEnd/>
+            <a:tailEnd/>
+          </a:ln>
+        </p:spPr>
+      </p:pic>
+    </p:spTree>
+    <p:extLst>
+      <p:ext uri="{BB962C8B-B14F-4D97-AF65-F5344CB8AC3E}">
+        <p14:creationId xmlns:p14="http://schemas.microsoft.com/office/powerpoint/2010/main" val="3399622642"/>
+      </p:ext>
+    </p:extLst>
+  </p:cSld>
+  <p:clrMapOvr>
+    <a:masterClrMapping/>
+  </p:clrMapOvr>
 </p:sld>
 </file>
 

--- a/Class Presentations/3rd-presentation/PPT 13 05.pptx
+++ b/Class Presentations/3rd-presentation/PPT 13 05.pptx
@@ -5622,8 +5622,8 @@
         </p:nvSpPr>
         <p:spPr>
           <a:xfrm>
-            <a:off x="838199" y="1598721"/>
-            <a:ext cx="5534025" cy="4351338"/>
+            <a:off x="837127" y="1598720"/>
+            <a:ext cx="5949167" cy="4802079"/>
           </a:xfrm>
           <a:prstGeom prst="rect">
             <a:avLst/>
@@ -5631,7 +5631,7 @@
         </p:spPr>
         <p:txBody>
           <a:bodyPr vert="horz" lIns="91440" tIns="45720" rIns="91440" bIns="45720" rtlCol="0">
-            <a:normAutofit/>
+            <a:normAutofit fontScale="92500" lnSpcReduction="10000"/>
           </a:bodyPr>
           <a:lstStyle>
             <a:lvl1pPr marL="228600" indent="-228600" algn="l" defTabSz="914400" rtl="0" eaLnBrk="1" latinLnBrk="0" hangingPunct="1">
@@ -5809,17 +5809,63 @@
           </a:p>
           <a:p>
             <a:r>
+              <a:rPr lang="tr-TR" dirty="0" smtClean="0"/>
+              <a:t>W</a:t>
+            </a:r>
+            <a:r>
+              <a:rPr lang="en-US" dirty="0" err="1" smtClean="0"/>
+              <a:t>orld’s</a:t>
+            </a:r>
+            <a:r>
               <a:rPr lang="en-US" dirty="0" smtClean="0"/>
-              <a:t>5,176</a:t>
+              <a:t> </a:t>
+            </a:r>
+            <a:r>
+              <a:rPr lang="en-US" dirty="0"/>
+              <a:t>first country to launch a nationwide fast-charging network </a:t>
             </a:r>
             <a:endParaRPr lang="tr-TR" dirty="0" smtClean="0"/>
           </a:p>
           <a:p>
+            <a:r>
+              <a:rPr lang="tr-TR" dirty="0" smtClean="0"/>
+              <a:t>B</a:t>
+            </a:r>
+            <a:r>
+              <a:rPr lang="en-GB" dirty="0" err="1" smtClean="0"/>
+              <a:t>eginning</a:t>
+            </a:r>
+            <a:r>
+              <a:rPr lang="en-GB" dirty="0" smtClean="0"/>
+              <a:t> </a:t>
+            </a:r>
+            <a:r>
+              <a:rPr lang="en-GB" dirty="0"/>
+              <a:t>of 2013, 163 fast chargers have been installed </a:t>
+            </a:r>
+            <a:endParaRPr lang="tr-TR" dirty="0" smtClean="0"/>
+          </a:p>
+          <a:p>
+            <a:r>
+              <a:rPr lang="tr-TR" dirty="0"/>
+              <a:t>D</a:t>
+            </a:r>
+            <a:r>
+              <a:rPr lang="et-EE" dirty="0" smtClean="0"/>
+              <a:t>istance </a:t>
+            </a:r>
+            <a:r>
+              <a:rPr lang="et-EE" dirty="0"/>
+              <a:t>between quick charging points is 40-60 km </a:t>
+            </a:r>
+            <a:endParaRPr lang="tr-TR" dirty="0" smtClean="0"/>
+          </a:p>
+          <a:p>
             <a:pPr marL="0" indent="0">
               <a:buNone/>
             </a:pPr>
             <a:r>
-              <a:rPr lang="tr-TR" b="1" u="sng" dirty="0" err="1"/>
+              <a:rPr lang="tr-TR" b="1" u="sng" dirty="0" err="1" smtClean="0"/>
               <a:t>Incentives</a:t>
             </a:r>
             <a:endParaRPr lang="fr-FR" b="1" u="sng" dirty="0"/>
@@ -5827,9 +5873,48 @@
           <a:p>
             <a:r>
               <a:rPr lang="tr-TR" dirty="0" smtClean="0"/>
-              <a:t>46 </a:t>
-            </a:r>
-            <a:endParaRPr lang="fr-FR" dirty="0" smtClean="0"/>
+              <a:t>U</a:t>
+            </a:r>
+            <a:r>
+              <a:rPr lang="en-US" dirty="0" smtClean="0"/>
+              <a:t>p </a:t>
+            </a:r>
+            <a:r>
+              <a:rPr lang="en-US" dirty="0"/>
+              <a:t>to 18,000 Euros of the all-electric car’s </a:t>
+            </a:r>
+            <a:endParaRPr lang="tr-TR" dirty="0" smtClean="0"/>
+          </a:p>
+          <a:p>
+            <a:r>
+              <a:rPr lang="en-US" dirty="0" smtClean="0"/>
+              <a:t>1,000 </a:t>
+            </a:r>
+            <a:r>
+              <a:rPr lang="en-US" dirty="0"/>
+              <a:t>Euros </a:t>
+            </a:r>
+            <a:r>
+              <a:rPr lang="en-US" dirty="0"/>
+              <a:t>support </a:t>
+            </a:r>
+            <a:r>
+              <a:rPr lang="en-US" dirty="0" smtClean="0"/>
+              <a:t>for charging </a:t>
+            </a:r>
+            <a:r>
+              <a:rPr lang="en-US" dirty="0"/>
+              <a:t>system </a:t>
+            </a:r>
+            <a:r>
+              <a:rPr lang="en-US" dirty="0" smtClean="0"/>
+              <a:t>at </a:t>
+            </a:r>
+            <a:r>
+              <a:rPr lang="en-US" dirty="0"/>
+              <a:t>home.</a:t>
+            </a:r>
+            <a:endParaRPr lang="tr-TR" dirty="0"/>
           </a:p>
           <a:p>
             <a:endParaRPr lang="fr-FR" dirty="0"/>
@@ -5845,7 +5930,7 @@
         <p:spPr>
           <a:xfrm>
             <a:off x="6786294" y="3323649"/>
-            <a:ext cx="5169486" cy="954107"/>
+            <a:ext cx="5169486" cy="2246769"/>
           </a:xfrm>
           <a:prstGeom prst="rect">
             <a:avLst/>
@@ -5873,8 +5958,43 @@
               <a:buChar char="•"/>
             </a:pPr>
             <a:r>
-              <a:rPr lang="fr-FR" sz="2800" dirty="0" smtClean="0"/>
-              <a:t>Ver</a:t>
+              <a:rPr lang="tr-TR" sz="2800" dirty="0"/>
+              <a:t>O</a:t>
+            </a:r>
+            <a:r>
+              <a:rPr lang="en-US" sz="2800" dirty="0" smtClean="0"/>
+              <a:t>ne </a:t>
+            </a:r>
+            <a:r>
+              <a:rPr lang="en-US" sz="2800" dirty="0"/>
+              <a:t>electric car registered per each 1,000 </a:t>
+            </a:r>
+            <a:r>
+              <a:rPr lang="en-US" sz="2800" dirty="0" smtClean="0"/>
+              <a:t>cars</a:t>
+            </a:r>
+            <a:endParaRPr lang="tr-TR" sz="2800" dirty="0" smtClean="0"/>
+          </a:p>
+          <a:p>
+            <a:pPr marL="457200" indent="-457200">
+              <a:buFont typeface="Arial" panose="020B0604020202020204" pitchFamily="34" charset="0"/>
+              <a:buChar char="•"/>
+            </a:pPr>
+            <a:r>
+              <a:rPr lang="tr-TR" sz="2800" dirty="0"/>
+              <a:t>B</a:t>
+            </a:r>
+            <a:r>
+              <a:rPr lang="en-US" sz="2800" dirty="0" err="1" smtClean="0"/>
+              <a:t>attery</a:t>
+            </a:r>
+            <a:r>
+              <a:rPr lang="en-US" sz="2800" dirty="0" smtClean="0"/>
+              <a:t> </a:t>
+            </a:r>
+            <a:r>
+              <a:rPr lang="en-US" sz="2800" dirty="0"/>
+              <a:t>can be charged up to 90% in less than 30 minutes </a:t>
             </a:r>
             <a:endParaRPr lang="fr-FR" sz="2800" b="1" u="sng" dirty="0"/>
           </a:p>

--- a/Class Presentations/3rd-presentation/PPT 13 05.pptx
+++ b/Class Presentations/3rd-presentation/PPT 13 05.pptx
@@ -112,7 +112,7 @@
   </p:defaultTextStyle>
   <p:extLst>
     <p:ext uri="{EFAFB233-063F-42B5-8137-9DF3F51BA10A}">
-      <p15:sldGuideLst xmlns:p15="http://schemas.microsoft.com/office/powerpoint/2012/main"/>
+      <p15:sldGuideLst xmlns:p15="http://schemas.microsoft.com/office/powerpoint/2012/main" xmlns=""/>
     </p:ext>
   </p:extLst>
 </p:presentation>
@@ -249,6 +249,7 @@
           <a:p>
             <a:fld id="{1CE56620-D267-4CA2-95CE-44BD2B620111}" type="datetimeFigureOut">
               <a:rPr lang="fr-FR" smtClean="0"/>
+              <a:pPr/>
               <a:t>13/05/2015</a:t>
             </a:fld>
             <a:endParaRPr lang="fr-FR"/>
@@ -291,6 +292,7 @@
           <a:p>
             <a:fld id="{A866AD3D-4C28-4B2E-82F0-498A9359451B}" type="slidenum">
               <a:rPr lang="fr-FR" smtClean="0"/>
+              <a:pPr/>
               <a:t>‹#›</a:t>
             </a:fld>
             <a:endParaRPr lang="fr-FR"/>
@@ -300,7 +302,7 @@
     </p:spTree>
     <p:extLst>
       <p:ext uri="{BB962C8B-B14F-4D97-AF65-F5344CB8AC3E}">
-        <p14:creationId xmlns:p14="http://schemas.microsoft.com/office/powerpoint/2010/main" val="2956563955"/>
+        <p14:creationId xmlns:p14="http://schemas.microsoft.com/office/powerpoint/2010/main" xmlns="" val="2956563955"/>
       </p:ext>
     </p:extLst>
   </p:cSld>
@@ -419,6 +421,7 @@
           <a:p>
             <a:fld id="{1CE56620-D267-4CA2-95CE-44BD2B620111}" type="datetimeFigureOut">
               <a:rPr lang="fr-FR" smtClean="0"/>
+              <a:pPr/>
               <a:t>13/05/2015</a:t>
             </a:fld>
             <a:endParaRPr lang="fr-FR"/>
@@ -461,6 +464,7 @@
           <a:p>
             <a:fld id="{A866AD3D-4C28-4B2E-82F0-498A9359451B}" type="slidenum">
               <a:rPr lang="fr-FR" smtClean="0"/>
+              <a:pPr/>
               <a:t>‹#›</a:t>
             </a:fld>
             <a:endParaRPr lang="fr-FR"/>
@@ -470,7 +474,7 @@
     </p:spTree>
     <p:extLst>
       <p:ext uri="{BB962C8B-B14F-4D97-AF65-F5344CB8AC3E}">
-        <p14:creationId xmlns:p14="http://schemas.microsoft.com/office/powerpoint/2010/main" val="3586844077"/>
+        <p14:creationId xmlns:p14="http://schemas.microsoft.com/office/powerpoint/2010/main" xmlns="" val="3586844077"/>
       </p:ext>
     </p:extLst>
   </p:cSld>
@@ -599,6 +603,7 @@
           <a:p>
             <a:fld id="{1CE56620-D267-4CA2-95CE-44BD2B620111}" type="datetimeFigureOut">
               <a:rPr lang="fr-FR" smtClean="0"/>
+              <a:pPr/>
               <a:t>13/05/2015</a:t>
             </a:fld>
             <a:endParaRPr lang="fr-FR"/>
@@ -641,6 +646,7 @@
           <a:p>
             <a:fld id="{A866AD3D-4C28-4B2E-82F0-498A9359451B}" type="slidenum">
               <a:rPr lang="fr-FR" smtClean="0"/>
+              <a:pPr/>
               <a:t>‹#›</a:t>
             </a:fld>
             <a:endParaRPr lang="fr-FR"/>
@@ -650,7 +656,7 @@
     </p:spTree>
     <p:extLst>
       <p:ext uri="{BB962C8B-B14F-4D97-AF65-F5344CB8AC3E}">
-        <p14:creationId xmlns:p14="http://schemas.microsoft.com/office/powerpoint/2010/main" val="1845287282"/>
+        <p14:creationId xmlns:p14="http://schemas.microsoft.com/office/powerpoint/2010/main" xmlns="" val="1845287282"/>
       </p:ext>
     </p:extLst>
   </p:cSld>
@@ -769,6 +775,7 @@
           <a:p>
             <a:fld id="{1CE56620-D267-4CA2-95CE-44BD2B620111}" type="datetimeFigureOut">
               <a:rPr lang="fr-FR" smtClean="0"/>
+              <a:pPr/>
               <a:t>13/05/2015</a:t>
             </a:fld>
             <a:endParaRPr lang="fr-FR"/>
@@ -811,6 +818,7 @@
           <a:p>
             <a:fld id="{A866AD3D-4C28-4B2E-82F0-498A9359451B}" type="slidenum">
               <a:rPr lang="fr-FR" smtClean="0"/>
+              <a:pPr/>
               <a:t>‹#›</a:t>
             </a:fld>
             <a:endParaRPr lang="fr-FR"/>
@@ -820,7 +828,7 @@
     </p:spTree>
     <p:extLst>
       <p:ext uri="{BB962C8B-B14F-4D97-AF65-F5344CB8AC3E}">
-        <p14:creationId xmlns:p14="http://schemas.microsoft.com/office/powerpoint/2010/main" val="3803053875"/>
+        <p14:creationId xmlns:p14="http://schemas.microsoft.com/office/powerpoint/2010/main" xmlns="" val="3803053875"/>
       </p:ext>
     </p:extLst>
   </p:cSld>
@@ -1015,6 +1023,7 @@
           <a:p>
             <a:fld id="{1CE56620-D267-4CA2-95CE-44BD2B620111}" type="datetimeFigureOut">
               <a:rPr lang="fr-FR" smtClean="0"/>
+              <a:pPr/>
               <a:t>13/05/2015</a:t>
             </a:fld>
             <a:endParaRPr lang="fr-FR"/>
@@ -1057,6 +1066,7 @@
           <a:p>
             <a:fld id="{A866AD3D-4C28-4B2E-82F0-498A9359451B}" type="slidenum">
               <a:rPr lang="fr-FR" smtClean="0"/>
+              <a:pPr/>
               <a:t>‹#›</a:t>
             </a:fld>
             <a:endParaRPr lang="fr-FR"/>
@@ -1066,7 +1076,7 @@
     </p:spTree>
     <p:extLst>
       <p:ext uri="{BB962C8B-B14F-4D97-AF65-F5344CB8AC3E}">
-        <p14:creationId xmlns:p14="http://schemas.microsoft.com/office/powerpoint/2010/main" val="333799014"/>
+        <p14:creationId xmlns:p14="http://schemas.microsoft.com/office/powerpoint/2010/main" xmlns="" val="333799014"/>
       </p:ext>
     </p:extLst>
   </p:cSld>
@@ -1247,6 +1257,7 @@
           <a:p>
             <a:fld id="{1CE56620-D267-4CA2-95CE-44BD2B620111}" type="datetimeFigureOut">
               <a:rPr lang="fr-FR" smtClean="0"/>
+              <a:pPr/>
               <a:t>13/05/2015</a:t>
             </a:fld>
             <a:endParaRPr lang="fr-FR"/>
@@ -1289,6 +1300,7 @@
           <a:p>
             <a:fld id="{A866AD3D-4C28-4B2E-82F0-498A9359451B}" type="slidenum">
               <a:rPr lang="fr-FR" smtClean="0"/>
+              <a:pPr/>
               <a:t>‹#›</a:t>
             </a:fld>
             <a:endParaRPr lang="fr-FR"/>
@@ -1298,7 +1310,7 @@
     </p:spTree>
     <p:extLst>
       <p:ext uri="{BB962C8B-B14F-4D97-AF65-F5344CB8AC3E}">
-        <p14:creationId xmlns:p14="http://schemas.microsoft.com/office/powerpoint/2010/main" val="2333730497"/>
+        <p14:creationId xmlns:p14="http://schemas.microsoft.com/office/powerpoint/2010/main" xmlns="" val="2333730497"/>
       </p:ext>
     </p:extLst>
   </p:cSld>
@@ -1614,6 +1626,7 @@
           <a:p>
             <a:fld id="{1CE56620-D267-4CA2-95CE-44BD2B620111}" type="datetimeFigureOut">
               <a:rPr lang="fr-FR" smtClean="0"/>
+              <a:pPr/>
               <a:t>13/05/2015</a:t>
             </a:fld>
             <a:endParaRPr lang="fr-FR"/>
@@ -1656,6 +1669,7 @@
           <a:p>
             <a:fld id="{A866AD3D-4C28-4B2E-82F0-498A9359451B}" type="slidenum">
               <a:rPr lang="fr-FR" smtClean="0"/>
+              <a:pPr/>
               <a:t>‹#›</a:t>
             </a:fld>
             <a:endParaRPr lang="fr-FR"/>
@@ -1665,7 +1679,7 @@
     </p:spTree>
     <p:extLst>
       <p:ext uri="{BB962C8B-B14F-4D97-AF65-F5344CB8AC3E}">
-        <p14:creationId xmlns:p14="http://schemas.microsoft.com/office/powerpoint/2010/main" val="318817838"/>
+        <p14:creationId xmlns:p14="http://schemas.microsoft.com/office/powerpoint/2010/main" xmlns="" val="318817838"/>
       </p:ext>
     </p:extLst>
   </p:cSld>
@@ -1732,6 +1746,7 @@
           <a:p>
             <a:fld id="{1CE56620-D267-4CA2-95CE-44BD2B620111}" type="datetimeFigureOut">
               <a:rPr lang="fr-FR" smtClean="0"/>
+              <a:pPr/>
               <a:t>13/05/2015</a:t>
             </a:fld>
             <a:endParaRPr lang="fr-FR"/>
@@ -1774,6 +1789,7 @@
           <a:p>
             <a:fld id="{A866AD3D-4C28-4B2E-82F0-498A9359451B}" type="slidenum">
               <a:rPr lang="fr-FR" smtClean="0"/>
+              <a:pPr/>
               <a:t>‹#›</a:t>
             </a:fld>
             <a:endParaRPr lang="fr-FR"/>
@@ -1783,7 +1799,7 @@
     </p:spTree>
     <p:extLst>
       <p:ext uri="{BB962C8B-B14F-4D97-AF65-F5344CB8AC3E}">
-        <p14:creationId xmlns:p14="http://schemas.microsoft.com/office/powerpoint/2010/main" val="3110000908"/>
+        <p14:creationId xmlns:p14="http://schemas.microsoft.com/office/powerpoint/2010/main" xmlns="" val="3110000908"/>
       </p:ext>
     </p:extLst>
   </p:cSld>
@@ -1827,6 +1843,7 @@
           <a:p>
             <a:fld id="{1CE56620-D267-4CA2-95CE-44BD2B620111}" type="datetimeFigureOut">
               <a:rPr lang="fr-FR" smtClean="0"/>
+              <a:pPr/>
               <a:t>13/05/2015</a:t>
             </a:fld>
             <a:endParaRPr lang="fr-FR"/>
@@ -1869,6 +1886,7 @@
           <a:p>
             <a:fld id="{A866AD3D-4C28-4B2E-82F0-498A9359451B}" type="slidenum">
               <a:rPr lang="fr-FR" smtClean="0"/>
+              <a:pPr/>
               <a:t>‹#›</a:t>
             </a:fld>
             <a:endParaRPr lang="fr-FR"/>
@@ -1878,7 +1896,7 @@
     </p:spTree>
     <p:extLst>
       <p:ext uri="{BB962C8B-B14F-4D97-AF65-F5344CB8AC3E}">
-        <p14:creationId xmlns:p14="http://schemas.microsoft.com/office/powerpoint/2010/main" val="2310813287"/>
+        <p14:creationId xmlns:p14="http://schemas.microsoft.com/office/powerpoint/2010/main" xmlns="" val="2310813287"/>
       </p:ext>
     </p:extLst>
   </p:cSld>
@@ -2104,6 +2122,7 @@
           <a:p>
             <a:fld id="{1CE56620-D267-4CA2-95CE-44BD2B620111}" type="datetimeFigureOut">
               <a:rPr lang="fr-FR" smtClean="0"/>
+              <a:pPr/>
               <a:t>13/05/2015</a:t>
             </a:fld>
             <a:endParaRPr lang="fr-FR"/>
@@ -2146,6 +2165,7 @@
           <a:p>
             <a:fld id="{A866AD3D-4C28-4B2E-82F0-498A9359451B}" type="slidenum">
               <a:rPr lang="fr-FR" smtClean="0"/>
+              <a:pPr/>
               <a:t>‹#›</a:t>
             </a:fld>
             <a:endParaRPr lang="fr-FR"/>
@@ -2155,7 +2175,7 @@
     </p:spTree>
     <p:extLst>
       <p:ext uri="{BB962C8B-B14F-4D97-AF65-F5344CB8AC3E}">
-        <p14:creationId xmlns:p14="http://schemas.microsoft.com/office/powerpoint/2010/main" val="2179397377"/>
+        <p14:creationId xmlns:p14="http://schemas.microsoft.com/office/powerpoint/2010/main" xmlns="" val="2179397377"/>
       </p:ext>
     </p:extLst>
   </p:cSld>
@@ -2357,6 +2377,7 @@
           <a:p>
             <a:fld id="{1CE56620-D267-4CA2-95CE-44BD2B620111}" type="datetimeFigureOut">
               <a:rPr lang="fr-FR" smtClean="0"/>
+              <a:pPr/>
               <a:t>13/05/2015</a:t>
             </a:fld>
             <a:endParaRPr lang="fr-FR"/>
@@ -2399,6 +2420,7 @@
           <a:p>
             <a:fld id="{A866AD3D-4C28-4B2E-82F0-498A9359451B}" type="slidenum">
               <a:rPr lang="fr-FR" smtClean="0"/>
+              <a:pPr/>
               <a:t>‹#›</a:t>
             </a:fld>
             <a:endParaRPr lang="fr-FR"/>
@@ -2408,7 +2430,7 @@
     </p:spTree>
     <p:extLst>
       <p:ext uri="{BB962C8B-B14F-4D97-AF65-F5344CB8AC3E}">
-        <p14:creationId xmlns:p14="http://schemas.microsoft.com/office/powerpoint/2010/main" val="2910074712"/>
+        <p14:creationId xmlns:p14="http://schemas.microsoft.com/office/powerpoint/2010/main" xmlns="" val="2910074712"/>
       </p:ext>
     </p:extLst>
   </p:cSld>
@@ -2570,6 +2592,7 @@
           <a:p>
             <a:fld id="{1CE56620-D267-4CA2-95CE-44BD2B620111}" type="datetimeFigureOut">
               <a:rPr lang="fr-FR" smtClean="0"/>
+              <a:pPr/>
               <a:t>13/05/2015</a:t>
             </a:fld>
             <a:endParaRPr lang="fr-FR"/>
@@ -2648,6 +2671,7 @@
           <a:p>
             <a:fld id="{A866AD3D-4C28-4B2E-82F0-498A9359451B}" type="slidenum">
               <a:rPr lang="fr-FR" smtClean="0"/>
+              <a:pPr/>
               <a:t>‹#›</a:t>
             </a:fld>
             <a:endParaRPr lang="fr-FR"/>
@@ -2657,7 +2681,7 @@
     </p:spTree>
     <p:extLst>
       <p:ext uri="{BB962C8B-B14F-4D97-AF65-F5344CB8AC3E}">
-        <p14:creationId xmlns:p14="http://schemas.microsoft.com/office/powerpoint/2010/main" val="3143527758"/>
+        <p14:creationId xmlns:p14="http://schemas.microsoft.com/office/powerpoint/2010/main" xmlns="" val="3143527758"/>
       </p:ext>
     </p:extLst>
   </p:cSld>
@@ -3009,7 +3033,7 @@
     </p:spTree>
     <p:extLst>
       <p:ext uri="{BB962C8B-B14F-4D97-AF65-F5344CB8AC3E}">
-        <p14:creationId xmlns:p14="http://schemas.microsoft.com/office/powerpoint/2010/main" val="673072304"/>
+        <p14:creationId xmlns:p14="http://schemas.microsoft.com/office/powerpoint/2010/main" xmlns="" val="673072304"/>
       </p:ext>
     </p:extLst>
   </p:cSld>
@@ -3597,7 +3621,7 @@
           <a:blip r:embed="rId2">
             <a:extLst>
               <a:ext uri="{28A0092B-C50C-407E-A947-70E740481C1C}">
-                <a14:useLocalDpi xmlns:a14="http://schemas.microsoft.com/office/drawing/2010/main" val="0"/>
+                <a14:useLocalDpi xmlns:a14="http://schemas.microsoft.com/office/drawing/2010/main" xmlns="" val="0"/>
               </a:ext>
             </a:extLst>
           </a:blip>
@@ -3618,7 +3642,7 @@
     </p:spTree>
     <p:extLst>
       <p:ext uri="{BB962C8B-B14F-4D97-AF65-F5344CB8AC3E}">
-        <p14:creationId xmlns:p14="http://schemas.microsoft.com/office/powerpoint/2010/main" val="183637031"/>
+        <p14:creationId xmlns:p14="http://schemas.microsoft.com/office/powerpoint/2010/main" xmlns="" val="183637031"/>
       </p:ext>
     </p:extLst>
   </p:cSld>
@@ -3686,7 +3710,7 @@
           <a:blip r:embed="rId2">
             <a:extLst>
               <a:ext uri="{28A0092B-C50C-407E-A947-70E740481C1C}">
-                <a14:useLocalDpi xmlns:a14="http://schemas.microsoft.com/office/drawing/2010/main" val="0"/>
+                <a14:useLocalDpi xmlns:a14="http://schemas.microsoft.com/office/drawing/2010/main" xmlns="" val="0"/>
               </a:ext>
             </a:extLst>
           </a:blip>
@@ -4247,7 +4271,7 @@
           <a:blip r:embed="rId3">
             <a:extLst>
               <a:ext uri="{28A0092B-C50C-407E-A947-70E740481C1C}">
-                <a14:useLocalDpi xmlns:a14="http://schemas.microsoft.com/office/drawing/2010/main" val="0"/>
+                <a14:useLocalDpi xmlns:a14="http://schemas.microsoft.com/office/drawing/2010/main" xmlns="" val="0"/>
               </a:ext>
             </a:extLst>
           </a:blip>
@@ -4268,7 +4292,7 @@
     </p:spTree>
     <p:extLst>
       <p:ext uri="{BB962C8B-B14F-4D97-AF65-F5344CB8AC3E}">
-        <p14:creationId xmlns:p14="http://schemas.microsoft.com/office/powerpoint/2010/main" val="1308190283"/>
+        <p14:creationId xmlns:p14="http://schemas.microsoft.com/office/powerpoint/2010/main" xmlns="" val="1308190283"/>
       </p:ext>
     </p:extLst>
   </p:cSld>
@@ -4819,7 +4843,7 @@
           <a:blip r:embed="rId2">
             <a:extLst>
               <a:ext uri="{28A0092B-C50C-407E-A947-70E740481C1C}">
-                <a14:useLocalDpi xmlns:a14="http://schemas.microsoft.com/office/drawing/2010/main" val="0"/>
+                <a14:useLocalDpi xmlns:a14="http://schemas.microsoft.com/office/drawing/2010/main" xmlns="" val="0"/>
               </a:ext>
             </a:extLst>
           </a:blip>
@@ -4854,7 +4878,7 @@
           <a:blip r:embed="rId3" cstate="print">
             <a:extLst>
               <a:ext uri="{28A0092B-C50C-407E-A947-70E740481C1C}">
-                <a14:useLocalDpi xmlns:a14="http://schemas.microsoft.com/office/drawing/2010/main" val="0"/>
+                <a14:useLocalDpi xmlns:a14="http://schemas.microsoft.com/office/drawing/2010/main" xmlns="" val="0"/>
               </a:ext>
             </a:extLst>
           </a:blip>
@@ -4875,7 +4899,7 @@
     </p:spTree>
     <p:extLst>
       <p:ext uri="{BB962C8B-B14F-4D97-AF65-F5344CB8AC3E}">
-        <p14:creationId xmlns:p14="http://schemas.microsoft.com/office/powerpoint/2010/main" val="423385560"/>
+        <p14:creationId xmlns:p14="http://schemas.microsoft.com/office/powerpoint/2010/main" xmlns="" val="423385560"/>
       </p:ext>
     </p:extLst>
   </p:cSld>
@@ -4943,7 +4967,7 @@
     </p:spTree>
     <p:extLst>
       <p:ext uri="{BB962C8B-B14F-4D97-AF65-F5344CB8AC3E}">
-        <p14:creationId xmlns:p14="http://schemas.microsoft.com/office/powerpoint/2010/main" val="1064199473"/>
+        <p14:creationId xmlns:p14="http://schemas.microsoft.com/office/powerpoint/2010/main" xmlns="" val="1064199473"/>
       </p:ext>
     </p:extLst>
   </p:cSld>
@@ -5541,7 +5565,7 @@
           <a:blip r:embed="rId2">
             <a:extLst>
               <a:ext uri="{28A0092B-C50C-407E-A947-70E740481C1C}">
-                <a14:useLocalDpi xmlns:a14="http://schemas.microsoft.com/office/drawing/2010/main" val="0"/>
+                <a14:useLocalDpi xmlns:a14="http://schemas.microsoft.com/office/drawing/2010/main" xmlns="" val="0"/>
               </a:ext>
             </a:extLst>
           </a:blip>
@@ -5562,7 +5586,7 @@
     </p:spTree>
     <p:extLst>
       <p:ext uri="{BB962C8B-B14F-4D97-AF65-F5344CB8AC3E}">
-        <p14:creationId xmlns:p14="http://schemas.microsoft.com/office/powerpoint/2010/main" val="1832435074"/>
+        <p14:creationId xmlns:p14="http://schemas.microsoft.com/office/powerpoint/2010/main" xmlns="" val="1832435074"/>
       </p:ext>
     </p:extLst>
   </p:cSld>
@@ -5892,11 +5916,7 @@
             </a:r>
             <a:r>
               <a:rPr lang="en-US" dirty="0"/>
-              <a:t>Euros </a:t>
-            </a:r>
-            <a:r>
-              <a:rPr lang="en-US" dirty="0"/>
-              <a:t>support </a:t>
+              <a:t>Euros support </a:t>
             </a:r>
             <a:r>
               <a:rPr lang="en-US" dirty="0" smtClean="0"/>
@@ -5981,7 +6001,7 @@
               <a:buChar char="•"/>
             </a:pPr>
             <a:r>
-              <a:rPr lang="tr-TR" sz="2800" dirty="0"/>
+              <a:rPr lang="tr-TR" sz="2800" dirty="0" smtClean="0"/>
               <a:t>B</a:t>
             </a:r>
             <a:r>
@@ -6033,7 +6053,7 @@
     </p:spTree>
     <p:extLst>
       <p:ext uri="{BB962C8B-B14F-4D97-AF65-F5344CB8AC3E}">
-        <p14:creationId xmlns:p14="http://schemas.microsoft.com/office/powerpoint/2010/main" val="3399622642"/>
+        <p14:creationId xmlns:p14="http://schemas.microsoft.com/office/powerpoint/2010/main" xmlns="" val="3399622642"/>
       </p:ext>
     </p:extLst>
   </p:cSld>
@@ -6086,7 +6106,7 @@
     </a:clrScheme>
     <a:fontScheme name="Office">
       <a:majorFont>
-        <a:latin typeface="Calibri Light" panose="020F0302020204030204"/>
+        <a:latin typeface="Calibri Light"/>
         <a:ea typeface=""/>
         <a:cs typeface=""/>
         <a:font script="Jpan" typeface="ＭＳ Ｐゴシック"/>
@@ -6121,7 +6141,7 @@
         <a:font script="Geor" typeface="Sylfaen"/>
       </a:majorFont>
       <a:minorFont>
-        <a:latin typeface="Calibri" panose="020F0502020204030204"/>
+        <a:latin typeface="Calibri"/>
         <a:ea typeface=""/>
         <a:cs typeface=""/>
         <a:font script="Jpan" typeface="ＭＳ Ｐゴシック"/>
@@ -6298,7 +6318,7 @@
   <a:extraClrSchemeLst/>
   <a:extLst>
     <a:ext uri="{05A4C25C-085E-4340-85A3-A5531E510DB2}">
-      <thm15:themeFamily xmlns:thm15="http://schemas.microsoft.com/office/thememl/2012/main" name="Office Theme" id="{62F939B6-93AF-4DB8-9C6B-D6C7DFDC589F}" vid="{4A3C46E8-61CC-4603-A589-7422A47A8E4A}"/>
+      <thm15:themeFamily xmlns:thm15="http://schemas.microsoft.com/office/thememl/2012/main" xmlns="" name="Office Theme" id="{62F939B6-93AF-4DB8-9C6B-D6C7DFDC589F}" vid="{4A3C46E8-61CC-4603-A589-7422A47A8E4A}"/>
     </a:ext>
   </a:extLst>
 </a:theme>

--- a/Class Presentations/3rd-presentation/PPT 13 05.pptx
+++ b/Class Presentations/3rd-presentation/PPT 13 05.pptx
@@ -5950,7 +5950,7 @@
         <p:spPr>
           <a:xfrm>
             <a:off x="6786294" y="3323649"/>
-            <a:ext cx="5169486" cy="2246769"/>
+            <a:ext cx="5169486" cy="2677656"/>
           </a:xfrm>
           <a:prstGeom prst="rect">
             <a:avLst/>
@@ -5978,7 +5978,18 @@
               <a:buChar char="•"/>
             </a:pPr>
             <a:r>
-              <a:rPr lang="tr-TR" sz="2800" dirty="0"/>
+              <a:rPr lang="en-US" sz="2800" smtClean="0"/>
+              <a:t>Decreased</a:t>
+            </a:r>
+            <a:endParaRPr lang="en-US" sz="2800" dirty="0" smtClean="0"/>
+          </a:p>
+          <a:p>
+            <a:pPr marL="457200" indent="-457200">
+              <a:buFont typeface="Arial" panose="020B0604020202020204" pitchFamily="34" charset="0"/>
+              <a:buChar char="•"/>
+            </a:pPr>
+            <a:r>
+              <a:rPr lang="tr-TR" sz="2800" dirty="0" smtClean="0"/>
               <a:t>O</a:t>
             </a:r>
             <a:r>

--- a/Class Presentations/3rd-presentation/PPT 13 05.pptx
+++ b/Class Presentations/3rd-presentation/PPT 13 05.pptx
@@ -112,7 +112,7 @@
   </p:defaultTextStyle>
   <p:extLst>
     <p:ext uri="{EFAFB233-063F-42B5-8137-9DF3F51BA10A}">
-      <p15:sldGuideLst xmlns:p15="http://schemas.microsoft.com/office/powerpoint/2012/main" xmlns=""/>
+      <p15:sldGuideLst xmlns="" xmlns:p15="http://schemas.microsoft.com/office/powerpoint/2012/main"/>
     </p:ext>
   </p:extLst>
 </p:presentation>
@@ -302,7 +302,7 @@
     </p:spTree>
     <p:extLst>
       <p:ext uri="{BB962C8B-B14F-4D97-AF65-F5344CB8AC3E}">
-        <p14:creationId xmlns:p14="http://schemas.microsoft.com/office/powerpoint/2010/main" xmlns="" val="2956563955"/>
+        <p14:creationId xmlns="" xmlns:p14="http://schemas.microsoft.com/office/powerpoint/2010/main" val="2956563955"/>
       </p:ext>
     </p:extLst>
   </p:cSld>
@@ -474,7 +474,7 @@
     </p:spTree>
     <p:extLst>
       <p:ext uri="{BB962C8B-B14F-4D97-AF65-F5344CB8AC3E}">
-        <p14:creationId xmlns:p14="http://schemas.microsoft.com/office/powerpoint/2010/main" xmlns="" val="3586844077"/>
+        <p14:creationId xmlns="" xmlns:p14="http://schemas.microsoft.com/office/powerpoint/2010/main" val="3586844077"/>
       </p:ext>
     </p:extLst>
   </p:cSld>
@@ -656,7 +656,7 @@
     </p:spTree>
     <p:extLst>
       <p:ext uri="{BB962C8B-B14F-4D97-AF65-F5344CB8AC3E}">
-        <p14:creationId xmlns:p14="http://schemas.microsoft.com/office/powerpoint/2010/main" xmlns="" val="1845287282"/>
+        <p14:creationId xmlns="" xmlns:p14="http://schemas.microsoft.com/office/powerpoint/2010/main" val="1845287282"/>
       </p:ext>
     </p:extLst>
   </p:cSld>
@@ -828,7 +828,7 @@
     </p:spTree>
     <p:extLst>
       <p:ext uri="{BB962C8B-B14F-4D97-AF65-F5344CB8AC3E}">
-        <p14:creationId xmlns:p14="http://schemas.microsoft.com/office/powerpoint/2010/main" xmlns="" val="3803053875"/>
+        <p14:creationId xmlns="" xmlns:p14="http://schemas.microsoft.com/office/powerpoint/2010/main" val="3803053875"/>
       </p:ext>
     </p:extLst>
   </p:cSld>
@@ -1076,7 +1076,7 @@
     </p:spTree>
     <p:extLst>
       <p:ext uri="{BB962C8B-B14F-4D97-AF65-F5344CB8AC3E}">
-        <p14:creationId xmlns:p14="http://schemas.microsoft.com/office/powerpoint/2010/main" xmlns="" val="333799014"/>
+        <p14:creationId xmlns="" xmlns:p14="http://schemas.microsoft.com/office/powerpoint/2010/main" val="333799014"/>
       </p:ext>
     </p:extLst>
   </p:cSld>
@@ -1310,7 +1310,7 @@
     </p:spTree>
     <p:extLst>
       <p:ext uri="{BB962C8B-B14F-4D97-AF65-F5344CB8AC3E}">
-        <p14:creationId xmlns:p14="http://schemas.microsoft.com/office/powerpoint/2010/main" xmlns="" val="2333730497"/>
+        <p14:creationId xmlns="" xmlns:p14="http://schemas.microsoft.com/office/powerpoint/2010/main" val="2333730497"/>
       </p:ext>
     </p:extLst>
   </p:cSld>
@@ -1679,7 +1679,7 @@
     </p:spTree>
     <p:extLst>
       <p:ext uri="{BB962C8B-B14F-4D97-AF65-F5344CB8AC3E}">
-        <p14:creationId xmlns:p14="http://schemas.microsoft.com/office/powerpoint/2010/main" xmlns="" val="318817838"/>
+        <p14:creationId xmlns="" xmlns:p14="http://schemas.microsoft.com/office/powerpoint/2010/main" val="318817838"/>
       </p:ext>
     </p:extLst>
   </p:cSld>
@@ -1799,7 +1799,7 @@
     </p:spTree>
     <p:extLst>
       <p:ext uri="{BB962C8B-B14F-4D97-AF65-F5344CB8AC3E}">
-        <p14:creationId xmlns:p14="http://schemas.microsoft.com/office/powerpoint/2010/main" xmlns="" val="3110000908"/>
+        <p14:creationId xmlns="" xmlns:p14="http://schemas.microsoft.com/office/powerpoint/2010/main" val="3110000908"/>
       </p:ext>
     </p:extLst>
   </p:cSld>
@@ -1896,7 +1896,7 @@
     </p:spTree>
     <p:extLst>
       <p:ext uri="{BB962C8B-B14F-4D97-AF65-F5344CB8AC3E}">
-        <p14:creationId xmlns:p14="http://schemas.microsoft.com/office/powerpoint/2010/main" xmlns="" val="2310813287"/>
+        <p14:creationId xmlns="" xmlns:p14="http://schemas.microsoft.com/office/powerpoint/2010/main" val="2310813287"/>
       </p:ext>
     </p:extLst>
   </p:cSld>
@@ -2175,7 +2175,7 @@
     </p:spTree>
     <p:extLst>
       <p:ext uri="{BB962C8B-B14F-4D97-AF65-F5344CB8AC3E}">
-        <p14:creationId xmlns:p14="http://schemas.microsoft.com/office/powerpoint/2010/main" xmlns="" val="2179397377"/>
+        <p14:creationId xmlns="" xmlns:p14="http://schemas.microsoft.com/office/powerpoint/2010/main" val="2179397377"/>
       </p:ext>
     </p:extLst>
   </p:cSld>
@@ -2430,7 +2430,7 @@
     </p:spTree>
     <p:extLst>
       <p:ext uri="{BB962C8B-B14F-4D97-AF65-F5344CB8AC3E}">
-        <p14:creationId xmlns:p14="http://schemas.microsoft.com/office/powerpoint/2010/main" xmlns="" val="2910074712"/>
+        <p14:creationId xmlns="" xmlns:p14="http://schemas.microsoft.com/office/powerpoint/2010/main" val="2910074712"/>
       </p:ext>
     </p:extLst>
   </p:cSld>
@@ -2681,7 +2681,7 @@
     </p:spTree>
     <p:extLst>
       <p:ext uri="{BB962C8B-B14F-4D97-AF65-F5344CB8AC3E}">
-        <p14:creationId xmlns:p14="http://schemas.microsoft.com/office/powerpoint/2010/main" xmlns="" val="3143527758"/>
+        <p14:creationId xmlns="" xmlns:p14="http://schemas.microsoft.com/office/powerpoint/2010/main" val="3143527758"/>
       </p:ext>
     </p:extLst>
   </p:cSld>
@@ -3033,7 +3033,7 @@
     </p:spTree>
     <p:extLst>
       <p:ext uri="{BB962C8B-B14F-4D97-AF65-F5344CB8AC3E}">
-        <p14:creationId xmlns:p14="http://schemas.microsoft.com/office/powerpoint/2010/main" xmlns="" val="673072304"/>
+        <p14:creationId xmlns="" xmlns:p14="http://schemas.microsoft.com/office/powerpoint/2010/main" val="673072304"/>
       </p:ext>
     </p:extLst>
   </p:cSld>
@@ -3621,7 +3621,7 @@
           <a:blip r:embed="rId2">
             <a:extLst>
               <a:ext uri="{28A0092B-C50C-407E-A947-70E740481C1C}">
-                <a14:useLocalDpi xmlns:a14="http://schemas.microsoft.com/office/drawing/2010/main" xmlns="" val="0"/>
+                <a14:useLocalDpi xmlns="" xmlns:a14="http://schemas.microsoft.com/office/drawing/2010/main" val="0"/>
               </a:ext>
             </a:extLst>
           </a:blip>
@@ -3642,7 +3642,7 @@
     </p:spTree>
     <p:extLst>
       <p:ext uri="{BB962C8B-B14F-4D97-AF65-F5344CB8AC3E}">
-        <p14:creationId xmlns:p14="http://schemas.microsoft.com/office/powerpoint/2010/main" xmlns="" val="183637031"/>
+        <p14:creationId xmlns="" xmlns:p14="http://schemas.microsoft.com/office/powerpoint/2010/main" val="183637031"/>
       </p:ext>
     </p:extLst>
   </p:cSld>
@@ -3710,7 +3710,7 @@
           <a:blip r:embed="rId2">
             <a:extLst>
               <a:ext uri="{28A0092B-C50C-407E-A947-70E740481C1C}">
-                <a14:useLocalDpi xmlns:a14="http://schemas.microsoft.com/office/drawing/2010/main" xmlns="" val="0"/>
+                <a14:useLocalDpi xmlns="" xmlns:a14="http://schemas.microsoft.com/office/drawing/2010/main" val="0"/>
               </a:ext>
             </a:extLst>
           </a:blip>
@@ -4271,7 +4271,7 @@
           <a:blip r:embed="rId3">
             <a:extLst>
               <a:ext uri="{28A0092B-C50C-407E-A947-70E740481C1C}">
-                <a14:useLocalDpi xmlns:a14="http://schemas.microsoft.com/office/drawing/2010/main" xmlns="" val="0"/>
+                <a14:useLocalDpi xmlns="" xmlns:a14="http://schemas.microsoft.com/office/drawing/2010/main" val="0"/>
               </a:ext>
             </a:extLst>
           </a:blip>
@@ -4292,7 +4292,7 @@
     </p:spTree>
     <p:extLst>
       <p:ext uri="{BB962C8B-B14F-4D97-AF65-F5344CB8AC3E}">
-        <p14:creationId xmlns:p14="http://schemas.microsoft.com/office/powerpoint/2010/main" xmlns="" val="1308190283"/>
+        <p14:creationId xmlns="" xmlns:p14="http://schemas.microsoft.com/office/powerpoint/2010/main" val="1308190283"/>
       </p:ext>
     </p:extLst>
   </p:cSld>
@@ -4843,7 +4843,7 @@
           <a:blip r:embed="rId2">
             <a:extLst>
               <a:ext uri="{28A0092B-C50C-407E-A947-70E740481C1C}">
-                <a14:useLocalDpi xmlns:a14="http://schemas.microsoft.com/office/drawing/2010/main" xmlns="" val="0"/>
+                <a14:useLocalDpi xmlns="" xmlns:a14="http://schemas.microsoft.com/office/drawing/2010/main" val="0"/>
               </a:ext>
             </a:extLst>
           </a:blip>
@@ -4878,7 +4878,7 @@
           <a:blip r:embed="rId3" cstate="print">
             <a:extLst>
               <a:ext uri="{28A0092B-C50C-407E-A947-70E740481C1C}">
-                <a14:useLocalDpi xmlns:a14="http://schemas.microsoft.com/office/drawing/2010/main" xmlns="" val="0"/>
+                <a14:useLocalDpi xmlns="" xmlns:a14="http://schemas.microsoft.com/office/drawing/2010/main" val="0"/>
               </a:ext>
             </a:extLst>
           </a:blip>
@@ -4899,7 +4899,7 @@
     </p:spTree>
     <p:extLst>
       <p:ext uri="{BB962C8B-B14F-4D97-AF65-F5344CB8AC3E}">
-        <p14:creationId xmlns:p14="http://schemas.microsoft.com/office/powerpoint/2010/main" xmlns="" val="423385560"/>
+        <p14:creationId xmlns="" xmlns:p14="http://schemas.microsoft.com/office/powerpoint/2010/main" val="423385560"/>
       </p:ext>
     </p:extLst>
   </p:cSld>
@@ -4967,7 +4967,7 @@
     </p:spTree>
     <p:extLst>
       <p:ext uri="{BB962C8B-B14F-4D97-AF65-F5344CB8AC3E}">
-        <p14:creationId xmlns:p14="http://schemas.microsoft.com/office/powerpoint/2010/main" xmlns="" val="1064199473"/>
+        <p14:creationId xmlns="" xmlns:p14="http://schemas.microsoft.com/office/powerpoint/2010/main" val="1064199473"/>
       </p:ext>
     </p:extLst>
   </p:cSld>
@@ -5565,7 +5565,7 @@
           <a:blip r:embed="rId2">
             <a:extLst>
               <a:ext uri="{28A0092B-C50C-407E-A947-70E740481C1C}">
-                <a14:useLocalDpi xmlns:a14="http://schemas.microsoft.com/office/drawing/2010/main" xmlns="" val="0"/>
+                <a14:useLocalDpi xmlns="" xmlns:a14="http://schemas.microsoft.com/office/drawing/2010/main" val="0"/>
               </a:ext>
             </a:extLst>
           </a:blip>
@@ -5586,7 +5586,7 @@
     </p:spTree>
     <p:extLst>
       <p:ext uri="{BB962C8B-B14F-4D97-AF65-F5344CB8AC3E}">
-        <p14:creationId xmlns:p14="http://schemas.microsoft.com/office/powerpoint/2010/main" xmlns="" val="1832435074"/>
+        <p14:creationId xmlns="" xmlns:p14="http://schemas.microsoft.com/office/powerpoint/2010/main" val="1832435074"/>
       </p:ext>
     </p:extLst>
   </p:cSld>
@@ -5978,8 +5978,20 @@
               <a:buChar char="•"/>
             </a:pPr>
             <a:r>
+              <a:rPr lang="en-US" sz="2800" dirty="0" smtClean="0"/>
+              <a:t>Decreased </a:t>
+            </a:r>
+            <a:r>
+              <a:rPr lang="en-US" sz="2800" dirty="0" err="1" smtClean="0"/>
+              <a:t>Ev’s</a:t>
+            </a:r>
+            <a:r>
               <a:rPr lang="en-US" sz="2800" smtClean="0"/>
-              <a:t>Decreased</a:t>
+              <a:t> </a:t>
+            </a:r>
+            <a:r>
+              <a:rPr lang="en-US" sz="2800" smtClean="0"/>
+              <a:t>User</a:t>
             </a:r>
             <a:endParaRPr lang="en-US" sz="2800" dirty="0" smtClean="0"/>
           </a:p>
@@ -6064,7 +6076,7 @@
     </p:spTree>
     <p:extLst>
       <p:ext uri="{BB962C8B-B14F-4D97-AF65-F5344CB8AC3E}">
-        <p14:creationId xmlns:p14="http://schemas.microsoft.com/office/powerpoint/2010/main" xmlns="" val="3399622642"/>
+        <p14:creationId xmlns="" xmlns:p14="http://schemas.microsoft.com/office/powerpoint/2010/main" val="3399622642"/>
       </p:ext>
     </p:extLst>
   </p:cSld>
@@ -6329,7 +6341,7 @@
   <a:extraClrSchemeLst/>
   <a:extLst>
     <a:ext uri="{05A4C25C-085E-4340-85A3-A5531E510DB2}">
-      <thm15:themeFamily xmlns:thm15="http://schemas.microsoft.com/office/thememl/2012/main" xmlns="" name="Office Theme" id="{62F939B6-93AF-4DB8-9C6B-D6C7DFDC589F}" vid="{4A3C46E8-61CC-4603-A589-7422A47A8E4A}"/>
+      <thm15:themeFamily xmlns="" xmlns:thm15="http://schemas.microsoft.com/office/thememl/2012/main" name="Office Theme" id="{62F939B6-93AF-4DB8-9C6B-D6C7DFDC589F}" vid="{4A3C46E8-61CC-4603-A589-7422A47A8E4A}"/>
     </a:ext>
   </a:extLst>
 </a:theme>

--- a/Class Presentations/3rd-presentation/PPT 13 05.pptx
+++ b/Class Presentations/3rd-presentation/PPT 13 05.pptx
@@ -112,7 +112,7 @@
   </p:defaultTextStyle>
   <p:extLst>
     <p:ext uri="{EFAFB233-063F-42B5-8137-9DF3F51BA10A}">
-      <p15:sldGuideLst xmlns="" xmlns:p15="http://schemas.microsoft.com/office/powerpoint/2012/main"/>
+      <p15:sldGuideLst xmlns:p15="http://schemas.microsoft.com/office/powerpoint/2012/main" xmlns=""/>
     </p:ext>
   </p:extLst>
 </p:presentation>
@@ -302,7 +302,7 @@
     </p:spTree>
     <p:extLst>
       <p:ext uri="{BB962C8B-B14F-4D97-AF65-F5344CB8AC3E}">
-        <p14:creationId xmlns="" xmlns:p14="http://schemas.microsoft.com/office/powerpoint/2010/main" val="2956563955"/>
+        <p14:creationId xmlns:p14="http://schemas.microsoft.com/office/powerpoint/2010/main" xmlns="" val="2956563955"/>
       </p:ext>
     </p:extLst>
   </p:cSld>
@@ -474,7 +474,7 @@
     </p:spTree>
     <p:extLst>
       <p:ext uri="{BB962C8B-B14F-4D97-AF65-F5344CB8AC3E}">
-        <p14:creationId xmlns="" xmlns:p14="http://schemas.microsoft.com/office/powerpoint/2010/main" val="3586844077"/>
+        <p14:creationId xmlns:p14="http://schemas.microsoft.com/office/powerpoint/2010/main" xmlns="" val="3586844077"/>
       </p:ext>
     </p:extLst>
   </p:cSld>
@@ -656,7 +656,7 @@
     </p:spTree>
     <p:extLst>
       <p:ext uri="{BB962C8B-B14F-4D97-AF65-F5344CB8AC3E}">
-        <p14:creationId xmlns="" xmlns:p14="http://schemas.microsoft.com/office/powerpoint/2010/main" val="1845287282"/>
+        <p14:creationId xmlns:p14="http://schemas.microsoft.com/office/powerpoint/2010/main" xmlns="" val="1845287282"/>
       </p:ext>
     </p:extLst>
   </p:cSld>
@@ -828,7 +828,7 @@
     </p:spTree>
     <p:extLst>
       <p:ext uri="{BB962C8B-B14F-4D97-AF65-F5344CB8AC3E}">
-        <p14:creationId xmlns="" xmlns:p14="http://schemas.microsoft.com/office/powerpoint/2010/main" val="3803053875"/>
+        <p14:creationId xmlns:p14="http://schemas.microsoft.com/office/powerpoint/2010/main" xmlns="" val="3803053875"/>
       </p:ext>
     </p:extLst>
   </p:cSld>
@@ -1076,7 +1076,7 @@
     </p:spTree>
     <p:extLst>
       <p:ext uri="{BB962C8B-B14F-4D97-AF65-F5344CB8AC3E}">
-        <p14:creationId xmlns="" xmlns:p14="http://schemas.microsoft.com/office/powerpoint/2010/main" val="333799014"/>
+        <p14:creationId xmlns:p14="http://schemas.microsoft.com/office/powerpoint/2010/main" xmlns="" val="333799014"/>
       </p:ext>
     </p:extLst>
   </p:cSld>
@@ -1310,7 +1310,7 @@
     </p:spTree>
     <p:extLst>
       <p:ext uri="{BB962C8B-B14F-4D97-AF65-F5344CB8AC3E}">
-        <p14:creationId xmlns="" xmlns:p14="http://schemas.microsoft.com/office/powerpoint/2010/main" val="2333730497"/>
+        <p14:creationId xmlns:p14="http://schemas.microsoft.com/office/powerpoint/2010/main" xmlns="" val="2333730497"/>
       </p:ext>
     </p:extLst>
   </p:cSld>
@@ -1679,7 +1679,7 @@
     </p:spTree>
     <p:extLst>
       <p:ext uri="{BB962C8B-B14F-4D97-AF65-F5344CB8AC3E}">
-        <p14:creationId xmlns="" xmlns:p14="http://schemas.microsoft.com/office/powerpoint/2010/main" val="318817838"/>
+        <p14:creationId xmlns:p14="http://schemas.microsoft.com/office/powerpoint/2010/main" xmlns="" val="318817838"/>
       </p:ext>
     </p:extLst>
   </p:cSld>
@@ -1799,7 +1799,7 @@
     </p:spTree>
     <p:extLst>
       <p:ext uri="{BB962C8B-B14F-4D97-AF65-F5344CB8AC3E}">
-        <p14:creationId xmlns="" xmlns:p14="http://schemas.microsoft.com/office/powerpoint/2010/main" val="3110000908"/>
+        <p14:creationId xmlns:p14="http://schemas.microsoft.com/office/powerpoint/2010/main" xmlns="" val="3110000908"/>
       </p:ext>
     </p:extLst>
   </p:cSld>
@@ -1896,7 +1896,7 @@
     </p:spTree>
     <p:extLst>
       <p:ext uri="{BB962C8B-B14F-4D97-AF65-F5344CB8AC3E}">
-        <p14:creationId xmlns="" xmlns:p14="http://schemas.microsoft.com/office/powerpoint/2010/main" val="2310813287"/>
+        <p14:creationId xmlns:p14="http://schemas.microsoft.com/office/powerpoint/2010/main" xmlns="" val="2310813287"/>
       </p:ext>
     </p:extLst>
   </p:cSld>
@@ -2175,7 +2175,7 @@
     </p:spTree>
     <p:extLst>
       <p:ext uri="{BB962C8B-B14F-4D97-AF65-F5344CB8AC3E}">
-        <p14:creationId xmlns="" xmlns:p14="http://schemas.microsoft.com/office/powerpoint/2010/main" val="2179397377"/>
+        <p14:creationId xmlns:p14="http://schemas.microsoft.com/office/powerpoint/2010/main" xmlns="" val="2179397377"/>
       </p:ext>
     </p:extLst>
   </p:cSld>
@@ -2430,7 +2430,7 @@
     </p:spTree>
     <p:extLst>
       <p:ext uri="{BB962C8B-B14F-4D97-AF65-F5344CB8AC3E}">
-        <p14:creationId xmlns="" xmlns:p14="http://schemas.microsoft.com/office/powerpoint/2010/main" val="2910074712"/>
+        <p14:creationId xmlns:p14="http://schemas.microsoft.com/office/powerpoint/2010/main" xmlns="" val="2910074712"/>
       </p:ext>
     </p:extLst>
   </p:cSld>
@@ -2681,7 +2681,7 @@
     </p:spTree>
     <p:extLst>
       <p:ext uri="{BB962C8B-B14F-4D97-AF65-F5344CB8AC3E}">
-        <p14:creationId xmlns="" xmlns:p14="http://schemas.microsoft.com/office/powerpoint/2010/main" val="3143527758"/>
+        <p14:creationId xmlns:p14="http://schemas.microsoft.com/office/powerpoint/2010/main" xmlns="" val="3143527758"/>
       </p:ext>
     </p:extLst>
   </p:cSld>
@@ -3033,7 +3033,7 @@
     </p:spTree>
     <p:extLst>
       <p:ext uri="{BB962C8B-B14F-4D97-AF65-F5344CB8AC3E}">
-        <p14:creationId xmlns="" xmlns:p14="http://schemas.microsoft.com/office/powerpoint/2010/main" val="673072304"/>
+        <p14:creationId xmlns:p14="http://schemas.microsoft.com/office/powerpoint/2010/main" xmlns="" val="673072304"/>
       </p:ext>
     </p:extLst>
   </p:cSld>
@@ -3621,7 +3621,7 @@
           <a:blip r:embed="rId2">
             <a:extLst>
               <a:ext uri="{28A0092B-C50C-407E-A947-70E740481C1C}">
-                <a14:useLocalDpi xmlns="" xmlns:a14="http://schemas.microsoft.com/office/drawing/2010/main" val="0"/>
+                <a14:useLocalDpi xmlns:a14="http://schemas.microsoft.com/office/drawing/2010/main" xmlns="" val="0"/>
               </a:ext>
             </a:extLst>
           </a:blip>
@@ -3642,7 +3642,7 @@
     </p:spTree>
     <p:extLst>
       <p:ext uri="{BB962C8B-B14F-4D97-AF65-F5344CB8AC3E}">
-        <p14:creationId xmlns="" xmlns:p14="http://schemas.microsoft.com/office/powerpoint/2010/main" val="183637031"/>
+        <p14:creationId xmlns:p14="http://schemas.microsoft.com/office/powerpoint/2010/main" xmlns="" val="183637031"/>
       </p:ext>
     </p:extLst>
   </p:cSld>
@@ -3710,7 +3710,7 @@
           <a:blip r:embed="rId2">
             <a:extLst>
               <a:ext uri="{28A0092B-C50C-407E-A947-70E740481C1C}">
-                <a14:useLocalDpi xmlns="" xmlns:a14="http://schemas.microsoft.com/office/drawing/2010/main" val="0"/>
+                <a14:useLocalDpi xmlns:a14="http://schemas.microsoft.com/office/drawing/2010/main" xmlns="" val="0"/>
               </a:ext>
             </a:extLst>
           </a:blip>
@@ -4271,7 +4271,7 @@
           <a:blip r:embed="rId3">
             <a:extLst>
               <a:ext uri="{28A0092B-C50C-407E-A947-70E740481C1C}">
-                <a14:useLocalDpi xmlns="" xmlns:a14="http://schemas.microsoft.com/office/drawing/2010/main" val="0"/>
+                <a14:useLocalDpi xmlns:a14="http://schemas.microsoft.com/office/drawing/2010/main" xmlns="" val="0"/>
               </a:ext>
             </a:extLst>
           </a:blip>
@@ -4292,7 +4292,7 @@
     </p:spTree>
     <p:extLst>
       <p:ext uri="{BB962C8B-B14F-4D97-AF65-F5344CB8AC3E}">
-        <p14:creationId xmlns="" xmlns:p14="http://schemas.microsoft.com/office/powerpoint/2010/main" val="1308190283"/>
+        <p14:creationId xmlns:p14="http://schemas.microsoft.com/office/powerpoint/2010/main" xmlns="" val="1308190283"/>
       </p:ext>
     </p:extLst>
   </p:cSld>
@@ -4843,7 +4843,7 @@
           <a:blip r:embed="rId2">
             <a:extLst>
               <a:ext uri="{28A0092B-C50C-407E-A947-70E740481C1C}">
-                <a14:useLocalDpi xmlns="" xmlns:a14="http://schemas.microsoft.com/office/drawing/2010/main" val="0"/>
+                <a14:useLocalDpi xmlns:a14="http://schemas.microsoft.com/office/drawing/2010/main" xmlns="" val="0"/>
               </a:ext>
             </a:extLst>
           </a:blip>
@@ -4878,7 +4878,7 @@
           <a:blip r:embed="rId3" cstate="print">
             <a:extLst>
               <a:ext uri="{28A0092B-C50C-407E-A947-70E740481C1C}">
-                <a14:useLocalDpi xmlns="" xmlns:a14="http://schemas.microsoft.com/office/drawing/2010/main" val="0"/>
+                <a14:useLocalDpi xmlns:a14="http://schemas.microsoft.com/office/drawing/2010/main" xmlns="" val="0"/>
               </a:ext>
             </a:extLst>
           </a:blip>
@@ -4899,7 +4899,7 @@
     </p:spTree>
     <p:extLst>
       <p:ext uri="{BB962C8B-B14F-4D97-AF65-F5344CB8AC3E}">
-        <p14:creationId xmlns="" xmlns:p14="http://schemas.microsoft.com/office/powerpoint/2010/main" val="423385560"/>
+        <p14:creationId xmlns:p14="http://schemas.microsoft.com/office/powerpoint/2010/main" xmlns="" val="423385560"/>
       </p:ext>
     </p:extLst>
   </p:cSld>
@@ -4967,7 +4967,7 @@
     </p:spTree>
     <p:extLst>
       <p:ext uri="{BB962C8B-B14F-4D97-AF65-F5344CB8AC3E}">
-        <p14:creationId xmlns="" xmlns:p14="http://schemas.microsoft.com/office/powerpoint/2010/main" val="1064199473"/>
+        <p14:creationId xmlns:p14="http://schemas.microsoft.com/office/powerpoint/2010/main" xmlns="" val="1064199473"/>
       </p:ext>
     </p:extLst>
   </p:cSld>
@@ -5565,7 +5565,7 @@
           <a:blip r:embed="rId2">
             <a:extLst>
               <a:ext uri="{28A0092B-C50C-407E-A947-70E740481C1C}">
-                <a14:useLocalDpi xmlns="" xmlns:a14="http://schemas.microsoft.com/office/drawing/2010/main" val="0"/>
+                <a14:useLocalDpi xmlns:a14="http://schemas.microsoft.com/office/drawing/2010/main" xmlns="" val="0"/>
               </a:ext>
             </a:extLst>
           </a:blip>
@@ -5586,7 +5586,7 @@
     </p:spTree>
     <p:extLst>
       <p:ext uri="{BB962C8B-B14F-4D97-AF65-F5344CB8AC3E}">
-        <p14:creationId xmlns="" xmlns:p14="http://schemas.microsoft.com/office/powerpoint/2010/main" val="1832435074"/>
+        <p14:creationId xmlns:p14="http://schemas.microsoft.com/office/powerpoint/2010/main" xmlns="" val="1832435074"/>
       </p:ext>
     </p:extLst>
   </p:cSld>
@@ -5950,7 +5950,7 @@
         <p:spPr>
           <a:xfrm>
             <a:off x="6786294" y="3323649"/>
-            <a:ext cx="5169486" cy="2677656"/>
+            <a:ext cx="5169486" cy="3108543"/>
           </a:xfrm>
           <a:prstGeom prst="rect">
             <a:avLst/>
@@ -5986,12 +5986,20 @@
               <a:t>Ev’s</a:t>
             </a:r>
             <a:r>
+              <a:rPr lang="en-US" sz="2800" dirty="0" smtClean="0"/>
+              <a:t> </a:t>
+            </a:r>
+            <a:r>
+              <a:rPr lang="en-US" sz="2800" dirty="0" smtClean="0"/>
+              <a:t>User </a:t>
+            </a:r>
+            <a:r>
+              <a:rPr lang="en-US" sz="2800" dirty="0" err="1" smtClean="0"/>
+              <a:t>Ev’s</a:t>
+            </a:r>
+            <a:r>
               <a:rPr lang="en-US" sz="2800" smtClean="0"/>
-              <a:t> </a:t>
-            </a:r>
-            <a:r>
-              <a:rPr lang="en-US" sz="2800" smtClean="0"/>
-              <a:t>User</a:t>
+              <a:t> User range anxiety </a:t>
             </a:r>
             <a:endParaRPr lang="en-US" sz="2800" dirty="0" smtClean="0"/>
           </a:p>
@@ -6076,7 +6084,7 @@
     </p:spTree>
     <p:extLst>
       <p:ext uri="{BB962C8B-B14F-4D97-AF65-F5344CB8AC3E}">
-        <p14:creationId xmlns="" xmlns:p14="http://schemas.microsoft.com/office/powerpoint/2010/main" val="3399622642"/>
+        <p14:creationId xmlns:p14="http://schemas.microsoft.com/office/powerpoint/2010/main" xmlns="" val="3399622642"/>
       </p:ext>
     </p:extLst>
   </p:cSld>
@@ -6341,7 +6349,7 @@
   <a:extraClrSchemeLst/>
   <a:extLst>
     <a:ext uri="{05A4C25C-085E-4340-85A3-A5531E510DB2}">
-      <thm15:themeFamily xmlns="" xmlns:thm15="http://schemas.microsoft.com/office/thememl/2012/main" name="Office Theme" id="{62F939B6-93AF-4DB8-9C6B-D6C7DFDC589F}" vid="{4A3C46E8-61CC-4603-A589-7422A47A8E4A}"/>
+      <thm15:themeFamily xmlns:thm15="http://schemas.microsoft.com/office/thememl/2012/main" xmlns="" name="Office Theme" id="{62F939B6-93AF-4DB8-9C6B-D6C7DFDC589F}" vid="{4A3C46E8-61CC-4603-A589-7422A47A8E4A}"/>
     </a:ext>
   </a:extLst>
 </a:theme>

--- a/Class Presentations/3rd-presentation/PPT 13 05.pptx
+++ b/Class Presentations/3rd-presentation/PPT 13 05.pptx
@@ -112,7 +112,7 @@
   </p:defaultTextStyle>
   <p:extLst>
     <p:ext uri="{EFAFB233-063F-42B5-8137-9DF3F51BA10A}">
-      <p15:sldGuideLst xmlns:p15="http://schemas.microsoft.com/office/powerpoint/2012/main" xmlns=""/>
+      <p15:sldGuideLst xmlns="" xmlns:p15="http://schemas.microsoft.com/office/powerpoint/2012/main"/>
     </p:ext>
   </p:extLst>
 </p:presentation>
@@ -302,7 +302,7 @@
     </p:spTree>
     <p:extLst>
       <p:ext uri="{BB962C8B-B14F-4D97-AF65-F5344CB8AC3E}">
-        <p14:creationId xmlns:p14="http://schemas.microsoft.com/office/powerpoint/2010/main" xmlns="" val="2956563955"/>
+        <p14:creationId xmlns="" xmlns:p14="http://schemas.microsoft.com/office/powerpoint/2010/main" val="2956563955"/>
       </p:ext>
     </p:extLst>
   </p:cSld>
@@ -474,7 +474,7 @@
     </p:spTree>
     <p:extLst>
       <p:ext uri="{BB962C8B-B14F-4D97-AF65-F5344CB8AC3E}">
-        <p14:creationId xmlns:p14="http://schemas.microsoft.com/office/powerpoint/2010/main" xmlns="" val="3586844077"/>
+        <p14:creationId xmlns="" xmlns:p14="http://schemas.microsoft.com/office/powerpoint/2010/main" val="3586844077"/>
       </p:ext>
     </p:extLst>
   </p:cSld>
@@ -656,7 +656,7 @@
     </p:spTree>
     <p:extLst>
       <p:ext uri="{BB962C8B-B14F-4D97-AF65-F5344CB8AC3E}">
-        <p14:creationId xmlns:p14="http://schemas.microsoft.com/office/powerpoint/2010/main" xmlns="" val="1845287282"/>
+        <p14:creationId xmlns="" xmlns:p14="http://schemas.microsoft.com/office/powerpoint/2010/main" val="1845287282"/>
       </p:ext>
     </p:extLst>
   </p:cSld>
@@ -828,7 +828,7 @@
     </p:spTree>
     <p:extLst>
       <p:ext uri="{BB962C8B-B14F-4D97-AF65-F5344CB8AC3E}">
-        <p14:creationId xmlns:p14="http://schemas.microsoft.com/office/powerpoint/2010/main" xmlns="" val="3803053875"/>
+        <p14:creationId xmlns="" xmlns:p14="http://schemas.microsoft.com/office/powerpoint/2010/main" val="3803053875"/>
       </p:ext>
     </p:extLst>
   </p:cSld>
@@ -1076,7 +1076,7 @@
     </p:spTree>
     <p:extLst>
       <p:ext uri="{BB962C8B-B14F-4D97-AF65-F5344CB8AC3E}">
-        <p14:creationId xmlns:p14="http://schemas.microsoft.com/office/powerpoint/2010/main" xmlns="" val="333799014"/>
+        <p14:creationId xmlns="" xmlns:p14="http://schemas.microsoft.com/office/powerpoint/2010/main" val="333799014"/>
       </p:ext>
     </p:extLst>
   </p:cSld>
@@ -1310,7 +1310,7 @@
     </p:spTree>
     <p:extLst>
       <p:ext uri="{BB962C8B-B14F-4D97-AF65-F5344CB8AC3E}">
-        <p14:creationId xmlns:p14="http://schemas.microsoft.com/office/powerpoint/2010/main" xmlns="" val="2333730497"/>
+        <p14:creationId xmlns="" xmlns:p14="http://schemas.microsoft.com/office/powerpoint/2010/main" val="2333730497"/>
       </p:ext>
     </p:extLst>
   </p:cSld>
@@ -1679,7 +1679,7 @@
     </p:spTree>
     <p:extLst>
       <p:ext uri="{BB962C8B-B14F-4D97-AF65-F5344CB8AC3E}">
-        <p14:creationId xmlns:p14="http://schemas.microsoft.com/office/powerpoint/2010/main" xmlns="" val="318817838"/>
+        <p14:creationId xmlns="" xmlns:p14="http://schemas.microsoft.com/office/powerpoint/2010/main" val="318817838"/>
       </p:ext>
     </p:extLst>
   </p:cSld>
@@ -1799,7 +1799,7 @@
     </p:spTree>
     <p:extLst>
       <p:ext uri="{BB962C8B-B14F-4D97-AF65-F5344CB8AC3E}">
-        <p14:creationId xmlns:p14="http://schemas.microsoft.com/office/powerpoint/2010/main" xmlns="" val="3110000908"/>
+        <p14:creationId xmlns="" xmlns:p14="http://schemas.microsoft.com/office/powerpoint/2010/main" val="3110000908"/>
       </p:ext>
     </p:extLst>
   </p:cSld>
@@ -1896,7 +1896,7 @@
     </p:spTree>
     <p:extLst>
       <p:ext uri="{BB962C8B-B14F-4D97-AF65-F5344CB8AC3E}">
-        <p14:creationId xmlns:p14="http://schemas.microsoft.com/office/powerpoint/2010/main" xmlns="" val="2310813287"/>
+        <p14:creationId xmlns="" xmlns:p14="http://schemas.microsoft.com/office/powerpoint/2010/main" val="2310813287"/>
       </p:ext>
     </p:extLst>
   </p:cSld>
@@ -2175,7 +2175,7 @@
     </p:spTree>
     <p:extLst>
       <p:ext uri="{BB962C8B-B14F-4D97-AF65-F5344CB8AC3E}">
-        <p14:creationId xmlns:p14="http://schemas.microsoft.com/office/powerpoint/2010/main" xmlns="" val="2179397377"/>
+        <p14:creationId xmlns="" xmlns:p14="http://schemas.microsoft.com/office/powerpoint/2010/main" val="2179397377"/>
       </p:ext>
     </p:extLst>
   </p:cSld>
@@ -2430,7 +2430,7 @@
     </p:spTree>
     <p:extLst>
       <p:ext uri="{BB962C8B-B14F-4D97-AF65-F5344CB8AC3E}">
-        <p14:creationId xmlns:p14="http://schemas.microsoft.com/office/powerpoint/2010/main" xmlns="" val="2910074712"/>
+        <p14:creationId xmlns="" xmlns:p14="http://schemas.microsoft.com/office/powerpoint/2010/main" val="2910074712"/>
       </p:ext>
     </p:extLst>
   </p:cSld>
@@ -2681,7 +2681,7 @@
     </p:spTree>
     <p:extLst>
       <p:ext uri="{BB962C8B-B14F-4D97-AF65-F5344CB8AC3E}">
-        <p14:creationId xmlns:p14="http://schemas.microsoft.com/office/powerpoint/2010/main" xmlns="" val="3143527758"/>
+        <p14:creationId xmlns="" xmlns:p14="http://schemas.microsoft.com/office/powerpoint/2010/main" val="3143527758"/>
       </p:ext>
     </p:extLst>
   </p:cSld>
@@ -3033,7 +3033,7 @@
     </p:spTree>
     <p:extLst>
       <p:ext uri="{BB962C8B-B14F-4D97-AF65-F5344CB8AC3E}">
-        <p14:creationId xmlns:p14="http://schemas.microsoft.com/office/powerpoint/2010/main" xmlns="" val="673072304"/>
+        <p14:creationId xmlns="" xmlns:p14="http://schemas.microsoft.com/office/powerpoint/2010/main" val="673072304"/>
       </p:ext>
     </p:extLst>
   </p:cSld>
@@ -3621,7 +3621,7 @@
           <a:blip r:embed="rId2">
             <a:extLst>
               <a:ext uri="{28A0092B-C50C-407E-A947-70E740481C1C}">
-                <a14:useLocalDpi xmlns:a14="http://schemas.microsoft.com/office/drawing/2010/main" xmlns="" val="0"/>
+                <a14:useLocalDpi xmlns="" xmlns:a14="http://schemas.microsoft.com/office/drawing/2010/main" val="0"/>
               </a:ext>
             </a:extLst>
           </a:blip>
@@ -3642,7 +3642,7 @@
     </p:spTree>
     <p:extLst>
       <p:ext uri="{BB962C8B-B14F-4D97-AF65-F5344CB8AC3E}">
-        <p14:creationId xmlns:p14="http://schemas.microsoft.com/office/powerpoint/2010/main" xmlns="" val="183637031"/>
+        <p14:creationId xmlns="" xmlns:p14="http://schemas.microsoft.com/office/powerpoint/2010/main" val="183637031"/>
       </p:ext>
     </p:extLst>
   </p:cSld>
@@ -3710,7 +3710,7 @@
           <a:blip r:embed="rId2">
             <a:extLst>
               <a:ext uri="{28A0092B-C50C-407E-A947-70E740481C1C}">
-                <a14:useLocalDpi xmlns:a14="http://schemas.microsoft.com/office/drawing/2010/main" xmlns="" val="0"/>
+                <a14:useLocalDpi xmlns="" xmlns:a14="http://schemas.microsoft.com/office/drawing/2010/main" val="0"/>
               </a:ext>
             </a:extLst>
           </a:blip>
@@ -4271,7 +4271,7 @@
           <a:blip r:embed="rId3">
             <a:extLst>
               <a:ext uri="{28A0092B-C50C-407E-A947-70E740481C1C}">
-                <a14:useLocalDpi xmlns:a14="http://schemas.microsoft.com/office/drawing/2010/main" xmlns="" val="0"/>
+                <a14:useLocalDpi xmlns="" xmlns:a14="http://schemas.microsoft.com/office/drawing/2010/main" val="0"/>
               </a:ext>
             </a:extLst>
           </a:blip>
@@ -4292,7 +4292,7 @@
     </p:spTree>
     <p:extLst>
       <p:ext uri="{BB962C8B-B14F-4D97-AF65-F5344CB8AC3E}">
-        <p14:creationId xmlns:p14="http://schemas.microsoft.com/office/powerpoint/2010/main" xmlns="" val="1308190283"/>
+        <p14:creationId xmlns="" xmlns:p14="http://schemas.microsoft.com/office/powerpoint/2010/main" val="1308190283"/>
       </p:ext>
     </p:extLst>
   </p:cSld>
@@ -4843,7 +4843,7 @@
           <a:blip r:embed="rId2">
             <a:extLst>
               <a:ext uri="{28A0092B-C50C-407E-A947-70E740481C1C}">
-                <a14:useLocalDpi xmlns:a14="http://schemas.microsoft.com/office/drawing/2010/main" xmlns="" val="0"/>
+                <a14:useLocalDpi xmlns="" xmlns:a14="http://schemas.microsoft.com/office/drawing/2010/main" val="0"/>
               </a:ext>
             </a:extLst>
           </a:blip>
@@ -4878,7 +4878,7 @@
           <a:blip r:embed="rId3" cstate="print">
             <a:extLst>
               <a:ext uri="{28A0092B-C50C-407E-A947-70E740481C1C}">
-                <a14:useLocalDpi xmlns:a14="http://schemas.microsoft.com/office/drawing/2010/main" xmlns="" val="0"/>
+                <a14:useLocalDpi xmlns="" xmlns:a14="http://schemas.microsoft.com/office/drawing/2010/main" val="0"/>
               </a:ext>
             </a:extLst>
           </a:blip>
@@ -4899,7 +4899,7 @@
     </p:spTree>
     <p:extLst>
       <p:ext uri="{BB962C8B-B14F-4D97-AF65-F5344CB8AC3E}">
-        <p14:creationId xmlns:p14="http://schemas.microsoft.com/office/powerpoint/2010/main" xmlns="" val="423385560"/>
+        <p14:creationId xmlns="" xmlns:p14="http://schemas.microsoft.com/office/powerpoint/2010/main" val="423385560"/>
       </p:ext>
     </p:extLst>
   </p:cSld>
@@ -4967,7 +4967,7 @@
     </p:spTree>
     <p:extLst>
       <p:ext uri="{BB962C8B-B14F-4D97-AF65-F5344CB8AC3E}">
-        <p14:creationId xmlns:p14="http://schemas.microsoft.com/office/powerpoint/2010/main" xmlns="" val="1064199473"/>
+        <p14:creationId xmlns="" xmlns:p14="http://schemas.microsoft.com/office/powerpoint/2010/main" val="1064199473"/>
       </p:ext>
     </p:extLst>
   </p:cSld>
@@ -5565,7 +5565,7 @@
           <a:blip r:embed="rId2">
             <a:extLst>
               <a:ext uri="{28A0092B-C50C-407E-A947-70E740481C1C}">
-                <a14:useLocalDpi xmlns:a14="http://schemas.microsoft.com/office/drawing/2010/main" xmlns="" val="0"/>
+                <a14:useLocalDpi xmlns="" xmlns:a14="http://schemas.microsoft.com/office/drawing/2010/main" val="0"/>
               </a:ext>
             </a:extLst>
           </a:blip>
@@ -5586,7 +5586,7 @@
     </p:spTree>
     <p:extLst>
       <p:ext uri="{BB962C8B-B14F-4D97-AF65-F5344CB8AC3E}">
-        <p14:creationId xmlns:p14="http://schemas.microsoft.com/office/powerpoint/2010/main" xmlns="" val="1832435074"/>
+        <p14:creationId xmlns="" xmlns:p14="http://schemas.microsoft.com/office/powerpoint/2010/main" val="1832435074"/>
       </p:ext>
     </p:extLst>
   </p:cSld>
@@ -5987,11 +5987,7 @@
             </a:r>
             <a:r>
               <a:rPr lang="en-US" sz="2800" dirty="0" smtClean="0"/>
-              <a:t> </a:t>
-            </a:r>
-            <a:r>
-              <a:rPr lang="en-US" sz="2800" dirty="0" smtClean="0"/>
-              <a:t>User </a:t>
+              <a:t> User </a:t>
             </a:r>
             <a:r>
               <a:rPr lang="en-US" sz="2800" dirty="0" err="1" smtClean="0"/>
@@ -6066,8 +6062,38 @@
         </p:blipFill>
         <p:spPr bwMode="auto">
           <a:xfrm>
-            <a:off x="6786294" y="0"/>
+            <a:off x="344551" y="0"/>
             <a:ext cx="4981575" cy="3181350"/>
+          </a:xfrm>
+          <a:prstGeom prst="rect">
+            <a:avLst/>
+          </a:prstGeom>
+          <a:noFill/>
+          <a:ln w="9525">
+            <a:noFill/>
+            <a:miter lim="800000"/>
+            <a:headEnd/>
+            <a:tailEnd/>
+          </a:ln>
+        </p:spPr>
+      </p:pic>
+      <p:pic>
+        <p:nvPicPr>
+          <p:cNvPr id="8" name="图片 7" descr="http://www.abb-conversations.com/wp-content/uploads/2014/02/Estonia-386x154.jpg"/>
+          <p:cNvPicPr/>
+          <p:nvPr/>
+        </p:nvPicPr>
+        <p:blipFill>
+          <a:blip r:embed="rId3"/>
+          <a:srcRect/>
+          <a:stretch>
+            <a:fillRect/>
+          </a:stretch>
+        </p:blipFill>
+        <p:spPr bwMode="auto">
+          <a:xfrm>
+            <a:off x="7717169" y="737548"/>
+            <a:ext cx="3990975" cy="1752600"/>
           </a:xfrm>
           <a:prstGeom prst="rect">
             <a:avLst/>
@@ -6084,7 +6110,7 @@
     </p:spTree>
     <p:extLst>
       <p:ext uri="{BB962C8B-B14F-4D97-AF65-F5344CB8AC3E}">
-        <p14:creationId xmlns:p14="http://schemas.microsoft.com/office/powerpoint/2010/main" xmlns="" val="3399622642"/>
+        <p14:creationId xmlns="" xmlns:p14="http://schemas.microsoft.com/office/powerpoint/2010/main" val="3399622642"/>
       </p:ext>
     </p:extLst>
   </p:cSld>
@@ -6349,7 +6375,7 @@
   <a:extraClrSchemeLst/>
   <a:extLst>
     <a:ext uri="{05A4C25C-085E-4340-85A3-A5531E510DB2}">
-      <thm15:themeFamily xmlns:thm15="http://schemas.microsoft.com/office/thememl/2012/main" xmlns="" name="Office Theme" id="{62F939B6-93AF-4DB8-9C6B-D6C7DFDC589F}" vid="{4A3C46E8-61CC-4603-A589-7422A47A8E4A}"/>
+      <thm15:themeFamily xmlns="" xmlns:thm15="http://schemas.microsoft.com/office/thememl/2012/main" name="Office Theme" id="{62F939B6-93AF-4DB8-9C6B-D6C7DFDC589F}" vid="{4A3C46E8-61CC-4603-A589-7422A47A8E4A}"/>
     </a:ext>
   </a:extLst>
 </a:theme>

--- a/Class Presentations/3rd-presentation/PPT 13 05.pptx
+++ b/Class Presentations/3rd-presentation/PPT 13 05.pptx
@@ -112,7 +112,7 @@
   </p:defaultTextStyle>
   <p:extLst>
     <p:ext uri="{EFAFB233-063F-42B5-8137-9DF3F51BA10A}">
-      <p15:sldGuideLst xmlns="" xmlns:p15="http://schemas.microsoft.com/office/powerpoint/2012/main"/>
+      <p15:sldGuideLst xmlns:p15="http://schemas.microsoft.com/office/powerpoint/2012/main" xmlns=""/>
     </p:ext>
   </p:extLst>
 </p:presentation>
@@ -302,7 +302,7 @@
     </p:spTree>
     <p:extLst>
       <p:ext uri="{BB962C8B-B14F-4D97-AF65-F5344CB8AC3E}">
-        <p14:creationId xmlns="" xmlns:p14="http://schemas.microsoft.com/office/powerpoint/2010/main" val="2956563955"/>
+        <p14:creationId xmlns:p14="http://schemas.microsoft.com/office/powerpoint/2010/main" xmlns="" val="2956563955"/>
       </p:ext>
     </p:extLst>
   </p:cSld>
@@ -474,7 +474,7 @@
     </p:spTree>
     <p:extLst>
       <p:ext uri="{BB962C8B-B14F-4D97-AF65-F5344CB8AC3E}">
-        <p14:creationId xmlns="" xmlns:p14="http://schemas.microsoft.com/office/powerpoint/2010/main" val="3586844077"/>
+        <p14:creationId xmlns:p14="http://schemas.microsoft.com/office/powerpoint/2010/main" xmlns="" val="3586844077"/>
       </p:ext>
     </p:extLst>
   </p:cSld>
@@ -656,7 +656,7 @@
     </p:spTree>
     <p:extLst>
       <p:ext uri="{BB962C8B-B14F-4D97-AF65-F5344CB8AC3E}">
-        <p14:creationId xmlns="" xmlns:p14="http://schemas.microsoft.com/office/powerpoint/2010/main" val="1845287282"/>
+        <p14:creationId xmlns:p14="http://schemas.microsoft.com/office/powerpoint/2010/main" xmlns="" val="1845287282"/>
       </p:ext>
     </p:extLst>
   </p:cSld>
@@ -828,7 +828,7 @@
     </p:spTree>
     <p:extLst>
       <p:ext uri="{BB962C8B-B14F-4D97-AF65-F5344CB8AC3E}">
-        <p14:creationId xmlns="" xmlns:p14="http://schemas.microsoft.com/office/powerpoint/2010/main" val="3803053875"/>
+        <p14:creationId xmlns:p14="http://schemas.microsoft.com/office/powerpoint/2010/main" xmlns="" val="3803053875"/>
       </p:ext>
     </p:extLst>
   </p:cSld>
@@ -1076,7 +1076,7 @@
     </p:spTree>
     <p:extLst>
       <p:ext uri="{BB962C8B-B14F-4D97-AF65-F5344CB8AC3E}">
-        <p14:creationId xmlns="" xmlns:p14="http://schemas.microsoft.com/office/powerpoint/2010/main" val="333799014"/>
+        <p14:creationId xmlns:p14="http://schemas.microsoft.com/office/powerpoint/2010/main" xmlns="" val="333799014"/>
       </p:ext>
     </p:extLst>
   </p:cSld>
@@ -1310,7 +1310,7 @@
     </p:spTree>
     <p:extLst>
       <p:ext uri="{BB962C8B-B14F-4D97-AF65-F5344CB8AC3E}">
-        <p14:creationId xmlns="" xmlns:p14="http://schemas.microsoft.com/office/powerpoint/2010/main" val="2333730497"/>
+        <p14:creationId xmlns:p14="http://schemas.microsoft.com/office/powerpoint/2010/main" xmlns="" val="2333730497"/>
       </p:ext>
     </p:extLst>
   </p:cSld>
@@ -1679,7 +1679,7 @@
     </p:spTree>
     <p:extLst>
       <p:ext uri="{BB962C8B-B14F-4D97-AF65-F5344CB8AC3E}">
-        <p14:creationId xmlns="" xmlns:p14="http://schemas.microsoft.com/office/powerpoint/2010/main" val="318817838"/>
+        <p14:creationId xmlns:p14="http://schemas.microsoft.com/office/powerpoint/2010/main" xmlns="" val="318817838"/>
       </p:ext>
     </p:extLst>
   </p:cSld>
@@ -1799,7 +1799,7 @@
     </p:spTree>
     <p:extLst>
       <p:ext uri="{BB962C8B-B14F-4D97-AF65-F5344CB8AC3E}">
-        <p14:creationId xmlns="" xmlns:p14="http://schemas.microsoft.com/office/powerpoint/2010/main" val="3110000908"/>
+        <p14:creationId xmlns:p14="http://schemas.microsoft.com/office/powerpoint/2010/main" xmlns="" val="3110000908"/>
       </p:ext>
     </p:extLst>
   </p:cSld>
@@ -1896,7 +1896,7 @@
     </p:spTree>
     <p:extLst>
       <p:ext uri="{BB962C8B-B14F-4D97-AF65-F5344CB8AC3E}">
-        <p14:creationId xmlns="" xmlns:p14="http://schemas.microsoft.com/office/powerpoint/2010/main" val="2310813287"/>
+        <p14:creationId xmlns:p14="http://schemas.microsoft.com/office/powerpoint/2010/main" xmlns="" val="2310813287"/>
       </p:ext>
     </p:extLst>
   </p:cSld>
@@ -2175,7 +2175,7 @@
     </p:spTree>
     <p:extLst>
       <p:ext uri="{BB962C8B-B14F-4D97-AF65-F5344CB8AC3E}">
-        <p14:creationId xmlns="" xmlns:p14="http://schemas.microsoft.com/office/powerpoint/2010/main" val="2179397377"/>
+        <p14:creationId xmlns:p14="http://schemas.microsoft.com/office/powerpoint/2010/main" xmlns="" val="2179397377"/>
       </p:ext>
     </p:extLst>
   </p:cSld>
@@ -2430,7 +2430,7 @@
     </p:spTree>
     <p:extLst>
       <p:ext uri="{BB962C8B-B14F-4D97-AF65-F5344CB8AC3E}">
-        <p14:creationId xmlns="" xmlns:p14="http://schemas.microsoft.com/office/powerpoint/2010/main" val="2910074712"/>
+        <p14:creationId xmlns:p14="http://schemas.microsoft.com/office/powerpoint/2010/main" xmlns="" val="2910074712"/>
       </p:ext>
     </p:extLst>
   </p:cSld>
@@ -2681,7 +2681,7 @@
     </p:spTree>
     <p:extLst>
       <p:ext uri="{BB962C8B-B14F-4D97-AF65-F5344CB8AC3E}">
-        <p14:creationId xmlns="" xmlns:p14="http://schemas.microsoft.com/office/powerpoint/2010/main" val="3143527758"/>
+        <p14:creationId xmlns:p14="http://schemas.microsoft.com/office/powerpoint/2010/main" xmlns="" val="3143527758"/>
       </p:ext>
     </p:extLst>
   </p:cSld>
@@ -3033,7 +3033,7 @@
     </p:spTree>
     <p:extLst>
       <p:ext uri="{BB962C8B-B14F-4D97-AF65-F5344CB8AC3E}">
-        <p14:creationId xmlns="" xmlns:p14="http://schemas.microsoft.com/office/powerpoint/2010/main" val="673072304"/>
+        <p14:creationId xmlns:p14="http://schemas.microsoft.com/office/powerpoint/2010/main" xmlns="" val="673072304"/>
       </p:ext>
     </p:extLst>
   </p:cSld>
@@ -3621,7 +3621,7 @@
           <a:blip r:embed="rId2">
             <a:extLst>
               <a:ext uri="{28A0092B-C50C-407E-A947-70E740481C1C}">
-                <a14:useLocalDpi xmlns="" xmlns:a14="http://schemas.microsoft.com/office/drawing/2010/main" val="0"/>
+                <a14:useLocalDpi xmlns:a14="http://schemas.microsoft.com/office/drawing/2010/main" xmlns="" val="0"/>
               </a:ext>
             </a:extLst>
           </a:blip>
@@ -3642,7 +3642,7 @@
     </p:spTree>
     <p:extLst>
       <p:ext uri="{BB962C8B-B14F-4D97-AF65-F5344CB8AC3E}">
-        <p14:creationId xmlns="" xmlns:p14="http://schemas.microsoft.com/office/powerpoint/2010/main" val="183637031"/>
+        <p14:creationId xmlns:p14="http://schemas.microsoft.com/office/powerpoint/2010/main" xmlns="" val="183637031"/>
       </p:ext>
     </p:extLst>
   </p:cSld>
@@ -3710,7 +3710,7 @@
           <a:blip r:embed="rId2">
             <a:extLst>
               <a:ext uri="{28A0092B-C50C-407E-A947-70E740481C1C}">
-                <a14:useLocalDpi xmlns="" xmlns:a14="http://schemas.microsoft.com/office/drawing/2010/main" val="0"/>
+                <a14:useLocalDpi xmlns:a14="http://schemas.microsoft.com/office/drawing/2010/main" xmlns="" val="0"/>
               </a:ext>
             </a:extLst>
           </a:blip>
@@ -4271,7 +4271,7 @@
           <a:blip r:embed="rId3">
             <a:extLst>
               <a:ext uri="{28A0092B-C50C-407E-A947-70E740481C1C}">
-                <a14:useLocalDpi xmlns="" xmlns:a14="http://schemas.microsoft.com/office/drawing/2010/main" val="0"/>
+                <a14:useLocalDpi xmlns:a14="http://schemas.microsoft.com/office/drawing/2010/main" xmlns="" val="0"/>
               </a:ext>
             </a:extLst>
           </a:blip>
@@ -4292,7 +4292,7 @@
     </p:spTree>
     <p:extLst>
       <p:ext uri="{BB962C8B-B14F-4D97-AF65-F5344CB8AC3E}">
-        <p14:creationId xmlns="" xmlns:p14="http://schemas.microsoft.com/office/powerpoint/2010/main" val="1308190283"/>
+        <p14:creationId xmlns:p14="http://schemas.microsoft.com/office/powerpoint/2010/main" xmlns="" val="1308190283"/>
       </p:ext>
     </p:extLst>
   </p:cSld>
@@ -4843,7 +4843,7 @@
           <a:blip r:embed="rId2">
             <a:extLst>
               <a:ext uri="{28A0092B-C50C-407E-A947-70E740481C1C}">
-                <a14:useLocalDpi xmlns="" xmlns:a14="http://schemas.microsoft.com/office/drawing/2010/main" val="0"/>
+                <a14:useLocalDpi xmlns:a14="http://schemas.microsoft.com/office/drawing/2010/main" xmlns="" val="0"/>
               </a:ext>
             </a:extLst>
           </a:blip>
@@ -4878,7 +4878,7 @@
           <a:blip r:embed="rId3" cstate="print">
             <a:extLst>
               <a:ext uri="{28A0092B-C50C-407E-A947-70E740481C1C}">
-                <a14:useLocalDpi xmlns="" xmlns:a14="http://schemas.microsoft.com/office/drawing/2010/main" val="0"/>
+                <a14:useLocalDpi xmlns:a14="http://schemas.microsoft.com/office/drawing/2010/main" xmlns="" val="0"/>
               </a:ext>
             </a:extLst>
           </a:blip>
@@ -4899,7 +4899,7 @@
     </p:spTree>
     <p:extLst>
       <p:ext uri="{BB962C8B-B14F-4D97-AF65-F5344CB8AC3E}">
-        <p14:creationId xmlns="" xmlns:p14="http://schemas.microsoft.com/office/powerpoint/2010/main" val="423385560"/>
+        <p14:creationId xmlns:p14="http://schemas.microsoft.com/office/powerpoint/2010/main" xmlns="" val="423385560"/>
       </p:ext>
     </p:extLst>
   </p:cSld>
@@ -4967,7 +4967,7 @@
     </p:spTree>
     <p:extLst>
       <p:ext uri="{BB962C8B-B14F-4D97-AF65-F5344CB8AC3E}">
-        <p14:creationId xmlns="" xmlns:p14="http://schemas.microsoft.com/office/powerpoint/2010/main" val="1064199473"/>
+        <p14:creationId xmlns:p14="http://schemas.microsoft.com/office/powerpoint/2010/main" xmlns="" val="1064199473"/>
       </p:ext>
     </p:extLst>
   </p:cSld>
@@ -5565,7 +5565,7 @@
           <a:blip r:embed="rId2">
             <a:extLst>
               <a:ext uri="{28A0092B-C50C-407E-A947-70E740481C1C}">
-                <a14:useLocalDpi xmlns="" xmlns:a14="http://schemas.microsoft.com/office/drawing/2010/main" val="0"/>
+                <a14:useLocalDpi xmlns:a14="http://schemas.microsoft.com/office/drawing/2010/main" xmlns="" val="0"/>
               </a:ext>
             </a:extLst>
           </a:blip>
@@ -5586,7 +5586,7 @@
     </p:spTree>
     <p:extLst>
       <p:ext uri="{BB962C8B-B14F-4D97-AF65-F5344CB8AC3E}">
-        <p14:creationId xmlns="" xmlns:p14="http://schemas.microsoft.com/office/powerpoint/2010/main" val="1832435074"/>
+        <p14:creationId xmlns:p14="http://schemas.microsoft.com/office/powerpoint/2010/main" xmlns="" val="1832435074"/>
       </p:ext>
     </p:extLst>
   </p:cSld>
@@ -6062,38 +6062,8 @@
         </p:blipFill>
         <p:spPr bwMode="auto">
           <a:xfrm>
-            <a:off x="344551" y="0"/>
+            <a:off x="6690760" y="0"/>
             <a:ext cx="4981575" cy="3181350"/>
-          </a:xfrm>
-          <a:prstGeom prst="rect">
-            <a:avLst/>
-          </a:prstGeom>
-          <a:noFill/>
-          <a:ln w="9525">
-            <a:noFill/>
-            <a:miter lim="800000"/>
-            <a:headEnd/>
-            <a:tailEnd/>
-          </a:ln>
-        </p:spPr>
-      </p:pic>
-      <p:pic>
-        <p:nvPicPr>
-          <p:cNvPr id="8" name="图片 7" descr="http://www.abb-conversations.com/wp-content/uploads/2014/02/Estonia-386x154.jpg"/>
-          <p:cNvPicPr/>
-          <p:nvPr/>
-        </p:nvPicPr>
-        <p:blipFill>
-          <a:blip r:embed="rId3"/>
-          <a:srcRect/>
-          <a:stretch>
-            <a:fillRect/>
-          </a:stretch>
-        </p:blipFill>
-        <p:spPr bwMode="auto">
-          <a:xfrm>
-            <a:off x="7717169" y="737548"/>
-            <a:ext cx="3990975" cy="1752600"/>
           </a:xfrm>
           <a:prstGeom prst="rect">
             <a:avLst/>
@@ -6110,7 +6080,7 @@
     </p:spTree>
     <p:extLst>
       <p:ext uri="{BB962C8B-B14F-4D97-AF65-F5344CB8AC3E}">
-        <p14:creationId xmlns="" xmlns:p14="http://schemas.microsoft.com/office/powerpoint/2010/main" val="3399622642"/>
+        <p14:creationId xmlns:p14="http://schemas.microsoft.com/office/powerpoint/2010/main" xmlns="" val="3399622642"/>
       </p:ext>
     </p:extLst>
   </p:cSld>
@@ -6375,7 +6345,7 @@
   <a:extraClrSchemeLst/>
   <a:extLst>
     <a:ext uri="{05A4C25C-085E-4340-85A3-A5531E510DB2}">
-      <thm15:themeFamily xmlns="" xmlns:thm15="http://schemas.microsoft.com/office/thememl/2012/main" name="Office Theme" id="{62F939B6-93AF-4DB8-9C6B-D6C7DFDC589F}" vid="{4A3C46E8-61CC-4603-A589-7422A47A8E4A}"/>
+      <thm15:themeFamily xmlns:thm15="http://schemas.microsoft.com/office/thememl/2012/main" xmlns="" name="Office Theme" id="{62F939B6-93AF-4DB8-9C6B-D6C7DFDC589F}" vid="{4A3C46E8-61CC-4603-A589-7422A47A8E4A}"/>
     </a:ext>
   </a:extLst>
 </a:theme>

--- a/Class Presentations/3rd-presentation/PPT 13 05.pptx
+++ b/Class Presentations/3rd-presentation/PPT 13 05.pptx
@@ -112,7 +112,18 @@
   </p:defaultTextStyle>
   <p:extLst>
     <p:ext uri="{EFAFB233-063F-42B5-8137-9DF3F51BA10A}">
-      <p15:sldGuideLst xmlns:p15="http://schemas.microsoft.com/office/powerpoint/2012/main" xmlns=""/>
+      <p15:sldGuideLst xmlns:p15="http://schemas.microsoft.com/office/powerpoint/2012/main">
+        <p15:guide id="1" orient="horz" pos="2160">
+          <p15:clr>
+            <a:srgbClr val="A4A3A4"/>
+          </p15:clr>
+        </p15:guide>
+        <p15:guide id="2" pos="3840">
+          <p15:clr>
+            <a:srgbClr val="A4A3A4"/>
+          </p15:clr>
+        </p15:guide>
+      </p15:sldGuideLst>
     </p:ext>
   </p:extLst>
 </p:presentation>
@@ -302,7 +313,7 @@
     </p:spTree>
     <p:extLst>
       <p:ext uri="{BB962C8B-B14F-4D97-AF65-F5344CB8AC3E}">
-        <p14:creationId xmlns:p14="http://schemas.microsoft.com/office/powerpoint/2010/main" xmlns="" val="2956563955"/>
+        <p14:creationId xmlns:p14="http://schemas.microsoft.com/office/powerpoint/2010/main" val="2956563955"/>
       </p:ext>
     </p:extLst>
   </p:cSld>
@@ -474,7 +485,7 @@
     </p:spTree>
     <p:extLst>
       <p:ext uri="{BB962C8B-B14F-4D97-AF65-F5344CB8AC3E}">
-        <p14:creationId xmlns:p14="http://schemas.microsoft.com/office/powerpoint/2010/main" xmlns="" val="3586844077"/>
+        <p14:creationId xmlns:p14="http://schemas.microsoft.com/office/powerpoint/2010/main" val="3586844077"/>
       </p:ext>
     </p:extLst>
   </p:cSld>
@@ -656,7 +667,7 @@
     </p:spTree>
     <p:extLst>
       <p:ext uri="{BB962C8B-B14F-4D97-AF65-F5344CB8AC3E}">
-        <p14:creationId xmlns:p14="http://schemas.microsoft.com/office/powerpoint/2010/main" xmlns="" val="1845287282"/>
+        <p14:creationId xmlns:p14="http://schemas.microsoft.com/office/powerpoint/2010/main" val="1845287282"/>
       </p:ext>
     </p:extLst>
   </p:cSld>
@@ -828,7 +839,7 @@
     </p:spTree>
     <p:extLst>
       <p:ext uri="{BB962C8B-B14F-4D97-AF65-F5344CB8AC3E}">
-        <p14:creationId xmlns:p14="http://schemas.microsoft.com/office/powerpoint/2010/main" xmlns="" val="3803053875"/>
+        <p14:creationId xmlns:p14="http://schemas.microsoft.com/office/powerpoint/2010/main" val="3803053875"/>
       </p:ext>
     </p:extLst>
   </p:cSld>
@@ -1076,7 +1087,7 @@
     </p:spTree>
     <p:extLst>
       <p:ext uri="{BB962C8B-B14F-4D97-AF65-F5344CB8AC3E}">
-        <p14:creationId xmlns:p14="http://schemas.microsoft.com/office/powerpoint/2010/main" xmlns="" val="333799014"/>
+        <p14:creationId xmlns:p14="http://schemas.microsoft.com/office/powerpoint/2010/main" val="333799014"/>
       </p:ext>
     </p:extLst>
   </p:cSld>
@@ -1310,7 +1321,7 @@
     </p:spTree>
     <p:extLst>
       <p:ext uri="{BB962C8B-B14F-4D97-AF65-F5344CB8AC3E}">
-        <p14:creationId xmlns:p14="http://schemas.microsoft.com/office/powerpoint/2010/main" xmlns="" val="2333730497"/>
+        <p14:creationId xmlns:p14="http://schemas.microsoft.com/office/powerpoint/2010/main" val="2333730497"/>
       </p:ext>
     </p:extLst>
   </p:cSld>
@@ -1679,7 +1690,7 @@
     </p:spTree>
     <p:extLst>
       <p:ext uri="{BB962C8B-B14F-4D97-AF65-F5344CB8AC3E}">
-        <p14:creationId xmlns:p14="http://schemas.microsoft.com/office/powerpoint/2010/main" xmlns="" val="318817838"/>
+        <p14:creationId xmlns:p14="http://schemas.microsoft.com/office/powerpoint/2010/main" val="318817838"/>
       </p:ext>
     </p:extLst>
   </p:cSld>
@@ -1799,7 +1810,7 @@
     </p:spTree>
     <p:extLst>
       <p:ext uri="{BB962C8B-B14F-4D97-AF65-F5344CB8AC3E}">
-        <p14:creationId xmlns:p14="http://schemas.microsoft.com/office/powerpoint/2010/main" xmlns="" val="3110000908"/>
+        <p14:creationId xmlns:p14="http://schemas.microsoft.com/office/powerpoint/2010/main" val="3110000908"/>
       </p:ext>
     </p:extLst>
   </p:cSld>
@@ -1896,7 +1907,7 @@
     </p:spTree>
     <p:extLst>
       <p:ext uri="{BB962C8B-B14F-4D97-AF65-F5344CB8AC3E}">
-        <p14:creationId xmlns:p14="http://schemas.microsoft.com/office/powerpoint/2010/main" xmlns="" val="2310813287"/>
+        <p14:creationId xmlns:p14="http://schemas.microsoft.com/office/powerpoint/2010/main" val="2310813287"/>
       </p:ext>
     </p:extLst>
   </p:cSld>
@@ -2175,7 +2186,7 @@
     </p:spTree>
     <p:extLst>
       <p:ext uri="{BB962C8B-B14F-4D97-AF65-F5344CB8AC3E}">
-        <p14:creationId xmlns:p14="http://schemas.microsoft.com/office/powerpoint/2010/main" xmlns="" val="2179397377"/>
+        <p14:creationId xmlns:p14="http://schemas.microsoft.com/office/powerpoint/2010/main" val="2179397377"/>
       </p:ext>
     </p:extLst>
   </p:cSld>
@@ -2430,7 +2441,7 @@
     </p:spTree>
     <p:extLst>
       <p:ext uri="{BB962C8B-B14F-4D97-AF65-F5344CB8AC3E}">
-        <p14:creationId xmlns:p14="http://schemas.microsoft.com/office/powerpoint/2010/main" xmlns="" val="2910074712"/>
+        <p14:creationId xmlns:p14="http://schemas.microsoft.com/office/powerpoint/2010/main" val="2910074712"/>
       </p:ext>
     </p:extLst>
   </p:cSld>
@@ -2681,7 +2692,7 @@
     </p:spTree>
     <p:extLst>
       <p:ext uri="{BB962C8B-B14F-4D97-AF65-F5344CB8AC3E}">
-        <p14:creationId xmlns:p14="http://schemas.microsoft.com/office/powerpoint/2010/main" xmlns="" val="3143527758"/>
+        <p14:creationId xmlns:p14="http://schemas.microsoft.com/office/powerpoint/2010/main" val="3143527758"/>
       </p:ext>
     </p:extLst>
   </p:cSld>
@@ -3033,7 +3044,7 @@
     </p:spTree>
     <p:extLst>
       <p:ext uri="{BB962C8B-B14F-4D97-AF65-F5344CB8AC3E}">
-        <p14:creationId xmlns:p14="http://schemas.microsoft.com/office/powerpoint/2010/main" xmlns="" val="673072304"/>
+        <p14:creationId xmlns:p14="http://schemas.microsoft.com/office/powerpoint/2010/main" val="673072304"/>
       </p:ext>
     </p:extLst>
   </p:cSld>
@@ -3621,7 +3632,7 @@
           <a:blip r:embed="rId2">
             <a:extLst>
               <a:ext uri="{28A0092B-C50C-407E-A947-70E740481C1C}">
-                <a14:useLocalDpi xmlns:a14="http://schemas.microsoft.com/office/drawing/2010/main" xmlns="" val="0"/>
+                <a14:useLocalDpi xmlns:a14="http://schemas.microsoft.com/office/drawing/2010/main" val="0"/>
               </a:ext>
             </a:extLst>
           </a:blip>
@@ -3642,7 +3653,7 @@
     </p:spTree>
     <p:extLst>
       <p:ext uri="{BB962C8B-B14F-4D97-AF65-F5344CB8AC3E}">
-        <p14:creationId xmlns:p14="http://schemas.microsoft.com/office/powerpoint/2010/main" xmlns="" val="183637031"/>
+        <p14:creationId xmlns:p14="http://schemas.microsoft.com/office/powerpoint/2010/main" val="183637031"/>
       </p:ext>
     </p:extLst>
   </p:cSld>
@@ -3710,7 +3721,7 @@
           <a:blip r:embed="rId2">
             <a:extLst>
               <a:ext uri="{28A0092B-C50C-407E-A947-70E740481C1C}">
-                <a14:useLocalDpi xmlns:a14="http://schemas.microsoft.com/office/drawing/2010/main" xmlns="" val="0"/>
+                <a14:useLocalDpi xmlns:a14="http://schemas.microsoft.com/office/drawing/2010/main" val="0"/>
               </a:ext>
             </a:extLst>
           </a:blip>
@@ -4271,7 +4282,7 @@
           <a:blip r:embed="rId3">
             <a:extLst>
               <a:ext uri="{28A0092B-C50C-407E-A947-70E740481C1C}">
-                <a14:useLocalDpi xmlns:a14="http://schemas.microsoft.com/office/drawing/2010/main" xmlns="" val="0"/>
+                <a14:useLocalDpi xmlns:a14="http://schemas.microsoft.com/office/drawing/2010/main" val="0"/>
               </a:ext>
             </a:extLst>
           </a:blip>
@@ -4292,7 +4303,7 @@
     </p:spTree>
     <p:extLst>
       <p:ext uri="{BB962C8B-B14F-4D97-AF65-F5344CB8AC3E}">
-        <p14:creationId xmlns:p14="http://schemas.microsoft.com/office/powerpoint/2010/main" xmlns="" val="1308190283"/>
+        <p14:creationId xmlns:p14="http://schemas.microsoft.com/office/powerpoint/2010/main" val="1308190283"/>
       </p:ext>
     </p:extLst>
   </p:cSld>
@@ -4843,7 +4854,7 @@
           <a:blip r:embed="rId2">
             <a:extLst>
               <a:ext uri="{28A0092B-C50C-407E-A947-70E740481C1C}">
-                <a14:useLocalDpi xmlns:a14="http://schemas.microsoft.com/office/drawing/2010/main" xmlns="" val="0"/>
+                <a14:useLocalDpi xmlns:a14="http://schemas.microsoft.com/office/drawing/2010/main" val="0"/>
               </a:ext>
             </a:extLst>
           </a:blip>
@@ -4878,7 +4889,7 @@
           <a:blip r:embed="rId3" cstate="print">
             <a:extLst>
               <a:ext uri="{28A0092B-C50C-407E-A947-70E740481C1C}">
-                <a14:useLocalDpi xmlns:a14="http://schemas.microsoft.com/office/drawing/2010/main" xmlns="" val="0"/>
+                <a14:useLocalDpi xmlns:a14="http://schemas.microsoft.com/office/drawing/2010/main" val="0"/>
               </a:ext>
             </a:extLst>
           </a:blip>
@@ -4899,7 +4910,7 @@
     </p:spTree>
     <p:extLst>
       <p:ext uri="{BB962C8B-B14F-4D97-AF65-F5344CB8AC3E}">
-        <p14:creationId xmlns:p14="http://schemas.microsoft.com/office/powerpoint/2010/main" xmlns="" val="423385560"/>
+        <p14:creationId xmlns:p14="http://schemas.microsoft.com/office/powerpoint/2010/main" val="423385560"/>
       </p:ext>
     </p:extLst>
   </p:cSld>
@@ -4967,7 +4978,7 @@
     </p:spTree>
     <p:extLst>
       <p:ext uri="{BB962C8B-B14F-4D97-AF65-F5344CB8AC3E}">
-        <p14:creationId xmlns:p14="http://schemas.microsoft.com/office/powerpoint/2010/main" xmlns="" val="1064199473"/>
+        <p14:creationId xmlns:p14="http://schemas.microsoft.com/office/powerpoint/2010/main" val="1064199473"/>
       </p:ext>
     </p:extLst>
   </p:cSld>
@@ -5565,7 +5576,7 @@
           <a:blip r:embed="rId2">
             <a:extLst>
               <a:ext uri="{28A0092B-C50C-407E-A947-70E740481C1C}">
-                <a14:useLocalDpi xmlns:a14="http://schemas.microsoft.com/office/drawing/2010/main" xmlns="" val="0"/>
+                <a14:useLocalDpi xmlns:a14="http://schemas.microsoft.com/office/drawing/2010/main" val="0"/>
               </a:ext>
             </a:extLst>
           </a:blip>
@@ -5586,7 +5597,7 @@
     </p:spTree>
     <p:extLst>
       <p:ext uri="{BB962C8B-B14F-4D97-AF65-F5344CB8AC3E}">
-        <p14:creationId xmlns:p14="http://schemas.microsoft.com/office/powerpoint/2010/main" xmlns="" val="1832435074"/>
+        <p14:creationId xmlns:p14="http://schemas.microsoft.com/office/powerpoint/2010/main" val="1832435074"/>
       </p:ext>
     </p:extLst>
   </p:cSld>
@@ -5978,26 +5989,21 @@
               <a:buChar char="•"/>
             </a:pPr>
             <a:r>
+              <a:rPr lang="en-US" sz="2800" smtClean="0"/>
+              <a:t>Decreased </a:t>
+            </a:r>
+            <a:r>
+              <a:rPr lang="en-US" sz="2800" smtClean="0"/>
+              <a:t>Ev’s</a:t>
+            </a:r>
+            <a:r>
               <a:rPr lang="en-US" sz="2800" dirty="0" smtClean="0"/>
-              <a:t>Decreased </a:t>
-            </a:r>
-            <a:r>
-              <a:rPr lang="en-US" sz="2800" dirty="0" err="1" smtClean="0"/>
-              <a:t>Ev’s</a:t>
+              <a:t> </a:t>
             </a:r>
             <a:r>
               <a:rPr lang="en-US" sz="2800" dirty="0" smtClean="0"/>
-              <a:t> User </a:t>
-            </a:r>
-            <a:r>
-              <a:rPr lang="en-US" sz="2800" dirty="0" err="1" smtClean="0"/>
-              <a:t>Ev’s</a:t>
-            </a:r>
-            <a:r>
-              <a:rPr lang="en-US" sz="2800" smtClean="0"/>
-              <a:t> User range anxiety </a:t>
-            </a:r>
-            <a:endParaRPr lang="en-US" sz="2800" dirty="0" smtClean="0"/>
+              <a:t>User range anxiety </a:t>
+            </a:r>
           </a:p>
           <a:p>
             <a:pPr marL="457200" indent="-457200">
@@ -6080,7 +6086,7 @@
     </p:spTree>
     <p:extLst>
       <p:ext uri="{BB962C8B-B14F-4D97-AF65-F5344CB8AC3E}">
-        <p14:creationId xmlns:p14="http://schemas.microsoft.com/office/powerpoint/2010/main" xmlns="" val="3399622642"/>
+        <p14:creationId xmlns:p14="http://schemas.microsoft.com/office/powerpoint/2010/main" val="3399622642"/>
       </p:ext>
     </p:extLst>
   </p:cSld>
@@ -6345,7 +6351,7 @@
   <a:extraClrSchemeLst/>
   <a:extLst>
     <a:ext uri="{05A4C25C-085E-4340-85A3-A5531E510DB2}">
-      <thm15:themeFamily xmlns:thm15="http://schemas.microsoft.com/office/thememl/2012/main" xmlns="" name="Office Theme" id="{62F939B6-93AF-4DB8-9C6B-D6C7DFDC589F}" vid="{4A3C46E8-61CC-4603-A589-7422A47A8E4A}"/>
+      <thm15:themeFamily xmlns:thm15="http://schemas.microsoft.com/office/thememl/2012/main" name="Office Theme" id="{62F939B6-93AF-4DB8-9C6B-D6C7DFDC589F}" vid="{4A3C46E8-61CC-4603-A589-7422A47A8E4A}"/>
     </a:ext>
   </a:extLst>
 </a:theme>

--- a/Class Presentations/3rd-presentation/PPT 13 05.pptx
+++ b/Class Presentations/3rd-presentation/PPT 13 05.pptx
@@ -5,13 +5,14 @@
     <p:sldMasterId id="2147483648" r:id="rId1"/>
   </p:sldMasterIdLst>
   <p:sldIdLst>
-    <p:sldId id="256" r:id="rId2"/>
-    <p:sldId id="257" r:id="rId3"/>
-    <p:sldId id="258" r:id="rId4"/>
-    <p:sldId id="261" r:id="rId5"/>
-    <p:sldId id="262" r:id="rId6"/>
-    <p:sldId id="263" r:id="rId7"/>
-    <p:sldId id="264" r:id="rId8"/>
+    <p:sldId id="265" r:id="rId2"/>
+    <p:sldId id="262" r:id="rId3"/>
+    <p:sldId id="263" r:id="rId4"/>
+    <p:sldId id="264" r:id="rId5"/>
+    <p:sldId id="256" r:id="rId6"/>
+    <p:sldId id="257" r:id="rId7"/>
+    <p:sldId id="258" r:id="rId8"/>
+    <p:sldId id="261" r:id="rId9"/>
   </p:sldIdLst>
   <p:sldSz cx="12192000" cy="6858000"/>
   <p:notesSz cx="6858000" cy="9144000"/>
@@ -3012,6 +3013,1347 @@
       </p:grpSpPr>
       <p:sp>
         <p:nvSpPr>
+          <p:cNvPr id="3" name="Subtitle 2"/>
+          <p:cNvSpPr>
+            <a:spLocks noGrp="1"/>
+          </p:cNvSpPr>
+          <p:nvPr>
+            <p:ph type="subTitle" idx="1"/>
+          </p:nvPr>
+        </p:nvSpPr>
+        <p:spPr>
+          <a:xfrm>
+            <a:off x="1735652" y="4691824"/>
+            <a:ext cx="7936926" cy="946976"/>
+          </a:xfrm>
+        </p:spPr>
+        <p:txBody>
+          <a:bodyPr>
+            <a:normAutofit/>
+          </a:bodyPr>
+          <a:lstStyle/>
+          <a:p>
+            <a:r>
+              <a:rPr lang="en-US" i="1" dirty="0"/>
+              <a:t>Leaders in Environment Analysis and Definition of Strategy</a:t>
+            </a:r>
+            <a:endParaRPr lang="en-US" i="1" dirty="0"/>
+          </a:p>
+        </p:txBody>
+      </p:sp>
+      <p:pic>
+        <p:nvPicPr>
+          <p:cNvPr id="4" name="Picture 3"/>
+          <p:cNvPicPr>
+            <a:picLocks noChangeAspect="1"/>
+          </p:cNvPicPr>
+          <p:nvPr/>
+        </p:nvPicPr>
+        <p:blipFill>
+          <a:blip r:embed="rId2" cstate="print">
+            <a:extLst>
+              <a:ext uri="{28A0092B-C50C-407E-A947-70E740481C1C}">
+                <a14:useLocalDpi xmlns:a14="http://schemas.microsoft.com/office/drawing/2010/main" val="0"/>
+              </a:ext>
+            </a:extLst>
+          </a:blip>
+          <a:stretch>
+            <a:fillRect/>
+          </a:stretch>
+        </p:blipFill>
+        <p:spPr>
+          <a:xfrm>
+            <a:off x="1524000" y="1588375"/>
+            <a:ext cx="8439598" cy="3103449"/>
+          </a:xfrm>
+          <a:prstGeom prst="rect">
+            <a:avLst/>
+          </a:prstGeom>
+        </p:spPr>
+      </p:pic>
+      <p:sp>
+        <p:nvSpPr>
+          <p:cNvPr id="2" name="Slide Number Placeholder 1"/>
+          <p:cNvSpPr>
+            <a:spLocks noGrp="1"/>
+          </p:cNvSpPr>
+          <p:nvPr>
+            <p:ph type="sldNum" sz="quarter" idx="12"/>
+          </p:nvPr>
+        </p:nvSpPr>
+        <p:spPr/>
+        <p:txBody>
+          <a:bodyPr/>
+          <a:lstStyle/>
+          <a:p>
+            <a:fld id="{B1228A61-269F-5D4E-BE49-4CDCACD51ED7}" type="slidenum">
+              <a:rPr lang="en-US" smtClean="0"/>
+              <a:t>1</a:t>
+            </a:fld>
+            <a:endParaRPr lang="en-US"/>
+          </a:p>
+        </p:txBody>
+      </p:sp>
+    </p:spTree>
+    <p:extLst>
+      <p:ext uri="{BB962C8B-B14F-4D97-AF65-F5344CB8AC3E}">
+        <p14:creationId xmlns:p14="http://schemas.microsoft.com/office/powerpoint/2010/main" val="1056640317"/>
+      </p:ext>
+    </p:extLst>
+  </p:cSld>
+  <p:clrMapOvr>
+    <a:masterClrMapping/>
+  </p:clrMapOvr>
+  <p:timing>
+    <p:tnLst>
+      <p:par>
+        <p:cTn id="1" dur="indefinite" restart="never" nodeType="tmRoot"/>
+      </p:par>
+    </p:tnLst>
+  </p:timing>
+</p:sld>
+</file>
+
+<file path=ppt/slides/slide2.xml><?xml version="1.0" encoding="utf-8"?>
+<p:sld xmlns:a="http://schemas.openxmlformats.org/drawingml/2006/main" xmlns:r="http://schemas.openxmlformats.org/officeDocument/2006/relationships" xmlns:p="http://schemas.openxmlformats.org/presentationml/2006/main">
+  <p:cSld>
+    <p:spTree>
+      <p:nvGrpSpPr>
+        <p:cNvPr id="1" name=""/>
+        <p:cNvGrpSpPr/>
+        <p:nvPr/>
+      </p:nvGrpSpPr>
+      <p:grpSpPr>
+        <a:xfrm>
+          <a:off x="0" y="0"/>
+          <a:ext cx="0" cy="0"/>
+          <a:chOff x="0" y="0"/>
+          <a:chExt cx="0" cy="0"/>
+        </a:xfrm>
+      </p:grpSpPr>
+      <p:sp>
+        <p:nvSpPr>
+          <p:cNvPr id="4" name="ZoneTexte 3"/>
+          <p:cNvSpPr txBox="1"/>
+          <p:nvPr/>
+        </p:nvSpPr>
+        <p:spPr>
+          <a:xfrm>
+            <a:off x="953038" y="1751526"/>
+            <a:ext cx="10225826" cy="1077218"/>
+          </a:xfrm>
+          <a:prstGeom prst="rect">
+            <a:avLst/>
+          </a:prstGeom>
+          <a:noFill/>
+        </p:spPr>
+        <p:txBody>
+          <a:bodyPr wrap="square" rtlCol="0">
+            <a:spAutoFit/>
+          </a:bodyPr>
+          <a:lstStyle/>
+          <a:p>
+            <a:pPr algn="ctr"/>
+            <a:r>
+              <a:rPr lang="tr-TR" sz="6400" dirty="0" err="1" smtClean="0"/>
+              <a:t>Countries</a:t>
+            </a:r>
+            <a:endParaRPr lang="fr-FR" sz="6400" dirty="0"/>
+          </a:p>
+        </p:txBody>
+      </p:sp>
+    </p:spTree>
+    <p:extLst>
+      <p:ext uri="{BB962C8B-B14F-4D97-AF65-F5344CB8AC3E}">
+        <p14:creationId xmlns:p14="http://schemas.microsoft.com/office/powerpoint/2010/main" val="4168327438"/>
+      </p:ext>
+    </p:extLst>
+  </p:cSld>
+  <p:clrMapOvr>
+    <a:masterClrMapping/>
+  </p:clrMapOvr>
+</p:sld>
+</file>
+
+<file path=ppt/slides/slide3.xml><?xml version="1.0" encoding="utf-8"?>
+<p:sld xmlns:a="http://schemas.openxmlformats.org/drawingml/2006/main" xmlns:r="http://schemas.openxmlformats.org/officeDocument/2006/relationships" xmlns:p="http://schemas.openxmlformats.org/presentationml/2006/main">
+  <p:cSld>
+    <p:spTree>
+      <p:nvGrpSpPr>
+        <p:cNvPr id="1" name=""/>
+        <p:cNvGrpSpPr/>
+        <p:nvPr/>
+      </p:nvGrpSpPr>
+      <p:grpSpPr>
+        <a:xfrm>
+          <a:off x="0" y="0"/>
+          <a:ext cx="0" cy="0"/>
+          <a:chOff x="0" y="0"/>
+          <a:chExt cx="0" cy="0"/>
+        </a:xfrm>
+      </p:grpSpPr>
+      <p:sp>
+        <p:nvSpPr>
+          <p:cNvPr id="2" name="Title 1"/>
+          <p:cNvSpPr>
+            <a:spLocks noGrp="1"/>
+          </p:cNvSpPr>
+          <p:nvPr>
+            <p:ph type="title"/>
+          </p:nvPr>
+        </p:nvSpPr>
+        <p:spPr/>
+        <p:txBody>
+          <a:bodyPr/>
+          <a:lstStyle/>
+          <a:p>
+            <a:r>
+              <a:rPr lang="tr-TR" b="1" dirty="0" smtClean="0"/>
+              <a:t>California</a:t>
+            </a:r>
+            <a:endParaRPr lang="tr-TR" b="1" dirty="0"/>
+          </a:p>
+        </p:txBody>
+      </p:sp>
+      <p:sp>
+        <p:nvSpPr>
+          <p:cNvPr id="5" name="Espace réservé du contenu 2"/>
+          <p:cNvSpPr txBox="1">
+            <a:spLocks/>
+          </p:cNvSpPr>
+          <p:nvPr/>
+        </p:nvSpPr>
+        <p:spPr>
+          <a:xfrm>
+            <a:off x="838199" y="1598720"/>
+            <a:ext cx="5601237" cy="4647533"/>
+          </a:xfrm>
+          <a:prstGeom prst="rect">
+            <a:avLst/>
+          </a:prstGeom>
+        </p:spPr>
+        <p:txBody>
+          <a:bodyPr vert="horz" lIns="91440" tIns="45720" rIns="91440" bIns="45720" rtlCol="0">
+            <a:normAutofit fontScale="92500" lnSpcReduction="10000"/>
+          </a:bodyPr>
+          <a:lstStyle>
+            <a:lvl1pPr marL="228600" indent="-228600" algn="l" defTabSz="914400" rtl="0" eaLnBrk="1" latinLnBrk="0" hangingPunct="1">
+              <a:lnSpc>
+                <a:spcPct val="90000"/>
+              </a:lnSpc>
+              <a:spcBef>
+                <a:spcPts val="1000"/>
+              </a:spcBef>
+              <a:buFont typeface="Arial" panose="020B0604020202020204" pitchFamily="34" charset="0"/>
+              <a:buChar char="•"/>
+              <a:defRPr sz="2800" kern="1200">
+                <a:solidFill>
+                  <a:schemeClr val="tx1"/>
+                </a:solidFill>
+                <a:latin typeface="+mn-lt"/>
+                <a:ea typeface="+mn-ea"/>
+                <a:cs typeface="+mn-cs"/>
+              </a:defRPr>
+            </a:lvl1pPr>
+            <a:lvl2pPr marL="685800" indent="-228600" algn="l" defTabSz="914400" rtl="0" eaLnBrk="1" latinLnBrk="0" hangingPunct="1">
+              <a:lnSpc>
+                <a:spcPct val="90000"/>
+              </a:lnSpc>
+              <a:spcBef>
+                <a:spcPts val="500"/>
+              </a:spcBef>
+              <a:buFont typeface="Arial" panose="020B0604020202020204" pitchFamily="34" charset="0"/>
+              <a:buChar char="•"/>
+              <a:defRPr sz="2400" kern="1200">
+                <a:solidFill>
+                  <a:schemeClr val="tx1"/>
+                </a:solidFill>
+                <a:latin typeface="+mn-lt"/>
+                <a:ea typeface="+mn-ea"/>
+                <a:cs typeface="+mn-cs"/>
+              </a:defRPr>
+            </a:lvl2pPr>
+            <a:lvl3pPr marL="1143000" indent="-228600" algn="l" defTabSz="914400" rtl="0" eaLnBrk="1" latinLnBrk="0" hangingPunct="1">
+              <a:lnSpc>
+                <a:spcPct val="90000"/>
+              </a:lnSpc>
+              <a:spcBef>
+                <a:spcPts val="500"/>
+              </a:spcBef>
+              <a:buFont typeface="Arial" panose="020B0604020202020204" pitchFamily="34" charset="0"/>
+              <a:buChar char="•"/>
+              <a:defRPr sz="2000" kern="1200">
+                <a:solidFill>
+                  <a:schemeClr val="tx1"/>
+                </a:solidFill>
+                <a:latin typeface="+mn-lt"/>
+                <a:ea typeface="+mn-ea"/>
+                <a:cs typeface="+mn-cs"/>
+              </a:defRPr>
+            </a:lvl3pPr>
+            <a:lvl4pPr marL="1600200" indent="-228600" algn="l" defTabSz="914400" rtl="0" eaLnBrk="1" latinLnBrk="0" hangingPunct="1">
+              <a:lnSpc>
+                <a:spcPct val="90000"/>
+              </a:lnSpc>
+              <a:spcBef>
+                <a:spcPts val="500"/>
+              </a:spcBef>
+              <a:buFont typeface="Arial" panose="020B0604020202020204" pitchFamily="34" charset="0"/>
+              <a:buChar char="•"/>
+              <a:defRPr sz="1800" kern="1200">
+                <a:solidFill>
+                  <a:schemeClr val="tx1"/>
+                </a:solidFill>
+                <a:latin typeface="+mn-lt"/>
+                <a:ea typeface="+mn-ea"/>
+                <a:cs typeface="+mn-cs"/>
+              </a:defRPr>
+            </a:lvl4pPr>
+            <a:lvl5pPr marL="2057400" indent="-228600" algn="l" defTabSz="914400" rtl="0" eaLnBrk="1" latinLnBrk="0" hangingPunct="1">
+              <a:lnSpc>
+                <a:spcPct val="90000"/>
+              </a:lnSpc>
+              <a:spcBef>
+                <a:spcPts val="500"/>
+              </a:spcBef>
+              <a:buFont typeface="Arial" panose="020B0604020202020204" pitchFamily="34" charset="0"/>
+              <a:buChar char="•"/>
+              <a:defRPr sz="1800" kern="1200">
+                <a:solidFill>
+                  <a:schemeClr val="tx1"/>
+                </a:solidFill>
+                <a:latin typeface="+mn-lt"/>
+                <a:ea typeface="+mn-ea"/>
+                <a:cs typeface="+mn-cs"/>
+              </a:defRPr>
+            </a:lvl5pPr>
+            <a:lvl6pPr marL="2514600" indent="-228600" algn="l" defTabSz="914400" rtl="0" eaLnBrk="1" latinLnBrk="0" hangingPunct="1">
+              <a:lnSpc>
+                <a:spcPct val="90000"/>
+              </a:lnSpc>
+              <a:spcBef>
+                <a:spcPts val="500"/>
+              </a:spcBef>
+              <a:buFont typeface="Arial" panose="020B0604020202020204" pitchFamily="34" charset="0"/>
+              <a:buChar char="•"/>
+              <a:defRPr sz="1800" kern="1200">
+                <a:solidFill>
+                  <a:schemeClr val="tx1"/>
+                </a:solidFill>
+                <a:latin typeface="+mn-lt"/>
+                <a:ea typeface="+mn-ea"/>
+                <a:cs typeface="+mn-cs"/>
+              </a:defRPr>
+            </a:lvl6pPr>
+            <a:lvl7pPr marL="2971800" indent="-228600" algn="l" defTabSz="914400" rtl="0" eaLnBrk="1" latinLnBrk="0" hangingPunct="1">
+              <a:lnSpc>
+                <a:spcPct val="90000"/>
+              </a:lnSpc>
+              <a:spcBef>
+                <a:spcPts val="500"/>
+              </a:spcBef>
+              <a:buFont typeface="Arial" panose="020B0604020202020204" pitchFamily="34" charset="0"/>
+              <a:buChar char="•"/>
+              <a:defRPr sz="1800" kern="1200">
+                <a:solidFill>
+                  <a:schemeClr val="tx1"/>
+                </a:solidFill>
+                <a:latin typeface="+mn-lt"/>
+                <a:ea typeface="+mn-ea"/>
+                <a:cs typeface="+mn-cs"/>
+              </a:defRPr>
+            </a:lvl7pPr>
+            <a:lvl8pPr marL="3429000" indent="-228600" algn="l" defTabSz="914400" rtl="0" eaLnBrk="1" latinLnBrk="0" hangingPunct="1">
+              <a:lnSpc>
+                <a:spcPct val="90000"/>
+              </a:lnSpc>
+              <a:spcBef>
+                <a:spcPts val="500"/>
+              </a:spcBef>
+              <a:buFont typeface="Arial" panose="020B0604020202020204" pitchFamily="34" charset="0"/>
+              <a:buChar char="•"/>
+              <a:defRPr sz="1800" kern="1200">
+                <a:solidFill>
+                  <a:schemeClr val="tx1"/>
+                </a:solidFill>
+                <a:latin typeface="+mn-lt"/>
+                <a:ea typeface="+mn-ea"/>
+                <a:cs typeface="+mn-cs"/>
+              </a:defRPr>
+            </a:lvl8pPr>
+            <a:lvl9pPr marL="3886200" indent="-228600" algn="l" defTabSz="914400" rtl="0" eaLnBrk="1" latinLnBrk="0" hangingPunct="1">
+              <a:lnSpc>
+                <a:spcPct val="90000"/>
+              </a:lnSpc>
+              <a:spcBef>
+                <a:spcPts val="500"/>
+              </a:spcBef>
+              <a:buFont typeface="Arial" panose="020B0604020202020204" pitchFamily="34" charset="0"/>
+              <a:buChar char="•"/>
+              <a:defRPr sz="1800" kern="1200">
+                <a:solidFill>
+                  <a:schemeClr val="tx1"/>
+                </a:solidFill>
+                <a:latin typeface="+mn-lt"/>
+                <a:ea typeface="+mn-ea"/>
+                <a:cs typeface="+mn-cs"/>
+              </a:defRPr>
+            </a:lvl9pPr>
+          </a:lstStyle>
+          <a:p>
+            <a:pPr marL="0" indent="0">
+              <a:buNone/>
+            </a:pPr>
+            <a:r>
+              <a:rPr lang="tr-TR" b="1" u="sng" dirty="0" err="1" smtClean="0"/>
+              <a:t>Infrasturcture</a:t>
+            </a:r>
+            <a:endParaRPr lang="fr-FR" dirty="0" smtClean="0"/>
+          </a:p>
+          <a:p>
+            <a:r>
+              <a:rPr lang="en-US" dirty="0" smtClean="0"/>
+              <a:t>1,207 </a:t>
+            </a:r>
+            <a:r>
+              <a:rPr lang="en-US" dirty="0"/>
+              <a:t>stations (21.3</a:t>
+            </a:r>
+            <a:r>
+              <a:rPr lang="en-US" dirty="0" smtClean="0"/>
+              <a:t>%)</a:t>
+            </a:r>
+            <a:endParaRPr lang="tr-TR" dirty="0" smtClean="0"/>
+          </a:p>
+          <a:p>
+            <a:r>
+              <a:rPr lang="en-US" dirty="0"/>
+              <a:t>5,176 (26.6%) public charging points</a:t>
+            </a:r>
+            <a:r>
+              <a:rPr lang="en-US" dirty="0" smtClean="0"/>
+              <a:t>.</a:t>
+            </a:r>
+            <a:endParaRPr lang="tr-TR" dirty="0" smtClean="0"/>
+          </a:p>
+          <a:p>
+            <a:r>
+              <a:rPr lang="tr-TR" dirty="0" smtClean="0"/>
+              <a:t>71% </a:t>
+            </a:r>
+            <a:r>
+              <a:rPr lang="tr-TR" dirty="0" err="1" smtClean="0"/>
+              <a:t>dissatisfaction</a:t>
+            </a:r>
+            <a:r>
+              <a:rPr lang="tr-TR" dirty="0" smtClean="0"/>
+              <a:t> </a:t>
+            </a:r>
+            <a:r>
+              <a:rPr lang="tr-TR" dirty="0" err="1" smtClean="0"/>
+              <a:t>with</a:t>
+            </a:r>
+            <a:r>
+              <a:rPr lang="tr-TR" dirty="0" smtClean="0"/>
+              <a:t> </a:t>
+            </a:r>
+            <a:r>
+              <a:rPr lang="tr-TR" dirty="0" err="1" smtClean="0"/>
+              <a:t>public</a:t>
+            </a:r>
+            <a:r>
+              <a:rPr lang="tr-TR" dirty="0" smtClean="0"/>
+              <a:t> </a:t>
+            </a:r>
+            <a:r>
+              <a:rPr lang="tr-TR" dirty="0" err="1" smtClean="0"/>
+              <a:t>charging</a:t>
+            </a:r>
+            <a:r>
+              <a:rPr lang="tr-TR" dirty="0" smtClean="0"/>
+              <a:t> </a:t>
+            </a:r>
+            <a:r>
+              <a:rPr lang="tr-TR" dirty="0" err="1" smtClean="0"/>
+              <a:t>infrastructure</a:t>
+            </a:r>
+            <a:endParaRPr lang="tr-TR" dirty="0" smtClean="0"/>
+          </a:p>
+          <a:p>
+            <a:r>
+              <a:rPr lang="tr-TR" dirty="0"/>
+              <a:t>64% </a:t>
+            </a:r>
+            <a:r>
+              <a:rPr lang="tr-TR" dirty="0" err="1"/>
+              <a:t>level</a:t>
+            </a:r>
+            <a:r>
+              <a:rPr lang="tr-TR" dirty="0"/>
+              <a:t> 2 </a:t>
+            </a:r>
+            <a:r>
+              <a:rPr lang="tr-TR" dirty="0" err="1"/>
+              <a:t>home</a:t>
+            </a:r>
+            <a:r>
+              <a:rPr lang="tr-TR" dirty="0"/>
+              <a:t> </a:t>
+            </a:r>
+            <a:r>
+              <a:rPr lang="tr-TR" dirty="0" err="1"/>
+              <a:t>chargers</a:t>
+            </a:r>
+            <a:r>
+              <a:rPr lang="tr-TR" dirty="0"/>
+              <a:t> </a:t>
+            </a:r>
+            <a:r>
+              <a:rPr lang="tr-TR" dirty="0" err="1"/>
+              <a:t>received</a:t>
+            </a:r>
+            <a:r>
+              <a:rPr lang="tr-TR" dirty="0"/>
+              <a:t> </a:t>
+            </a:r>
+            <a:r>
+              <a:rPr lang="tr-TR" dirty="0" err="1"/>
+              <a:t>free</a:t>
+            </a:r>
+            <a:endParaRPr lang="tr-TR" dirty="0"/>
+          </a:p>
+          <a:p>
+            <a:pPr marL="0" indent="0">
+              <a:buNone/>
+            </a:pPr>
+            <a:r>
+              <a:rPr lang="tr-TR" b="1" u="sng" dirty="0" err="1" smtClean="0"/>
+              <a:t>Incentives</a:t>
+            </a:r>
+            <a:endParaRPr lang="tr-TR" b="1" u="sng" dirty="0" smtClean="0"/>
+          </a:p>
+          <a:p>
+            <a:r>
+              <a:rPr lang="tr-TR" dirty="0"/>
+              <a:t>46 (11% in U.S) </a:t>
+            </a:r>
+            <a:r>
+              <a:rPr lang="tr-TR" dirty="0" err="1"/>
+              <a:t>Evs</a:t>
+            </a:r>
+            <a:r>
+              <a:rPr lang="tr-TR" dirty="0"/>
+              <a:t> </a:t>
+            </a:r>
+            <a:r>
+              <a:rPr lang="tr-TR" dirty="0" err="1" smtClean="0"/>
+              <a:t>incentives</a:t>
+            </a:r>
+            <a:endParaRPr lang="tr-TR" dirty="0" smtClean="0"/>
+          </a:p>
+          <a:p>
+            <a:r>
+              <a:rPr lang="en-US" dirty="0"/>
+              <a:t>HOV lane access was </a:t>
+            </a:r>
+            <a:r>
+              <a:rPr lang="en-US" dirty="0" smtClean="0"/>
+              <a:t>a </a:t>
+            </a:r>
+            <a:r>
+              <a:rPr lang="en-US" dirty="0"/>
+              <a:t>very important purchase motivation for 59% </a:t>
+            </a:r>
+            <a:endParaRPr lang="fr-FR" dirty="0"/>
+          </a:p>
+          <a:p>
+            <a:pPr marL="0" indent="0">
+              <a:buNone/>
+            </a:pPr>
+            <a:endParaRPr lang="fr-FR" b="1" u="sng" dirty="0"/>
+          </a:p>
+        </p:txBody>
+      </p:sp>
+      <p:sp>
+        <p:nvSpPr>
+          <p:cNvPr id="6" name="ZoneTexte 6"/>
+          <p:cNvSpPr txBox="1"/>
+          <p:nvPr/>
+        </p:nvSpPr>
+        <p:spPr>
+          <a:xfrm>
+            <a:off x="6971318" y="3129566"/>
+            <a:ext cx="4833601" cy="3539430"/>
+          </a:xfrm>
+          <a:prstGeom prst="rect">
+            <a:avLst/>
+          </a:prstGeom>
+          <a:noFill/>
+        </p:spPr>
+        <p:txBody>
+          <a:bodyPr wrap="square" rtlCol="0">
+            <a:spAutoFit/>
+          </a:bodyPr>
+          <a:lstStyle/>
+          <a:p>
+            <a:r>
+              <a:rPr lang="fr-FR" sz="2800" b="1" u="sng" dirty="0" err="1" smtClean="0"/>
+              <a:t>Results</a:t>
+            </a:r>
+            <a:r>
+              <a:rPr lang="fr-FR" sz="2800" b="1" u="sng" dirty="0" smtClean="0"/>
+              <a:t>:</a:t>
+            </a:r>
+          </a:p>
+          <a:p>
+            <a:pPr marL="457200" indent="-457200">
+              <a:buFont typeface="Arial" panose="020B0604020202020204" pitchFamily="34" charset="0"/>
+              <a:buChar char="•"/>
+            </a:pPr>
+            <a:r>
+              <a:rPr lang="tr-TR" sz="2800" dirty="0" smtClean="0"/>
+              <a:t>92% </a:t>
+            </a:r>
+            <a:r>
+              <a:rPr lang="tr-TR" sz="2800" dirty="0" err="1" smtClean="0"/>
+              <a:t>overall</a:t>
+            </a:r>
+            <a:r>
+              <a:rPr lang="tr-TR" sz="2800" dirty="0" smtClean="0"/>
+              <a:t> </a:t>
+            </a:r>
+            <a:r>
+              <a:rPr lang="tr-TR" sz="2800" dirty="0" err="1" smtClean="0"/>
+              <a:t>satisfaction</a:t>
+            </a:r>
+            <a:endParaRPr lang="tr-TR" sz="2800" dirty="0" smtClean="0"/>
+          </a:p>
+          <a:p>
+            <a:pPr marL="457200" indent="-457200">
+              <a:buFont typeface="Arial" panose="020B0604020202020204" pitchFamily="34" charset="0"/>
+              <a:buChar char="•"/>
+            </a:pPr>
+            <a:r>
+              <a:rPr lang="tr-TR" sz="2800" dirty="0" smtClean="0"/>
+              <a:t>87% </a:t>
+            </a:r>
+            <a:r>
+              <a:rPr lang="tr-TR" sz="2800" dirty="0" err="1" smtClean="0"/>
+              <a:t>users</a:t>
+            </a:r>
+            <a:r>
+              <a:rPr lang="tr-TR" sz="2800" dirty="0" smtClean="0"/>
+              <a:t> </a:t>
+            </a:r>
+            <a:r>
+              <a:rPr lang="tr-TR" sz="2800" dirty="0" err="1" smtClean="0"/>
+              <a:t>graduate</a:t>
+            </a:r>
+            <a:r>
+              <a:rPr lang="tr-TR" sz="2800" dirty="0" smtClean="0"/>
+              <a:t> </a:t>
+            </a:r>
+            <a:r>
+              <a:rPr lang="tr-TR" sz="2800" dirty="0" err="1" smtClean="0"/>
+              <a:t>or</a:t>
+            </a:r>
+            <a:r>
+              <a:rPr lang="tr-TR" sz="2800" dirty="0" smtClean="0"/>
+              <a:t> </a:t>
+            </a:r>
+            <a:r>
+              <a:rPr lang="tr-TR" sz="2800" dirty="0" err="1" smtClean="0"/>
+              <a:t>postgraduate</a:t>
+            </a:r>
+            <a:endParaRPr lang="fr-FR" sz="2800" dirty="0" smtClean="0"/>
+          </a:p>
+          <a:p>
+            <a:pPr marL="457200" indent="-457200">
+              <a:buFont typeface="Arial" panose="020B0604020202020204" pitchFamily="34" charset="0"/>
+              <a:buChar char="•"/>
+            </a:pPr>
+            <a:r>
+              <a:rPr lang="tr-TR" sz="2800" dirty="0" err="1" smtClean="0"/>
+              <a:t>Cost</a:t>
+            </a:r>
+            <a:r>
+              <a:rPr lang="tr-TR" sz="2800" dirty="0" smtClean="0"/>
+              <a:t> is </a:t>
+            </a:r>
+            <a:r>
+              <a:rPr lang="tr-TR" sz="2800" dirty="0" err="1" smtClean="0"/>
+              <a:t>first</a:t>
+            </a:r>
+            <a:r>
+              <a:rPr lang="tr-TR" sz="2800" dirty="0" smtClean="0"/>
+              <a:t> on </a:t>
+            </a:r>
+            <a:r>
+              <a:rPr lang="tr-TR" sz="2800" dirty="0" err="1" smtClean="0"/>
+              <a:t>deciding</a:t>
+            </a:r>
+            <a:r>
+              <a:rPr lang="tr-TR" sz="2800" dirty="0" smtClean="0"/>
+              <a:t> </a:t>
+            </a:r>
+            <a:r>
+              <a:rPr lang="tr-TR" sz="2800" dirty="0" err="1" smtClean="0"/>
+              <a:t>charging</a:t>
+            </a:r>
+            <a:endParaRPr lang="fr-FR" sz="2800" dirty="0"/>
+          </a:p>
+          <a:p>
+            <a:pPr marL="457200" indent="-457200">
+              <a:buFont typeface="Arial" panose="020B0604020202020204" pitchFamily="34" charset="0"/>
+              <a:buChar char="•"/>
+            </a:pPr>
+            <a:r>
+              <a:rPr lang="tr-TR" sz="2800" dirty="0" smtClean="0"/>
+              <a:t>Environment </a:t>
+            </a:r>
+            <a:r>
+              <a:rPr lang="tr-TR" sz="2800" dirty="0" err="1" smtClean="0"/>
+              <a:t>and</a:t>
+            </a:r>
+            <a:r>
+              <a:rPr lang="tr-TR" sz="2800" dirty="0" smtClean="0"/>
+              <a:t> </a:t>
+            </a:r>
+            <a:r>
+              <a:rPr lang="tr-TR" sz="2800" dirty="0" err="1" smtClean="0"/>
+              <a:t>energy</a:t>
+            </a:r>
+            <a:r>
+              <a:rPr lang="tr-TR" sz="2800" dirty="0" smtClean="0"/>
+              <a:t> </a:t>
+            </a:r>
+            <a:r>
+              <a:rPr lang="tr-TR" sz="2800" dirty="0" err="1" smtClean="0"/>
+              <a:t>independance</a:t>
+            </a:r>
+            <a:r>
+              <a:rPr lang="tr-TR" sz="2800" dirty="0" smtClean="0"/>
+              <a:t> </a:t>
+            </a:r>
+            <a:r>
+              <a:rPr lang="tr-TR" sz="2800" dirty="0" err="1" smtClean="0"/>
+              <a:t>first</a:t>
+            </a:r>
+            <a:r>
+              <a:rPr lang="tr-TR" sz="2800" dirty="0" smtClean="0"/>
+              <a:t> </a:t>
+            </a:r>
+            <a:r>
+              <a:rPr lang="tr-TR" sz="2800" dirty="0" err="1" smtClean="0"/>
+              <a:t>reasons</a:t>
+            </a:r>
+            <a:endParaRPr lang="fr-FR" sz="2800" b="1" u="sng" dirty="0" smtClean="0"/>
+          </a:p>
+        </p:txBody>
+      </p:sp>
+      <p:pic>
+        <p:nvPicPr>
+          <p:cNvPr id="10" name="Picture 9"/>
+          <p:cNvPicPr>
+            <a:picLocks noChangeAspect="1"/>
+          </p:cNvPicPr>
+          <p:nvPr/>
+        </p:nvPicPr>
+        <p:blipFill>
+          <a:blip r:embed="rId2">
+            <a:extLst>
+              <a:ext uri="{28A0092B-C50C-407E-A947-70E740481C1C}">
+                <a14:useLocalDpi xmlns:a14="http://schemas.microsoft.com/office/drawing/2010/main" val="0"/>
+              </a:ext>
+            </a:extLst>
+          </a:blip>
+          <a:stretch>
+            <a:fillRect/>
+          </a:stretch>
+        </p:blipFill>
+        <p:spPr>
+          <a:xfrm>
+            <a:off x="6584238" y="11959"/>
+            <a:ext cx="5607762" cy="3143365"/>
+          </a:xfrm>
+          <a:prstGeom prst="rect">
+            <a:avLst/>
+          </a:prstGeom>
+        </p:spPr>
+      </p:pic>
+      <p:pic>
+        <p:nvPicPr>
+          <p:cNvPr id="7" name="Picture 6"/>
+          <p:cNvPicPr>
+            <a:picLocks noChangeAspect="1"/>
+          </p:cNvPicPr>
+          <p:nvPr/>
+        </p:nvPicPr>
+        <p:blipFill>
+          <a:blip r:embed="rId3" cstate="print">
+            <a:extLst>
+              <a:ext uri="{28A0092B-C50C-407E-A947-70E740481C1C}">
+                <a14:useLocalDpi xmlns:a14="http://schemas.microsoft.com/office/drawing/2010/main" val="0"/>
+              </a:ext>
+            </a:extLst>
+          </a:blip>
+          <a:stretch>
+            <a:fillRect/>
+          </a:stretch>
+        </p:blipFill>
+        <p:spPr>
+          <a:xfrm>
+            <a:off x="38476" y="6246253"/>
+            <a:ext cx="1599444" cy="588155"/>
+          </a:xfrm>
+          <a:prstGeom prst="rect">
+            <a:avLst/>
+          </a:prstGeom>
+        </p:spPr>
+      </p:pic>
+    </p:spTree>
+    <p:extLst>
+      <p:ext uri="{BB962C8B-B14F-4D97-AF65-F5344CB8AC3E}">
+        <p14:creationId xmlns:p14="http://schemas.microsoft.com/office/powerpoint/2010/main" val="2860175012"/>
+      </p:ext>
+    </p:extLst>
+  </p:cSld>
+  <p:clrMapOvr>
+    <a:masterClrMapping/>
+  </p:clrMapOvr>
+</p:sld>
+</file>
+
+<file path=ppt/slides/slide4.xml><?xml version="1.0" encoding="utf-8"?>
+<p:sld xmlns:a="http://schemas.openxmlformats.org/drawingml/2006/main" xmlns:r="http://schemas.openxmlformats.org/officeDocument/2006/relationships" xmlns:p="http://schemas.openxmlformats.org/presentationml/2006/main">
+  <p:cSld>
+    <p:spTree>
+      <p:nvGrpSpPr>
+        <p:cNvPr id="1" name=""/>
+        <p:cNvGrpSpPr/>
+        <p:nvPr/>
+      </p:nvGrpSpPr>
+      <p:grpSpPr>
+        <a:xfrm>
+          <a:off x="0" y="0"/>
+          <a:ext cx="0" cy="0"/>
+          <a:chOff x="0" y="0"/>
+          <a:chExt cx="0" cy="0"/>
+        </a:xfrm>
+      </p:grpSpPr>
+      <p:sp>
+        <p:nvSpPr>
+          <p:cNvPr id="2" name="Title 1"/>
+          <p:cNvSpPr>
+            <a:spLocks noGrp="1"/>
+          </p:cNvSpPr>
+          <p:nvPr>
+            <p:ph type="title"/>
+          </p:nvPr>
+        </p:nvSpPr>
+        <p:spPr/>
+        <p:txBody>
+          <a:bodyPr/>
+          <a:lstStyle/>
+          <a:p>
+            <a:r>
+              <a:rPr lang="tr-TR" b="1" dirty="0" err="1" smtClean="0"/>
+              <a:t>Estonia</a:t>
+            </a:r>
+            <a:endParaRPr lang="tr-TR" b="1" dirty="0"/>
+          </a:p>
+        </p:txBody>
+      </p:sp>
+      <p:sp>
+        <p:nvSpPr>
+          <p:cNvPr id="4" name="Espace réservé du contenu 2"/>
+          <p:cNvSpPr txBox="1">
+            <a:spLocks/>
+          </p:cNvSpPr>
+          <p:nvPr/>
+        </p:nvSpPr>
+        <p:spPr>
+          <a:xfrm>
+            <a:off x="837127" y="1598720"/>
+            <a:ext cx="5949167" cy="4802079"/>
+          </a:xfrm>
+          <a:prstGeom prst="rect">
+            <a:avLst/>
+          </a:prstGeom>
+        </p:spPr>
+        <p:txBody>
+          <a:bodyPr vert="horz" lIns="91440" tIns="45720" rIns="91440" bIns="45720" rtlCol="0">
+            <a:normAutofit fontScale="92500" lnSpcReduction="10000"/>
+          </a:bodyPr>
+          <a:lstStyle>
+            <a:lvl1pPr marL="228600" indent="-228600" algn="l" defTabSz="914400" rtl="0" eaLnBrk="1" latinLnBrk="0" hangingPunct="1">
+              <a:lnSpc>
+                <a:spcPct val="90000"/>
+              </a:lnSpc>
+              <a:spcBef>
+                <a:spcPts val="1000"/>
+              </a:spcBef>
+              <a:buFont typeface="Arial" panose="020B0604020202020204" pitchFamily="34" charset="0"/>
+              <a:buChar char="•"/>
+              <a:defRPr sz="2800" kern="1200">
+                <a:solidFill>
+                  <a:schemeClr val="tx1"/>
+                </a:solidFill>
+                <a:latin typeface="+mn-lt"/>
+                <a:ea typeface="+mn-ea"/>
+                <a:cs typeface="+mn-cs"/>
+              </a:defRPr>
+            </a:lvl1pPr>
+            <a:lvl2pPr marL="685800" indent="-228600" algn="l" defTabSz="914400" rtl="0" eaLnBrk="1" latinLnBrk="0" hangingPunct="1">
+              <a:lnSpc>
+                <a:spcPct val="90000"/>
+              </a:lnSpc>
+              <a:spcBef>
+                <a:spcPts val="500"/>
+              </a:spcBef>
+              <a:buFont typeface="Arial" panose="020B0604020202020204" pitchFamily="34" charset="0"/>
+              <a:buChar char="•"/>
+              <a:defRPr sz="2400" kern="1200">
+                <a:solidFill>
+                  <a:schemeClr val="tx1"/>
+                </a:solidFill>
+                <a:latin typeface="+mn-lt"/>
+                <a:ea typeface="+mn-ea"/>
+                <a:cs typeface="+mn-cs"/>
+              </a:defRPr>
+            </a:lvl2pPr>
+            <a:lvl3pPr marL="1143000" indent="-228600" algn="l" defTabSz="914400" rtl="0" eaLnBrk="1" latinLnBrk="0" hangingPunct="1">
+              <a:lnSpc>
+                <a:spcPct val="90000"/>
+              </a:lnSpc>
+              <a:spcBef>
+                <a:spcPts val="500"/>
+              </a:spcBef>
+              <a:buFont typeface="Arial" panose="020B0604020202020204" pitchFamily="34" charset="0"/>
+              <a:buChar char="•"/>
+              <a:defRPr sz="2000" kern="1200">
+                <a:solidFill>
+                  <a:schemeClr val="tx1"/>
+                </a:solidFill>
+                <a:latin typeface="+mn-lt"/>
+                <a:ea typeface="+mn-ea"/>
+                <a:cs typeface="+mn-cs"/>
+              </a:defRPr>
+            </a:lvl3pPr>
+            <a:lvl4pPr marL="1600200" indent="-228600" algn="l" defTabSz="914400" rtl="0" eaLnBrk="1" latinLnBrk="0" hangingPunct="1">
+              <a:lnSpc>
+                <a:spcPct val="90000"/>
+              </a:lnSpc>
+              <a:spcBef>
+                <a:spcPts val="500"/>
+              </a:spcBef>
+              <a:buFont typeface="Arial" panose="020B0604020202020204" pitchFamily="34" charset="0"/>
+              <a:buChar char="•"/>
+              <a:defRPr sz="1800" kern="1200">
+                <a:solidFill>
+                  <a:schemeClr val="tx1"/>
+                </a:solidFill>
+                <a:latin typeface="+mn-lt"/>
+                <a:ea typeface="+mn-ea"/>
+                <a:cs typeface="+mn-cs"/>
+              </a:defRPr>
+            </a:lvl4pPr>
+            <a:lvl5pPr marL="2057400" indent="-228600" algn="l" defTabSz="914400" rtl="0" eaLnBrk="1" latinLnBrk="0" hangingPunct="1">
+              <a:lnSpc>
+                <a:spcPct val="90000"/>
+              </a:lnSpc>
+              <a:spcBef>
+                <a:spcPts val="500"/>
+              </a:spcBef>
+              <a:buFont typeface="Arial" panose="020B0604020202020204" pitchFamily="34" charset="0"/>
+              <a:buChar char="•"/>
+              <a:defRPr sz="1800" kern="1200">
+                <a:solidFill>
+                  <a:schemeClr val="tx1"/>
+                </a:solidFill>
+                <a:latin typeface="+mn-lt"/>
+                <a:ea typeface="+mn-ea"/>
+                <a:cs typeface="+mn-cs"/>
+              </a:defRPr>
+            </a:lvl5pPr>
+            <a:lvl6pPr marL="2514600" indent="-228600" algn="l" defTabSz="914400" rtl="0" eaLnBrk="1" latinLnBrk="0" hangingPunct="1">
+              <a:lnSpc>
+                <a:spcPct val="90000"/>
+              </a:lnSpc>
+              <a:spcBef>
+                <a:spcPts val="500"/>
+              </a:spcBef>
+              <a:buFont typeface="Arial" panose="020B0604020202020204" pitchFamily="34" charset="0"/>
+              <a:buChar char="•"/>
+              <a:defRPr sz="1800" kern="1200">
+                <a:solidFill>
+                  <a:schemeClr val="tx1"/>
+                </a:solidFill>
+                <a:latin typeface="+mn-lt"/>
+                <a:ea typeface="+mn-ea"/>
+                <a:cs typeface="+mn-cs"/>
+              </a:defRPr>
+            </a:lvl6pPr>
+            <a:lvl7pPr marL="2971800" indent="-228600" algn="l" defTabSz="914400" rtl="0" eaLnBrk="1" latinLnBrk="0" hangingPunct="1">
+              <a:lnSpc>
+                <a:spcPct val="90000"/>
+              </a:lnSpc>
+              <a:spcBef>
+                <a:spcPts val="500"/>
+              </a:spcBef>
+              <a:buFont typeface="Arial" panose="020B0604020202020204" pitchFamily="34" charset="0"/>
+              <a:buChar char="•"/>
+              <a:defRPr sz="1800" kern="1200">
+                <a:solidFill>
+                  <a:schemeClr val="tx1"/>
+                </a:solidFill>
+                <a:latin typeface="+mn-lt"/>
+                <a:ea typeface="+mn-ea"/>
+                <a:cs typeface="+mn-cs"/>
+              </a:defRPr>
+            </a:lvl7pPr>
+            <a:lvl8pPr marL="3429000" indent="-228600" algn="l" defTabSz="914400" rtl="0" eaLnBrk="1" latinLnBrk="0" hangingPunct="1">
+              <a:lnSpc>
+                <a:spcPct val="90000"/>
+              </a:lnSpc>
+              <a:spcBef>
+                <a:spcPts val="500"/>
+              </a:spcBef>
+              <a:buFont typeface="Arial" panose="020B0604020202020204" pitchFamily="34" charset="0"/>
+              <a:buChar char="•"/>
+              <a:defRPr sz="1800" kern="1200">
+                <a:solidFill>
+                  <a:schemeClr val="tx1"/>
+                </a:solidFill>
+                <a:latin typeface="+mn-lt"/>
+                <a:ea typeface="+mn-ea"/>
+                <a:cs typeface="+mn-cs"/>
+              </a:defRPr>
+            </a:lvl8pPr>
+            <a:lvl9pPr marL="3886200" indent="-228600" algn="l" defTabSz="914400" rtl="0" eaLnBrk="1" latinLnBrk="0" hangingPunct="1">
+              <a:lnSpc>
+                <a:spcPct val="90000"/>
+              </a:lnSpc>
+              <a:spcBef>
+                <a:spcPts val="500"/>
+              </a:spcBef>
+              <a:buFont typeface="Arial" panose="020B0604020202020204" pitchFamily="34" charset="0"/>
+              <a:buChar char="•"/>
+              <a:defRPr sz="1800" kern="1200">
+                <a:solidFill>
+                  <a:schemeClr val="tx1"/>
+                </a:solidFill>
+                <a:latin typeface="+mn-lt"/>
+                <a:ea typeface="+mn-ea"/>
+                <a:cs typeface="+mn-cs"/>
+              </a:defRPr>
+            </a:lvl9pPr>
+          </a:lstStyle>
+          <a:p>
+            <a:pPr marL="0" indent="0">
+              <a:buNone/>
+            </a:pPr>
+            <a:r>
+              <a:rPr lang="tr-TR" b="1" u="sng" dirty="0" err="1"/>
+              <a:t>Infrasturcture</a:t>
+            </a:r>
+            <a:endParaRPr lang="fr-FR" dirty="0"/>
+          </a:p>
+          <a:p>
+            <a:r>
+              <a:rPr lang="tr-TR" dirty="0" smtClean="0"/>
+              <a:t>W</a:t>
+            </a:r>
+            <a:r>
+              <a:rPr lang="en-US" dirty="0" err="1" smtClean="0"/>
+              <a:t>orld’s</a:t>
+            </a:r>
+            <a:r>
+              <a:rPr lang="en-US" dirty="0" smtClean="0"/>
+              <a:t> </a:t>
+            </a:r>
+            <a:r>
+              <a:rPr lang="en-US" dirty="0"/>
+              <a:t>first country to launch a nationwide fast-charging network </a:t>
+            </a:r>
+            <a:endParaRPr lang="tr-TR" dirty="0" smtClean="0"/>
+          </a:p>
+          <a:p>
+            <a:r>
+              <a:rPr lang="tr-TR" dirty="0" smtClean="0"/>
+              <a:t>B</a:t>
+            </a:r>
+            <a:r>
+              <a:rPr lang="en-GB" dirty="0" err="1" smtClean="0"/>
+              <a:t>eginning</a:t>
+            </a:r>
+            <a:r>
+              <a:rPr lang="en-GB" dirty="0" smtClean="0"/>
+              <a:t> </a:t>
+            </a:r>
+            <a:r>
+              <a:rPr lang="en-GB" dirty="0"/>
+              <a:t>of 2013, 163 fast chargers have been installed </a:t>
+            </a:r>
+            <a:endParaRPr lang="tr-TR" dirty="0" smtClean="0"/>
+          </a:p>
+          <a:p>
+            <a:r>
+              <a:rPr lang="tr-TR" dirty="0"/>
+              <a:t>D</a:t>
+            </a:r>
+            <a:r>
+              <a:rPr lang="et-EE" dirty="0" smtClean="0"/>
+              <a:t>istance </a:t>
+            </a:r>
+            <a:r>
+              <a:rPr lang="et-EE" dirty="0"/>
+              <a:t>between quick charging points is 40-60 km </a:t>
+            </a:r>
+            <a:endParaRPr lang="tr-TR" dirty="0" smtClean="0"/>
+          </a:p>
+          <a:p>
+            <a:pPr marL="0" indent="0">
+              <a:buNone/>
+            </a:pPr>
+            <a:r>
+              <a:rPr lang="tr-TR" b="1" u="sng" dirty="0" err="1" smtClean="0"/>
+              <a:t>Incentives</a:t>
+            </a:r>
+            <a:endParaRPr lang="fr-FR" b="1" u="sng" dirty="0"/>
+          </a:p>
+          <a:p>
+            <a:r>
+              <a:rPr lang="tr-TR" dirty="0" smtClean="0"/>
+              <a:t>U</a:t>
+            </a:r>
+            <a:r>
+              <a:rPr lang="en-US" dirty="0" smtClean="0"/>
+              <a:t>p </a:t>
+            </a:r>
+            <a:r>
+              <a:rPr lang="en-US" dirty="0"/>
+              <a:t>to 18,000 Euros of the all-electric car’s </a:t>
+            </a:r>
+            <a:endParaRPr lang="tr-TR" dirty="0" smtClean="0"/>
+          </a:p>
+          <a:p>
+            <a:r>
+              <a:rPr lang="en-US" dirty="0" smtClean="0"/>
+              <a:t>1,000 </a:t>
+            </a:r>
+            <a:r>
+              <a:rPr lang="en-US" dirty="0"/>
+              <a:t>Euros support </a:t>
+            </a:r>
+            <a:r>
+              <a:rPr lang="en-US" dirty="0" smtClean="0"/>
+              <a:t>for charging </a:t>
+            </a:r>
+            <a:r>
+              <a:rPr lang="en-US" dirty="0"/>
+              <a:t>system </a:t>
+            </a:r>
+            <a:r>
+              <a:rPr lang="en-US" dirty="0" smtClean="0"/>
+              <a:t>at </a:t>
+            </a:r>
+            <a:r>
+              <a:rPr lang="en-US" dirty="0"/>
+              <a:t>home.</a:t>
+            </a:r>
+            <a:endParaRPr lang="tr-TR" dirty="0"/>
+          </a:p>
+          <a:p>
+            <a:endParaRPr lang="fr-FR" dirty="0"/>
+          </a:p>
+        </p:txBody>
+      </p:sp>
+      <p:sp>
+        <p:nvSpPr>
+          <p:cNvPr id="5" name="ZoneTexte 6"/>
+          <p:cNvSpPr txBox="1"/>
+          <p:nvPr/>
+        </p:nvSpPr>
+        <p:spPr>
+          <a:xfrm>
+            <a:off x="6786294" y="3323649"/>
+            <a:ext cx="5169486" cy="3108543"/>
+          </a:xfrm>
+          <a:prstGeom prst="rect">
+            <a:avLst/>
+          </a:prstGeom>
+          <a:noFill/>
+        </p:spPr>
+        <p:txBody>
+          <a:bodyPr wrap="square" rtlCol="0">
+            <a:spAutoFit/>
+          </a:bodyPr>
+          <a:lstStyle/>
+          <a:p>
+            <a:r>
+              <a:rPr lang="fr-FR" sz="2800" b="1" u="sng" dirty="0" err="1" smtClean="0"/>
+              <a:t>Results</a:t>
+            </a:r>
+            <a:r>
+              <a:rPr lang="fr-FR" sz="2800" b="1" u="sng" dirty="0" smtClean="0"/>
+              <a:t>:</a:t>
+            </a:r>
+          </a:p>
+          <a:p>
+            <a:pPr marL="457200" indent="-457200">
+              <a:buFont typeface="Arial" panose="020B0604020202020204" pitchFamily="34" charset="0"/>
+              <a:buChar char="•"/>
+            </a:pPr>
+            <a:r>
+              <a:rPr lang="en-US" sz="2800" smtClean="0"/>
+              <a:t>Decreased Ev’s</a:t>
+            </a:r>
+            <a:r>
+              <a:rPr lang="en-US" sz="2800" dirty="0" smtClean="0"/>
+              <a:t> User range anxiety </a:t>
+            </a:r>
+          </a:p>
+          <a:p>
+            <a:pPr marL="457200" indent="-457200">
+              <a:buFont typeface="Arial" panose="020B0604020202020204" pitchFamily="34" charset="0"/>
+              <a:buChar char="•"/>
+            </a:pPr>
+            <a:r>
+              <a:rPr lang="tr-TR" sz="2800" dirty="0" smtClean="0"/>
+              <a:t>O</a:t>
+            </a:r>
+            <a:r>
+              <a:rPr lang="en-US" sz="2800" dirty="0" smtClean="0"/>
+              <a:t>ne </a:t>
+            </a:r>
+            <a:r>
+              <a:rPr lang="en-US" sz="2800" dirty="0"/>
+              <a:t>electric car registered per each 1,000 </a:t>
+            </a:r>
+            <a:r>
+              <a:rPr lang="en-US" sz="2800" dirty="0" smtClean="0"/>
+              <a:t>cars</a:t>
+            </a:r>
+            <a:endParaRPr lang="tr-TR" sz="2800" dirty="0" smtClean="0"/>
+          </a:p>
+          <a:p>
+            <a:pPr marL="457200" indent="-457200">
+              <a:buFont typeface="Arial" panose="020B0604020202020204" pitchFamily="34" charset="0"/>
+              <a:buChar char="•"/>
+            </a:pPr>
+            <a:r>
+              <a:rPr lang="tr-TR" sz="2800" dirty="0" smtClean="0"/>
+              <a:t>B</a:t>
+            </a:r>
+            <a:r>
+              <a:rPr lang="en-US" sz="2800" dirty="0" err="1" smtClean="0"/>
+              <a:t>attery</a:t>
+            </a:r>
+            <a:r>
+              <a:rPr lang="en-US" sz="2800" dirty="0" smtClean="0"/>
+              <a:t> </a:t>
+            </a:r>
+            <a:r>
+              <a:rPr lang="en-US" sz="2800" dirty="0"/>
+              <a:t>can be charged up to 90% in less than 30 minutes </a:t>
+            </a:r>
+            <a:endParaRPr lang="fr-FR" sz="2800" b="1" u="sng" dirty="0"/>
+          </a:p>
+        </p:txBody>
+      </p:sp>
+      <p:pic>
+        <p:nvPicPr>
+          <p:cNvPr id="7" name="图片 2"/>
+          <p:cNvPicPr/>
+          <p:nvPr/>
+        </p:nvPicPr>
+        <p:blipFill>
+          <a:blip r:embed="rId2"/>
+          <a:srcRect/>
+          <a:stretch>
+            <a:fillRect/>
+          </a:stretch>
+        </p:blipFill>
+        <p:spPr bwMode="auto">
+          <a:xfrm>
+            <a:off x="6690760" y="0"/>
+            <a:ext cx="4981575" cy="3181350"/>
+          </a:xfrm>
+          <a:prstGeom prst="rect">
+            <a:avLst/>
+          </a:prstGeom>
+          <a:noFill/>
+          <a:ln w="9525">
+            <a:noFill/>
+            <a:miter lim="800000"/>
+            <a:headEnd/>
+            <a:tailEnd/>
+          </a:ln>
+        </p:spPr>
+      </p:pic>
+      <p:pic>
+        <p:nvPicPr>
+          <p:cNvPr id="6" name="Picture 5"/>
+          <p:cNvPicPr>
+            <a:picLocks noChangeAspect="1"/>
+          </p:cNvPicPr>
+          <p:nvPr/>
+        </p:nvPicPr>
+        <p:blipFill>
+          <a:blip r:embed="rId3" cstate="print">
+            <a:extLst>
+              <a:ext uri="{28A0092B-C50C-407E-A947-70E740481C1C}">
+                <a14:useLocalDpi xmlns:a14="http://schemas.microsoft.com/office/drawing/2010/main" val="0"/>
+              </a:ext>
+            </a:extLst>
+          </a:blip>
+          <a:stretch>
+            <a:fillRect/>
+          </a:stretch>
+        </p:blipFill>
+        <p:spPr>
+          <a:xfrm>
+            <a:off x="38476" y="6246253"/>
+            <a:ext cx="1599444" cy="588155"/>
+          </a:xfrm>
+          <a:prstGeom prst="rect">
+            <a:avLst/>
+          </a:prstGeom>
+        </p:spPr>
+      </p:pic>
+    </p:spTree>
+    <p:extLst>
+      <p:ext uri="{BB962C8B-B14F-4D97-AF65-F5344CB8AC3E}">
+        <p14:creationId xmlns:p14="http://schemas.microsoft.com/office/powerpoint/2010/main" val="3726752831"/>
+      </p:ext>
+    </p:extLst>
+  </p:cSld>
+  <p:clrMapOvr>
+    <a:masterClrMapping/>
+  </p:clrMapOvr>
+</p:sld>
+</file>
+
+<file path=ppt/slides/slide5.xml><?xml version="1.0" encoding="utf-8"?>
+<p:sld xmlns:a="http://schemas.openxmlformats.org/drawingml/2006/main" xmlns:r="http://schemas.openxmlformats.org/officeDocument/2006/relationships" xmlns:p="http://schemas.openxmlformats.org/presentationml/2006/main">
+  <p:cSld>
+    <p:spTree>
+      <p:nvGrpSpPr>
+        <p:cNvPr id="1" name=""/>
+        <p:cNvGrpSpPr/>
+        <p:nvPr/>
+      </p:nvGrpSpPr>
+      <p:grpSpPr>
+        <a:xfrm>
+          <a:off x="0" y="0"/>
+          <a:ext cx="0" cy="0"/>
+          <a:chOff x="0" y="0"/>
+          <a:chExt cx="0" cy="0"/>
+        </a:xfrm>
+      </p:grpSpPr>
+      <p:sp>
+        <p:nvSpPr>
           <p:cNvPr id="4" name="ZoneTexte 3"/>
           <p:cNvSpPr txBox="1"/>
           <p:nvPr/>
@@ -3061,7 +4403,7 @@
 </p:sld>
 </file>
 
-<file path=ppt/slides/slide2.xml><?xml version="1.0" encoding="utf-8"?>
+<file path=ppt/slides/slide6.xml><?xml version="1.0" encoding="utf-8"?>
 <p:sld xmlns:a="http://schemas.openxmlformats.org/drawingml/2006/main" xmlns:r="http://schemas.openxmlformats.org/officeDocument/2006/relationships" xmlns:p="http://schemas.openxmlformats.org/presentationml/2006/main">
   <p:cSld>
     <p:spTree>
@@ -3539,7 +4881,7 @@
         </p:nvSpPr>
         <p:spPr>
           <a:xfrm>
-            <a:off x="838200" y="4402038"/>
+            <a:off x="838198" y="3999484"/>
             <a:ext cx="6332220" cy="2246769"/>
           </a:xfrm>
           <a:prstGeom prst="rect">
@@ -3650,6 +4992,36 @@
           </a:prstGeom>
         </p:spPr>
       </p:pic>
+      <p:pic>
+        <p:nvPicPr>
+          <p:cNvPr id="7" name="Picture 6"/>
+          <p:cNvPicPr>
+            <a:picLocks noChangeAspect="1"/>
+          </p:cNvPicPr>
+          <p:nvPr/>
+        </p:nvPicPr>
+        <p:blipFill>
+          <a:blip r:embed="rId3" cstate="print">
+            <a:extLst>
+              <a:ext uri="{28A0092B-C50C-407E-A947-70E740481C1C}">
+                <a14:useLocalDpi xmlns:a14="http://schemas.microsoft.com/office/drawing/2010/main" val="0"/>
+              </a:ext>
+            </a:extLst>
+          </a:blip>
+          <a:stretch>
+            <a:fillRect/>
+          </a:stretch>
+        </p:blipFill>
+        <p:spPr>
+          <a:xfrm>
+            <a:off x="38476" y="6246253"/>
+            <a:ext cx="1599444" cy="588155"/>
+          </a:xfrm>
+          <a:prstGeom prst="rect">
+            <a:avLst/>
+          </a:prstGeom>
+        </p:spPr>
+      </p:pic>
     </p:spTree>
     <p:extLst>
       <p:ext uri="{BB962C8B-B14F-4D97-AF65-F5344CB8AC3E}">
@@ -3670,7 +5042,7 @@
 </p:sld>
 </file>
 
-<file path=ppt/slides/slide3.xml><?xml version="1.0" encoding="utf-8"?>
+<file path=ppt/slides/slide7.xml><?xml version="1.0" encoding="utf-8"?>
 <p:sld xmlns:a="http://schemas.openxmlformats.org/drawingml/2006/main" xmlns:r="http://schemas.openxmlformats.org/officeDocument/2006/relationships" xmlns:p="http://schemas.openxmlformats.org/presentationml/2006/main">
   <p:cSld>
     <p:spTree>
@@ -3754,13 +5126,13 @@
         </p:nvSpPr>
         <p:spPr>
           <a:xfrm>
-            <a:off x="838200" y="3323649"/>
-            <a:ext cx="6484620" cy="4351338"/>
+            <a:off x="838200" y="3323650"/>
+            <a:ext cx="6484620" cy="2922604"/>
           </a:xfrm>
         </p:spPr>
         <p:txBody>
           <a:bodyPr>
-            <a:normAutofit/>
+            <a:normAutofit fontScale="92500" lnSpcReduction="20000"/>
           </a:bodyPr>
           <a:lstStyle/>
           <a:p>
@@ -3869,13 +5241,12 @@
             </a:r>
             <a:r>
               <a:rPr lang="fr-FR" dirty="0" smtClean="0"/>
-              <a:t> on brand image</a:t>
-            </a:r>
-          </a:p>
-          <a:p>
-            <a:endParaRPr lang="fr-FR" dirty="0" smtClean="0"/>
-          </a:p>
-          <a:p>
+              <a:t> on brand </a:t>
+            </a:r>
+            <a:r>
+              <a:rPr lang="fr-FR" dirty="0" smtClean="0"/>
+              <a:t>image</a:t>
+            </a:r>
             <a:endParaRPr lang="fr-FR" dirty="0"/>
           </a:p>
         </p:txBody>
@@ -4300,6 +5671,36 @@
           </a:prstGeom>
         </p:spPr>
       </p:pic>
+      <p:pic>
+        <p:nvPicPr>
+          <p:cNvPr id="9" name="Picture 8"/>
+          <p:cNvPicPr>
+            <a:picLocks noChangeAspect="1"/>
+          </p:cNvPicPr>
+          <p:nvPr/>
+        </p:nvPicPr>
+        <p:blipFill>
+          <a:blip r:embed="rId4" cstate="print">
+            <a:extLst>
+              <a:ext uri="{28A0092B-C50C-407E-A947-70E740481C1C}">
+                <a14:useLocalDpi xmlns:a14="http://schemas.microsoft.com/office/drawing/2010/main" val="0"/>
+              </a:ext>
+            </a:extLst>
+          </a:blip>
+          <a:stretch>
+            <a:fillRect/>
+          </a:stretch>
+        </p:blipFill>
+        <p:spPr>
+          <a:xfrm>
+            <a:off x="38476" y="6246253"/>
+            <a:ext cx="1599444" cy="588155"/>
+          </a:xfrm>
+          <a:prstGeom prst="rect">
+            <a:avLst/>
+          </a:prstGeom>
+        </p:spPr>
+      </p:pic>
     </p:spTree>
     <p:extLst>
       <p:ext uri="{BB962C8B-B14F-4D97-AF65-F5344CB8AC3E}">
@@ -4320,7 +5721,7 @@
 </p:sld>
 </file>
 
-<file path=ppt/slides/slide4.xml><?xml version="1.0" encoding="utf-8"?>
+<file path=ppt/slides/slide8.xml><?xml version="1.0" encoding="utf-8"?>
 <p:sld xmlns:a="http://schemas.openxmlformats.org/drawingml/2006/main" xmlns:r="http://schemas.openxmlformats.org/officeDocument/2006/relationships" xmlns:p="http://schemas.openxmlformats.org/presentationml/2006/main">
   <p:cSld>
     <p:spTree>
@@ -4907,6 +6308,36 @@
           </a:prstGeom>
         </p:spPr>
       </p:pic>
+      <p:pic>
+        <p:nvPicPr>
+          <p:cNvPr id="9" name="Picture 8"/>
+          <p:cNvPicPr>
+            <a:picLocks noChangeAspect="1"/>
+          </p:cNvPicPr>
+          <p:nvPr/>
+        </p:nvPicPr>
+        <p:blipFill>
+          <a:blip r:embed="rId4" cstate="print">
+            <a:extLst>
+              <a:ext uri="{28A0092B-C50C-407E-A947-70E740481C1C}">
+                <a14:useLocalDpi xmlns:a14="http://schemas.microsoft.com/office/drawing/2010/main" val="0"/>
+              </a:ext>
+            </a:extLst>
+          </a:blip>
+          <a:stretch>
+            <a:fillRect/>
+          </a:stretch>
+        </p:blipFill>
+        <p:spPr>
+          <a:xfrm>
+            <a:off x="38476" y="6246253"/>
+            <a:ext cx="1599444" cy="588155"/>
+          </a:xfrm>
+          <a:prstGeom prst="rect">
+            <a:avLst/>
+          </a:prstGeom>
+        </p:spPr>
+      </p:pic>
     </p:spTree>
     <p:extLst>
       <p:ext uri="{BB962C8B-B14F-4D97-AF65-F5344CB8AC3E}">
@@ -4924,1175 +6355,6 @@
       </p:par>
     </p:tnLst>
   </p:timing>
-</p:sld>
-</file>
-
-<file path=ppt/slides/slide5.xml><?xml version="1.0" encoding="utf-8"?>
-<p:sld xmlns:a="http://schemas.openxmlformats.org/drawingml/2006/main" xmlns:r="http://schemas.openxmlformats.org/officeDocument/2006/relationships" xmlns:p="http://schemas.openxmlformats.org/presentationml/2006/main">
-  <p:cSld>
-    <p:spTree>
-      <p:nvGrpSpPr>
-        <p:cNvPr id="1" name=""/>
-        <p:cNvGrpSpPr/>
-        <p:nvPr/>
-      </p:nvGrpSpPr>
-      <p:grpSpPr>
-        <a:xfrm>
-          <a:off x="0" y="0"/>
-          <a:ext cx="0" cy="0"/>
-          <a:chOff x="0" y="0"/>
-          <a:chExt cx="0" cy="0"/>
-        </a:xfrm>
-      </p:grpSpPr>
-      <p:sp>
-        <p:nvSpPr>
-          <p:cNvPr id="4" name="ZoneTexte 3"/>
-          <p:cNvSpPr txBox="1"/>
-          <p:nvPr/>
-        </p:nvSpPr>
-        <p:spPr>
-          <a:xfrm>
-            <a:off x="953038" y="1751526"/>
-            <a:ext cx="10225826" cy="1077218"/>
-          </a:xfrm>
-          <a:prstGeom prst="rect">
-            <a:avLst/>
-          </a:prstGeom>
-          <a:noFill/>
-        </p:spPr>
-        <p:txBody>
-          <a:bodyPr wrap="square" rtlCol="0">
-            <a:spAutoFit/>
-          </a:bodyPr>
-          <a:lstStyle/>
-          <a:p>
-            <a:pPr algn="ctr"/>
-            <a:r>
-              <a:rPr lang="tr-TR" sz="6400" dirty="0" err="1" smtClean="0"/>
-              <a:t>Countries</a:t>
-            </a:r>
-            <a:endParaRPr lang="fr-FR" sz="6400" dirty="0"/>
-          </a:p>
-        </p:txBody>
-      </p:sp>
-    </p:spTree>
-    <p:extLst>
-      <p:ext uri="{BB962C8B-B14F-4D97-AF65-F5344CB8AC3E}">
-        <p14:creationId xmlns:p14="http://schemas.microsoft.com/office/powerpoint/2010/main" val="1064199473"/>
-      </p:ext>
-    </p:extLst>
-  </p:cSld>
-  <p:clrMapOvr>
-    <a:masterClrMapping/>
-  </p:clrMapOvr>
-</p:sld>
-</file>
-
-<file path=ppt/slides/slide6.xml><?xml version="1.0" encoding="utf-8"?>
-<p:sld xmlns:a="http://schemas.openxmlformats.org/drawingml/2006/main" xmlns:r="http://schemas.openxmlformats.org/officeDocument/2006/relationships" xmlns:p="http://schemas.openxmlformats.org/presentationml/2006/main">
-  <p:cSld>
-    <p:spTree>
-      <p:nvGrpSpPr>
-        <p:cNvPr id="1" name=""/>
-        <p:cNvGrpSpPr/>
-        <p:nvPr/>
-      </p:nvGrpSpPr>
-      <p:grpSpPr>
-        <a:xfrm>
-          <a:off x="0" y="0"/>
-          <a:ext cx="0" cy="0"/>
-          <a:chOff x="0" y="0"/>
-          <a:chExt cx="0" cy="0"/>
-        </a:xfrm>
-      </p:grpSpPr>
-      <p:sp>
-        <p:nvSpPr>
-          <p:cNvPr id="2" name="Title 1"/>
-          <p:cNvSpPr>
-            <a:spLocks noGrp="1"/>
-          </p:cNvSpPr>
-          <p:nvPr>
-            <p:ph type="title"/>
-          </p:nvPr>
-        </p:nvSpPr>
-        <p:spPr/>
-        <p:txBody>
-          <a:bodyPr/>
-          <a:lstStyle/>
-          <a:p>
-            <a:r>
-              <a:rPr lang="tr-TR" b="1" dirty="0" smtClean="0"/>
-              <a:t>California</a:t>
-            </a:r>
-            <a:endParaRPr lang="tr-TR" b="1" dirty="0"/>
-          </a:p>
-        </p:txBody>
-      </p:sp>
-      <p:sp>
-        <p:nvSpPr>
-          <p:cNvPr id="5" name="Espace réservé du contenu 2"/>
-          <p:cNvSpPr txBox="1">
-            <a:spLocks/>
-          </p:cNvSpPr>
-          <p:nvPr/>
-        </p:nvSpPr>
-        <p:spPr>
-          <a:xfrm>
-            <a:off x="838199" y="1598720"/>
-            <a:ext cx="5601237" cy="4647533"/>
-          </a:xfrm>
-          <a:prstGeom prst="rect">
-            <a:avLst/>
-          </a:prstGeom>
-        </p:spPr>
-        <p:txBody>
-          <a:bodyPr vert="horz" lIns="91440" tIns="45720" rIns="91440" bIns="45720" rtlCol="0">
-            <a:normAutofit fontScale="92500" lnSpcReduction="10000"/>
-          </a:bodyPr>
-          <a:lstStyle>
-            <a:lvl1pPr marL="228600" indent="-228600" algn="l" defTabSz="914400" rtl="0" eaLnBrk="1" latinLnBrk="0" hangingPunct="1">
-              <a:lnSpc>
-                <a:spcPct val="90000"/>
-              </a:lnSpc>
-              <a:spcBef>
-                <a:spcPts val="1000"/>
-              </a:spcBef>
-              <a:buFont typeface="Arial" panose="020B0604020202020204" pitchFamily="34" charset="0"/>
-              <a:buChar char="•"/>
-              <a:defRPr sz="2800" kern="1200">
-                <a:solidFill>
-                  <a:schemeClr val="tx1"/>
-                </a:solidFill>
-                <a:latin typeface="+mn-lt"/>
-                <a:ea typeface="+mn-ea"/>
-                <a:cs typeface="+mn-cs"/>
-              </a:defRPr>
-            </a:lvl1pPr>
-            <a:lvl2pPr marL="685800" indent="-228600" algn="l" defTabSz="914400" rtl="0" eaLnBrk="1" latinLnBrk="0" hangingPunct="1">
-              <a:lnSpc>
-                <a:spcPct val="90000"/>
-              </a:lnSpc>
-              <a:spcBef>
-                <a:spcPts val="500"/>
-              </a:spcBef>
-              <a:buFont typeface="Arial" panose="020B0604020202020204" pitchFamily="34" charset="0"/>
-              <a:buChar char="•"/>
-              <a:defRPr sz="2400" kern="1200">
-                <a:solidFill>
-                  <a:schemeClr val="tx1"/>
-                </a:solidFill>
-                <a:latin typeface="+mn-lt"/>
-                <a:ea typeface="+mn-ea"/>
-                <a:cs typeface="+mn-cs"/>
-              </a:defRPr>
-            </a:lvl2pPr>
-            <a:lvl3pPr marL="1143000" indent="-228600" algn="l" defTabSz="914400" rtl="0" eaLnBrk="1" latinLnBrk="0" hangingPunct="1">
-              <a:lnSpc>
-                <a:spcPct val="90000"/>
-              </a:lnSpc>
-              <a:spcBef>
-                <a:spcPts val="500"/>
-              </a:spcBef>
-              <a:buFont typeface="Arial" panose="020B0604020202020204" pitchFamily="34" charset="0"/>
-              <a:buChar char="•"/>
-              <a:defRPr sz="2000" kern="1200">
-                <a:solidFill>
-                  <a:schemeClr val="tx1"/>
-                </a:solidFill>
-                <a:latin typeface="+mn-lt"/>
-                <a:ea typeface="+mn-ea"/>
-                <a:cs typeface="+mn-cs"/>
-              </a:defRPr>
-            </a:lvl3pPr>
-            <a:lvl4pPr marL="1600200" indent="-228600" algn="l" defTabSz="914400" rtl="0" eaLnBrk="1" latinLnBrk="0" hangingPunct="1">
-              <a:lnSpc>
-                <a:spcPct val="90000"/>
-              </a:lnSpc>
-              <a:spcBef>
-                <a:spcPts val="500"/>
-              </a:spcBef>
-              <a:buFont typeface="Arial" panose="020B0604020202020204" pitchFamily="34" charset="0"/>
-              <a:buChar char="•"/>
-              <a:defRPr sz="1800" kern="1200">
-                <a:solidFill>
-                  <a:schemeClr val="tx1"/>
-                </a:solidFill>
-                <a:latin typeface="+mn-lt"/>
-                <a:ea typeface="+mn-ea"/>
-                <a:cs typeface="+mn-cs"/>
-              </a:defRPr>
-            </a:lvl4pPr>
-            <a:lvl5pPr marL="2057400" indent="-228600" algn="l" defTabSz="914400" rtl="0" eaLnBrk="1" latinLnBrk="0" hangingPunct="1">
-              <a:lnSpc>
-                <a:spcPct val="90000"/>
-              </a:lnSpc>
-              <a:spcBef>
-                <a:spcPts val="500"/>
-              </a:spcBef>
-              <a:buFont typeface="Arial" panose="020B0604020202020204" pitchFamily="34" charset="0"/>
-              <a:buChar char="•"/>
-              <a:defRPr sz="1800" kern="1200">
-                <a:solidFill>
-                  <a:schemeClr val="tx1"/>
-                </a:solidFill>
-                <a:latin typeface="+mn-lt"/>
-                <a:ea typeface="+mn-ea"/>
-                <a:cs typeface="+mn-cs"/>
-              </a:defRPr>
-            </a:lvl5pPr>
-            <a:lvl6pPr marL="2514600" indent="-228600" algn="l" defTabSz="914400" rtl="0" eaLnBrk="1" latinLnBrk="0" hangingPunct="1">
-              <a:lnSpc>
-                <a:spcPct val="90000"/>
-              </a:lnSpc>
-              <a:spcBef>
-                <a:spcPts val="500"/>
-              </a:spcBef>
-              <a:buFont typeface="Arial" panose="020B0604020202020204" pitchFamily="34" charset="0"/>
-              <a:buChar char="•"/>
-              <a:defRPr sz="1800" kern="1200">
-                <a:solidFill>
-                  <a:schemeClr val="tx1"/>
-                </a:solidFill>
-                <a:latin typeface="+mn-lt"/>
-                <a:ea typeface="+mn-ea"/>
-                <a:cs typeface="+mn-cs"/>
-              </a:defRPr>
-            </a:lvl6pPr>
-            <a:lvl7pPr marL="2971800" indent="-228600" algn="l" defTabSz="914400" rtl="0" eaLnBrk="1" latinLnBrk="0" hangingPunct="1">
-              <a:lnSpc>
-                <a:spcPct val="90000"/>
-              </a:lnSpc>
-              <a:spcBef>
-                <a:spcPts val="500"/>
-              </a:spcBef>
-              <a:buFont typeface="Arial" panose="020B0604020202020204" pitchFamily="34" charset="0"/>
-              <a:buChar char="•"/>
-              <a:defRPr sz="1800" kern="1200">
-                <a:solidFill>
-                  <a:schemeClr val="tx1"/>
-                </a:solidFill>
-                <a:latin typeface="+mn-lt"/>
-                <a:ea typeface="+mn-ea"/>
-                <a:cs typeface="+mn-cs"/>
-              </a:defRPr>
-            </a:lvl7pPr>
-            <a:lvl8pPr marL="3429000" indent="-228600" algn="l" defTabSz="914400" rtl="0" eaLnBrk="1" latinLnBrk="0" hangingPunct="1">
-              <a:lnSpc>
-                <a:spcPct val="90000"/>
-              </a:lnSpc>
-              <a:spcBef>
-                <a:spcPts val="500"/>
-              </a:spcBef>
-              <a:buFont typeface="Arial" panose="020B0604020202020204" pitchFamily="34" charset="0"/>
-              <a:buChar char="•"/>
-              <a:defRPr sz="1800" kern="1200">
-                <a:solidFill>
-                  <a:schemeClr val="tx1"/>
-                </a:solidFill>
-                <a:latin typeface="+mn-lt"/>
-                <a:ea typeface="+mn-ea"/>
-                <a:cs typeface="+mn-cs"/>
-              </a:defRPr>
-            </a:lvl8pPr>
-            <a:lvl9pPr marL="3886200" indent="-228600" algn="l" defTabSz="914400" rtl="0" eaLnBrk="1" latinLnBrk="0" hangingPunct="1">
-              <a:lnSpc>
-                <a:spcPct val="90000"/>
-              </a:lnSpc>
-              <a:spcBef>
-                <a:spcPts val="500"/>
-              </a:spcBef>
-              <a:buFont typeface="Arial" panose="020B0604020202020204" pitchFamily="34" charset="0"/>
-              <a:buChar char="•"/>
-              <a:defRPr sz="1800" kern="1200">
-                <a:solidFill>
-                  <a:schemeClr val="tx1"/>
-                </a:solidFill>
-                <a:latin typeface="+mn-lt"/>
-                <a:ea typeface="+mn-ea"/>
-                <a:cs typeface="+mn-cs"/>
-              </a:defRPr>
-            </a:lvl9pPr>
-          </a:lstStyle>
-          <a:p>
-            <a:pPr marL="0" indent="0">
-              <a:buNone/>
-            </a:pPr>
-            <a:r>
-              <a:rPr lang="tr-TR" b="1" u="sng" dirty="0" err="1" smtClean="0"/>
-              <a:t>Infrasturcture</a:t>
-            </a:r>
-            <a:endParaRPr lang="fr-FR" dirty="0" smtClean="0"/>
-          </a:p>
-          <a:p>
-            <a:r>
-              <a:rPr lang="en-US" dirty="0" smtClean="0"/>
-              <a:t>1,207 </a:t>
-            </a:r>
-            <a:r>
-              <a:rPr lang="en-US" dirty="0"/>
-              <a:t>stations (21.3</a:t>
-            </a:r>
-            <a:r>
-              <a:rPr lang="en-US" dirty="0" smtClean="0"/>
-              <a:t>%)</a:t>
-            </a:r>
-            <a:endParaRPr lang="tr-TR" dirty="0" smtClean="0"/>
-          </a:p>
-          <a:p>
-            <a:r>
-              <a:rPr lang="en-US" dirty="0"/>
-              <a:t>5,176 (26.6%) public charging points</a:t>
-            </a:r>
-            <a:r>
-              <a:rPr lang="en-US" dirty="0" smtClean="0"/>
-              <a:t>.</a:t>
-            </a:r>
-            <a:endParaRPr lang="tr-TR" dirty="0" smtClean="0"/>
-          </a:p>
-          <a:p>
-            <a:r>
-              <a:rPr lang="tr-TR" dirty="0" smtClean="0"/>
-              <a:t>71% </a:t>
-            </a:r>
-            <a:r>
-              <a:rPr lang="tr-TR" dirty="0" err="1" smtClean="0"/>
-              <a:t>dissatisfaction</a:t>
-            </a:r>
-            <a:r>
-              <a:rPr lang="tr-TR" dirty="0" smtClean="0"/>
-              <a:t> </a:t>
-            </a:r>
-            <a:r>
-              <a:rPr lang="tr-TR" dirty="0" err="1" smtClean="0"/>
-              <a:t>with</a:t>
-            </a:r>
-            <a:r>
-              <a:rPr lang="tr-TR" dirty="0" smtClean="0"/>
-              <a:t> </a:t>
-            </a:r>
-            <a:r>
-              <a:rPr lang="tr-TR" dirty="0" err="1" smtClean="0"/>
-              <a:t>public</a:t>
-            </a:r>
-            <a:r>
-              <a:rPr lang="tr-TR" dirty="0" smtClean="0"/>
-              <a:t> </a:t>
-            </a:r>
-            <a:r>
-              <a:rPr lang="tr-TR" dirty="0" err="1" smtClean="0"/>
-              <a:t>charging</a:t>
-            </a:r>
-            <a:r>
-              <a:rPr lang="tr-TR" dirty="0" smtClean="0"/>
-              <a:t> </a:t>
-            </a:r>
-            <a:r>
-              <a:rPr lang="tr-TR" dirty="0" err="1" smtClean="0"/>
-              <a:t>infrastructure</a:t>
-            </a:r>
-            <a:endParaRPr lang="tr-TR" dirty="0" smtClean="0"/>
-          </a:p>
-          <a:p>
-            <a:r>
-              <a:rPr lang="tr-TR" dirty="0"/>
-              <a:t>64% </a:t>
-            </a:r>
-            <a:r>
-              <a:rPr lang="tr-TR" dirty="0" err="1"/>
-              <a:t>level</a:t>
-            </a:r>
-            <a:r>
-              <a:rPr lang="tr-TR" dirty="0"/>
-              <a:t> 2 </a:t>
-            </a:r>
-            <a:r>
-              <a:rPr lang="tr-TR" dirty="0" err="1"/>
-              <a:t>home</a:t>
-            </a:r>
-            <a:r>
-              <a:rPr lang="tr-TR" dirty="0"/>
-              <a:t> </a:t>
-            </a:r>
-            <a:r>
-              <a:rPr lang="tr-TR" dirty="0" err="1"/>
-              <a:t>chargers</a:t>
-            </a:r>
-            <a:r>
-              <a:rPr lang="tr-TR" dirty="0"/>
-              <a:t> </a:t>
-            </a:r>
-            <a:r>
-              <a:rPr lang="tr-TR" dirty="0" err="1"/>
-              <a:t>received</a:t>
-            </a:r>
-            <a:r>
-              <a:rPr lang="tr-TR" dirty="0"/>
-              <a:t> </a:t>
-            </a:r>
-            <a:r>
-              <a:rPr lang="tr-TR" dirty="0" err="1"/>
-              <a:t>free</a:t>
-            </a:r>
-            <a:endParaRPr lang="tr-TR" dirty="0"/>
-          </a:p>
-          <a:p>
-            <a:pPr marL="0" indent="0">
-              <a:buNone/>
-            </a:pPr>
-            <a:r>
-              <a:rPr lang="tr-TR" b="1" u="sng" dirty="0" err="1" smtClean="0"/>
-              <a:t>Incentives</a:t>
-            </a:r>
-            <a:endParaRPr lang="tr-TR" b="1" u="sng" dirty="0" smtClean="0"/>
-          </a:p>
-          <a:p>
-            <a:r>
-              <a:rPr lang="tr-TR" dirty="0"/>
-              <a:t>46 (11% in U.S) </a:t>
-            </a:r>
-            <a:r>
-              <a:rPr lang="tr-TR" dirty="0" err="1"/>
-              <a:t>Evs</a:t>
-            </a:r>
-            <a:r>
-              <a:rPr lang="tr-TR" dirty="0"/>
-              <a:t> </a:t>
-            </a:r>
-            <a:r>
-              <a:rPr lang="tr-TR" dirty="0" err="1" smtClean="0"/>
-              <a:t>incentives</a:t>
-            </a:r>
-            <a:endParaRPr lang="tr-TR" dirty="0" smtClean="0"/>
-          </a:p>
-          <a:p>
-            <a:r>
-              <a:rPr lang="en-US" dirty="0"/>
-              <a:t>HOV lane access was </a:t>
-            </a:r>
-            <a:r>
-              <a:rPr lang="en-US" dirty="0" smtClean="0"/>
-              <a:t>a </a:t>
-            </a:r>
-            <a:r>
-              <a:rPr lang="en-US" dirty="0"/>
-              <a:t>very important purchase motivation for 59% </a:t>
-            </a:r>
-            <a:endParaRPr lang="fr-FR" dirty="0"/>
-          </a:p>
-          <a:p>
-            <a:pPr marL="0" indent="0">
-              <a:buNone/>
-            </a:pPr>
-            <a:endParaRPr lang="fr-FR" b="1" u="sng" dirty="0"/>
-          </a:p>
-        </p:txBody>
-      </p:sp>
-      <p:sp>
-        <p:nvSpPr>
-          <p:cNvPr id="6" name="ZoneTexte 6"/>
-          <p:cNvSpPr txBox="1"/>
-          <p:nvPr/>
-        </p:nvSpPr>
-        <p:spPr>
-          <a:xfrm>
-            <a:off x="6971318" y="3129566"/>
-            <a:ext cx="4833601" cy="3539430"/>
-          </a:xfrm>
-          <a:prstGeom prst="rect">
-            <a:avLst/>
-          </a:prstGeom>
-          <a:noFill/>
-        </p:spPr>
-        <p:txBody>
-          <a:bodyPr wrap="square" rtlCol="0">
-            <a:spAutoFit/>
-          </a:bodyPr>
-          <a:lstStyle/>
-          <a:p>
-            <a:r>
-              <a:rPr lang="fr-FR" sz="2800" b="1" u="sng" dirty="0" err="1" smtClean="0"/>
-              <a:t>Results</a:t>
-            </a:r>
-            <a:r>
-              <a:rPr lang="fr-FR" sz="2800" b="1" u="sng" dirty="0" smtClean="0"/>
-              <a:t>:</a:t>
-            </a:r>
-          </a:p>
-          <a:p>
-            <a:pPr marL="457200" indent="-457200">
-              <a:buFont typeface="Arial" panose="020B0604020202020204" pitchFamily="34" charset="0"/>
-              <a:buChar char="•"/>
-            </a:pPr>
-            <a:r>
-              <a:rPr lang="tr-TR" sz="2800" dirty="0" smtClean="0"/>
-              <a:t>92% </a:t>
-            </a:r>
-            <a:r>
-              <a:rPr lang="tr-TR" sz="2800" dirty="0" err="1" smtClean="0"/>
-              <a:t>overall</a:t>
-            </a:r>
-            <a:r>
-              <a:rPr lang="tr-TR" sz="2800" dirty="0" smtClean="0"/>
-              <a:t> </a:t>
-            </a:r>
-            <a:r>
-              <a:rPr lang="tr-TR" sz="2800" dirty="0" err="1" smtClean="0"/>
-              <a:t>satisfaction</a:t>
-            </a:r>
-            <a:endParaRPr lang="tr-TR" sz="2800" dirty="0" smtClean="0"/>
-          </a:p>
-          <a:p>
-            <a:pPr marL="457200" indent="-457200">
-              <a:buFont typeface="Arial" panose="020B0604020202020204" pitchFamily="34" charset="0"/>
-              <a:buChar char="•"/>
-            </a:pPr>
-            <a:r>
-              <a:rPr lang="tr-TR" sz="2800" dirty="0" smtClean="0"/>
-              <a:t>87% </a:t>
-            </a:r>
-            <a:r>
-              <a:rPr lang="tr-TR" sz="2800" dirty="0" err="1" smtClean="0"/>
-              <a:t>users</a:t>
-            </a:r>
-            <a:r>
-              <a:rPr lang="tr-TR" sz="2800" dirty="0" smtClean="0"/>
-              <a:t> </a:t>
-            </a:r>
-            <a:r>
-              <a:rPr lang="tr-TR" sz="2800" dirty="0" err="1" smtClean="0"/>
-              <a:t>graduate</a:t>
-            </a:r>
-            <a:r>
-              <a:rPr lang="tr-TR" sz="2800" dirty="0" smtClean="0"/>
-              <a:t> </a:t>
-            </a:r>
-            <a:r>
-              <a:rPr lang="tr-TR" sz="2800" dirty="0" err="1" smtClean="0"/>
-              <a:t>or</a:t>
-            </a:r>
-            <a:r>
-              <a:rPr lang="tr-TR" sz="2800" dirty="0" smtClean="0"/>
-              <a:t> </a:t>
-            </a:r>
-            <a:r>
-              <a:rPr lang="tr-TR" sz="2800" dirty="0" err="1" smtClean="0"/>
-              <a:t>postgraduate</a:t>
-            </a:r>
-            <a:endParaRPr lang="fr-FR" sz="2800" dirty="0" smtClean="0"/>
-          </a:p>
-          <a:p>
-            <a:pPr marL="457200" indent="-457200">
-              <a:buFont typeface="Arial" panose="020B0604020202020204" pitchFamily="34" charset="0"/>
-              <a:buChar char="•"/>
-            </a:pPr>
-            <a:r>
-              <a:rPr lang="tr-TR" sz="2800" dirty="0" err="1" smtClean="0"/>
-              <a:t>Cost</a:t>
-            </a:r>
-            <a:r>
-              <a:rPr lang="tr-TR" sz="2800" dirty="0" smtClean="0"/>
-              <a:t> is </a:t>
-            </a:r>
-            <a:r>
-              <a:rPr lang="tr-TR" sz="2800" dirty="0" err="1" smtClean="0"/>
-              <a:t>first</a:t>
-            </a:r>
-            <a:r>
-              <a:rPr lang="tr-TR" sz="2800" dirty="0" smtClean="0"/>
-              <a:t> on </a:t>
-            </a:r>
-            <a:r>
-              <a:rPr lang="tr-TR" sz="2800" dirty="0" err="1" smtClean="0"/>
-              <a:t>deciding</a:t>
-            </a:r>
-            <a:r>
-              <a:rPr lang="tr-TR" sz="2800" dirty="0" smtClean="0"/>
-              <a:t> </a:t>
-            </a:r>
-            <a:r>
-              <a:rPr lang="tr-TR" sz="2800" dirty="0" err="1" smtClean="0"/>
-              <a:t>charging</a:t>
-            </a:r>
-            <a:endParaRPr lang="fr-FR" sz="2800" dirty="0"/>
-          </a:p>
-          <a:p>
-            <a:pPr marL="457200" indent="-457200">
-              <a:buFont typeface="Arial" panose="020B0604020202020204" pitchFamily="34" charset="0"/>
-              <a:buChar char="•"/>
-            </a:pPr>
-            <a:r>
-              <a:rPr lang="tr-TR" sz="2800" dirty="0" smtClean="0"/>
-              <a:t>Environment </a:t>
-            </a:r>
-            <a:r>
-              <a:rPr lang="tr-TR" sz="2800" dirty="0" err="1" smtClean="0"/>
-              <a:t>and</a:t>
-            </a:r>
-            <a:r>
-              <a:rPr lang="tr-TR" sz="2800" dirty="0" smtClean="0"/>
-              <a:t> </a:t>
-            </a:r>
-            <a:r>
-              <a:rPr lang="tr-TR" sz="2800" dirty="0" err="1" smtClean="0"/>
-              <a:t>energy</a:t>
-            </a:r>
-            <a:r>
-              <a:rPr lang="tr-TR" sz="2800" dirty="0" smtClean="0"/>
-              <a:t> </a:t>
-            </a:r>
-            <a:r>
-              <a:rPr lang="tr-TR" sz="2800" dirty="0" err="1" smtClean="0"/>
-              <a:t>independance</a:t>
-            </a:r>
-            <a:r>
-              <a:rPr lang="tr-TR" sz="2800" dirty="0" smtClean="0"/>
-              <a:t> </a:t>
-            </a:r>
-            <a:r>
-              <a:rPr lang="tr-TR" sz="2800" dirty="0" err="1" smtClean="0"/>
-              <a:t>first</a:t>
-            </a:r>
-            <a:r>
-              <a:rPr lang="tr-TR" sz="2800" dirty="0" smtClean="0"/>
-              <a:t> </a:t>
-            </a:r>
-            <a:r>
-              <a:rPr lang="tr-TR" sz="2800" dirty="0" err="1" smtClean="0"/>
-              <a:t>reasons</a:t>
-            </a:r>
-            <a:endParaRPr lang="fr-FR" sz="2800" b="1" u="sng" dirty="0" smtClean="0"/>
-          </a:p>
-        </p:txBody>
-      </p:sp>
-      <p:pic>
-        <p:nvPicPr>
-          <p:cNvPr id="10" name="Picture 9"/>
-          <p:cNvPicPr>
-            <a:picLocks noChangeAspect="1"/>
-          </p:cNvPicPr>
-          <p:nvPr/>
-        </p:nvPicPr>
-        <p:blipFill>
-          <a:blip r:embed="rId2">
-            <a:extLst>
-              <a:ext uri="{28A0092B-C50C-407E-A947-70E740481C1C}">
-                <a14:useLocalDpi xmlns:a14="http://schemas.microsoft.com/office/drawing/2010/main" val="0"/>
-              </a:ext>
-            </a:extLst>
-          </a:blip>
-          <a:stretch>
-            <a:fillRect/>
-          </a:stretch>
-        </p:blipFill>
-        <p:spPr>
-          <a:xfrm>
-            <a:off x="6584238" y="11959"/>
-            <a:ext cx="5607762" cy="3143365"/>
-          </a:xfrm>
-          <a:prstGeom prst="rect">
-            <a:avLst/>
-          </a:prstGeom>
-        </p:spPr>
-      </p:pic>
-    </p:spTree>
-    <p:extLst>
-      <p:ext uri="{BB962C8B-B14F-4D97-AF65-F5344CB8AC3E}">
-        <p14:creationId xmlns:p14="http://schemas.microsoft.com/office/powerpoint/2010/main" val="1832435074"/>
-      </p:ext>
-    </p:extLst>
-  </p:cSld>
-  <p:clrMapOvr>
-    <a:masterClrMapping/>
-  </p:clrMapOvr>
-</p:sld>
-</file>
-
-<file path=ppt/slides/slide7.xml><?xml version="1.0" encoding="utf-8"?>
-<p:sld xmlns:a="http://schemas.openxmlformats.org/drawingml/2006/main" xmlns:r="http://schemas.openxmlformats.org/officeDocument/2006/relationships" xmlns:p="http://schemas.openxmlformats.org/presentationml/2006/main">
-  <p:cSld>
-    <p:spTree>
-      <p:nvGrpSpPr>
-        <p:cNvPr id="1" name=""/>
-        <p:cNvGrpSpPr/>
-        <p:nvPr/>
-      </p:nvGrpSpPr>
-      <p:grpSpPr>
-        <a:xfrm>
-          <a:off x="0" y="0"/>
-          <a:ext cx="0" cy="0"/>
-          <a:chOff x="0" y="0"/>
-          <a:chExt cx="0" cy="0"/>
-        </a:xfrm>
-      </p:grpSpPr>
-      <p:sp>
-        <p:nvSpPr>
-          <p:cNvPr id="2" name="Title 1"/>
-          <p:cNvSpPr>
-            <a:spLocks noGrp="1"/>
-          </p:cNvSpPr>
-          <p:nvPr>
-            <p:ph type="title"/>
-          </p:nvPr>
-        </p:nvSpPr>
-        <p:spPr/>
-        <p:txBody>
-          <a:bodyPr/>
-          <a:lstStyle/>
-          <a:p>
-            <a:r>
-              <a:rPr lang="tr-TR" b="1" dirty="0" err="1" smtClean="0"/>
-              <a:t>Estonia</a:t>
-            </a:r>
-            <a:endParaRPr lang="tr-TR" b="1" dirty="0"/>
-          </a:p>
-        </p:txBody>
-      </p:sp>
-      <p:sp>
-        <p:nvSpPr>
-          <p:cNvPr id="4" name="Espace réservé du contenu 2"/>
-          <p:cNvSpPr txBox="1">
-            <a:spLocks/>
-          </p:cNvSpPr>
-          <p:nvPr/>
-        </p:nvSpPr>
-        <p:spPr>
-          <a:xfrm>
-            <a:off x="837127" y="1598720"/>
-            <a:ext cx="5949167" cy="4802079"/>
-          </a:xfrm>
-          <a:prstGeom prst="rect">
-            <a:avLst/>
-          </a:prstGeom>
-        </p:spPr>
-        <p:txBody>
-          <a:bodyPr vert="horz" lIns="91440" tIns="45720" rIns="91440" bIns="45720" rtlCol="0">
-            <a:normAutofit fontScale="92500" lnSpcReduction="10000"/>
-          </a:bodyPr>
-          <a:lstStyle>
-            <a:lvl1pPr marL="228600" indent="-228600" algn="l" defTabSz="914400" rtl="0" eaLnBrk="1" latinLnBrk="0" hangingPunct="1">
-              <a:lnSpc>
-                <a:spcPct val="90000"/>
-              </a:lnSpc>
-              <a:spcBef>
-                <a:spcPts val="1000"/>
-              </a:spcBef>
-              <a:buFont typeface="Arial" panose="020B0604020202020204" pitchFamily="34" charset="0"/>
-              <a:buChar char="•"/>
-              <a:defRPr sz="2800" kern="1200">
-                <a:solidFill>
-                  <a:schemeClr val="tx1"/>
-                </a:solidFill>
-                <a:latin typeface="+mn-lt"/>
-                <a:ea typeface="+mn-ea"/>
-                <a:cs typeface="+mn-cs"/>
-              </a:defRPr>
-            </a:lvl1pPr>
-            <a:lvl2pPr marL="685800" indent="-228600" algn="l" defTabSz="914400" rtl="0" eaLnBrk="1" latinLnBrk="0" hangingPunct="1">
-              <a:lnSpc>
-                <a:spcPct val="90000"/>
-              </a:lnSpc>
-              <a:spcBef>
-                <a:spcPts val="500"/>
-              </a:spcBef>
-              <a:buFont typeface="Arial" panose="020B0604020202020204" pitchFamily="34" charset="0"/>
-              <a:buChar char="•"/>
-              <a:defRPr sz="2400" kern="1200">
-                <a:solidFill>
-                  <a:schemeClr val="tx1"/>
-                </a:solidFill>
-                <a:latin typeface="+mn-lt"/>
-                <a:ea typeface="+mn-ea"/>
-                <a:cs typeface="+mn-cs"/>
-              </a:defRPr>
-            </a:lvl2pPr>
-            <a:lvl3pPr marL="1143000" indent="-228600" algn="l" defTabSz="914400" rtl="0" eaLnBrk="1" latinLnBrk="0" hangingPunct="1">
-              <a:lnSpc>
-                <a:spcPct val="90000"/>
-              </a:lnSpc>
-              <a:spcBef>
-                <a:spcPts val="500"/>
-              </a:spcBef>
-              <a:buFont typeface="Arial" panose="020B0604020202020204" pitchFamily="34" charset="0"/>
-              <a:buChar char="•"/>
-              <a:defRPr sz="2000" kern="1200">
-                <a:solidFill>
-                  <a:schemeClr val="tx1"/>
-                </a:solidFill>
-                <a:latin typeface="+mn-lt"/>
-                <a:ea typeface="+mn-ea"/>
-                <a:cs typeface="+mn-cs"/>
-              </a:defRPr>
-            </a:lvl3pPr>
-            <a:lvl4pPr marL="1600200" indent="-228600" algn="l" defTabSz="914400" rtl="0" eaLnBrk="1" latinLnBrk="0" hangingPunct="1">
-              <a:lnSpc>
-                <a:spcPct val="90000"/>
-              </a:lnSpc>
-              <a:spcBef>
-                <a:spcPts val="500"/>
-              </a:spcBef>
-              <a:buFont typeface="Arial" panose="020B0604020202020204" pitchFamily="34" charset="0"/>
-              <a:buChar char="•"/>
-              <a:defRPr sz="1800" kern="1200">
-                <a:solidFill>
-                  <a:schemeClr val="tx1"/>
-                </a:solidFill>
-                <a:latin typeface="+mn-lt"/>
-                <a:ea typeface="+mn-ea"/>
-                <a:cs typeface="+mn-cs"/>
-              </a:defRPr>
-            </a:lvl4pPr>
-            <a:lvl5pPr marL="2057400" indent="-228600" algn="l" defTabSz="914400" rtl="0" eaLnBrk="1" latinLnBrk="0" hangingPunct="1">
-              <a:lnSpc>
-                <a:spcPct val="90000"/>
-              </a:lnSpc>
-              <a:spcBef>
-                <a:spcPts val="500"/>
-              </a:spcBef>
-              <a:buFont typeface="Arial" panose="020B0604020202020204" pitchFamily="34" charset="0"/>
-              <a:buChar char="•"/>
-              <a:defRPr sz="1800" kern="1200">
-                <a:solidFill>
-                  <a:schemeClr val="tx1"/>
-                </a:solidFill>
-                <a:latin typeface="+mn-lt"/>
-                <a:ea typeface="+mn-ea"/>
-                <a:cs typeface="+mn-cs"/>
-              </a:defRPr>
-            </a:lvl5pPr>
-            <a:lvl6pPr marL="2514600" indent="-228600" algn="l" defTabSz="914400" rtl="0" eaLnBrk="1" latinLnBrk="0" hangingPunct="1">
-              <a:lnSpc>
-                <a:spcPct val="90000"/>
-              </a:lnSpc>
-              <a:spcBef>
-                <a:spcPts val="500"/>
-              </a:spcBef>
-              <a:buFont typeface="Arial" panose="020B0604020202020204" pitchFamily="34" charset="0"/>
-              <a:buChar char="•"/>
-              <a:defRPr sz="1800" kern="1200">
-                <a:solidFill>
-                  <a:schemeClr val="tx1"/>
-                </a:solidFill>
-                <a:latin typeface="+mn-lt"/>
-                <a:ea typeface="+mn-ea"/>
-                <a:cs typeface="+mn-cs"/>
-              </a:defRPr>
-            </a:lvl6pPr>
-            <a:lvl7pPr marL="2971800" indent="-228600" algn="l" defTabSz="914400" rtl="0" eaLnBrk="1" latinLnBrk="0" hangingPunct="1">
-              <a:lnSpc>
-                <a:spcPct val="90000"/>
-              </a:lnSpc>
-              <a:spcBef>
-                <a:spcPts val="500"/>
-              </a:spcBef>
-              <a:buFont typeface="Arial" panose="020B0604020202020204" pitchFamily="34" charset="0"/>
-              <a:buChar char="•"/>
-              <a:defRPr sz="1800" kern="1200">
-                <a:solidFill>
-                  <a:schemeClr val="tx1"/>
-                </a:solidFill>
-                <a:latin typeface="+mn-lt"/>
-                <a:ea typeface="+mn-ea"/>
-                <a:cs typeface="+mn-cs"/>
-              </a:defRPr>
-            </a:lvl7pPr>
-            <a:lvl8pPr marL="3429000" indent="-228600" algn="l" defTabSz="914400" rtl="0" eaLnBrk="1" latinLnBrk="0" hangingPunct="1">
-              <a:lnSpc>
-                <a:spcPct val="90000"/>
-              </a:lnSpc>
-              <a:spcBef>
-                <a:spcPts val="500"/>
-              </a:spcBef>
-              <a:buFont typeface="Arial" panose="020B0604020202020204" pitchFamily="34" charset="0"/>
-              <a:buChar char="•"/>
-              <a:defRPr sz="1800" kern="1200">
-                <a:solidFill>
-                  <a:schemeClr val="tx1"/>
-                </a:solidFill>
-                <a:latin typeface="+mn-lt"/>
-                <a:ea typeface="+mn-ea"/>
-                <a:cs typeface="+mn-cs"/>
-              </a:defRPr>
-            </a:lvl8pPr>
-            <a:lvl9pPr marL="3886200" indent="-228600" algn="l" defTabSz="914400" rtl="0" eaLnBrk="1" latinLnBrk="0" hangingPunct="1">
-              <a:lnSpc>
-                <a:spcPct val="90000"/>
-              </a:lnSpc>
-              <a:spcBef>
-                <a:spcPts val="500"/>
-              </a:spcBef>
-              <a:buFont typeface="Arial" panose="020B0604020202020204" pitchFamily="34" charset="0"/>
-              <a:buChar char="•"/>
-              <a:defRPr sz="1800" kern="1200">
-                <a:solidFill>
-                  <a:schemeClr val="tx1"/>
-                </a:solidFill>
-                <a:latin typeface="+mn-lt"/>
-                <a:ea typeface="+mn-ea"/>
-                <a:cs typeface="+mn-cs"/>
-              </a:defRPr>
-            </a:lvl9pPr>
-          </a:lstStyle>
-          <a:p>
-            <a:pPr marL="0" indent="0">
-              <a:buNone/>
-            </a:pPr>
-            <a:r>
-              <a:rPr lang="tr-TR" b="1" u="sng" dirty="0" err="1"/>
-              <a:t>Infrasturcture</a:t>
-            </a:r>
-            <a:endParaRPr lang="fr-FR" dirty="0"/>
-          </a:p>
-          <a:p>
-            <a:r>
-              <a:rPr lang="tr-TR" dirty="0" smtClean="0"/>
-              <a:t>W</a:t>
-            </a:r>
-            <a:r>
-              <a:rPr lang="en-US" dirty="0" err="1" smtClean="0"/>
-              <a:t>orld’s</a:t>
-            </a:r>
-            <a:r>
-              <a:rPr lang="en-US" dirty="0" smtClean="0"/>
-              <a:t> </a:t>
-            </a:r>
-            <a:r>
-              <a:rPr lang="en-US" dirty="0"/>
-              <a:t>first country to launch a nationwide fast-charging network </a:t>
-            </a:r>
-            <a:endParaRPr lang="tr-TR" dirty="0" smtClean="0"/>
-          </a:p>
-          <a:p>
-            <a:r>
-              <a:rPr lang="tr-TR" dirty="0" smtClean="0"/>
-              <a:t>B</a:t>
-            </a:r>
-            <a:r>
-              <a:rPr lang="en-GB" dirty="0" err="1" smtClean="0"/>
-              <a:t>eginning</a:t>
-            </a:r>
-            <a:r>
-              <a:rPr lang="en-GB" dirty="0" smtClean="0"/>
-              <a:t> </a:t>
-            </a:r>
-            <a:r>
-              <a:rPr lang="en-GB" dirty="0"/>
-              <a:t>of 2013, 163 fast chargers have been installed </a:t>
-            </a:r>
-            <a:endParaRPr lang="tr-TR" dirty="0" smtClean="0"/>
-          </a:p>
-          <a:p>
-            <a:r>
-              <a:rPr lang="tr-TR" dirty="0"/>
-              <a:t>D</a:t>
-            </a:r>
-            <a:r>
-              <a:rPr lang="et-EE" dirty="0" smtClean="0"/>
-              <a:t>istance </a:t>
-            </a:r>
-            <a:r>
-              <a:rPr lang="et-EE" dirty="0"/>
-              <a:t>between quick charging points is 40-60 km </a:t>
-            </a:r>
-            <a:endParaRPr lang="tr-TR" dirty="0" smtClean="0"/>
-          </a:p>
-          <a:p>
-            <a:pPr marL="0" indent="0">
-              <a:buNone/>
-            </a:pPr>
-            <a:r>
-              <a:rPr lang="tr-TR" b="1" u="sng" dirty="0" err="1" smtClean="0"/>
-              <a:t>Incentives</a:t>
-            </a:r>
-            <a:endParaRPr lang="fr-FR" b="1" u="sng" dirty="0"/>
-          </a:p>
-          <a:p>
-            <a:r>
-              <a:rPr lang="tr-TR" dirty="0" smtClean="0"/>
-              <a:t>U</a:t>
-            </a:r>
-            <a:r>
-              <a:rPr lang="en-US" dirty="0" smtClean="0"/>
-              <a:t>p </a:t>
-            </a:r>
-            <a:r>
-              <a:rPr lang="en-US" dirty="0"/>
-              <a:t>to 18,000 Euros of the all-electric car’s </a:t>
-            </a:r>
-            <a:endParaRPr lang="tr-TR" dirty="0" smtClean="0"/>
-          </a:p>
-          <a:p>
-            <a:r>
-              <a:rPr lang="en-US" dirty="0" smtClean="0"/>
-              <a:t>1,000 </a:t>
-            </a:r>
-            <a:r>
-              <a:rPr lang="en-US" dirty="0"/>
-              <a:t>Euros support </a:t>
-            </a:r>
-            <a:r>
-              <a:rPr lang="en-US" dirty="0" smtClean="0"/>
-              <a:t>for charging </a:t>
-            </a:r>
-            <a:r>
-              <a:rPr lang="en-US" dirty="0"/>
-              <a:t>system </a:t>
-            </a:r>
-            <a:r>
-              <a:rPr lang="en-US" dirty="0" smtClean="0"/>
-              <a:t>at </a:t>
-            </a:r>
-            <a:r>
-              <a:rPr lang="en-US" dirty="0"/>
-              <a:t>home.</a:t>
-            </a:r>
-            <a:endParaRPr lang="tr-TR" dirty="0"/>
-          </a:p>
-          <a:p>
-            <a:endParaRPr lang="fr-FR" dirty="0"/>
-          </a:p>
-        </p:txBody>
-      </p:sp>
-      <p:sp>
-        <p:nvSpPr>
-          <p:cNvPr id="5" name="ZoneTexte 6"/>
-          <p:cNvSpPr txBox="1"/>
-          <p:nvPr/>
-        </p:nvSpPr>
-        <p:spPr>
-          <a:xfrm>
-            <a:off x="6786294" y="3323649"/>
-            <a:ext cx="5169486" cy="3108543"/>
-          </a:xfrm>
-          <a:prstGeom prst="rect">
-            <a:avLst/>
-          </a:prstGeom>
-          <a:noFill/>
-        </p:spPr>
-        <p:txBody>
-          <a:bodyPr wrap="square" rtlCol="0">
-            <a:spAutoFit/>
-          </a:bodyPr>
-          <a:lstStyle/>
-          <a:p>
-            <a:r>
-              <a:rPr lang="fr-FR" sz="2800" b="1" u="sng" dirty="0" err="1" smtClean="0"/>
-              <a:t>Results</a:t>
-            </a:r>
-            <a:r>
-              <a:rPr lang="fr-FR" sz="2800" b="1" u="sng" dirty="0" smtClean="0"/>
-              <a:t>:</a:t>
-            </a:r>
-          </a:p>
-          <a:p>
-            <a:pPr marL="457200" indent="-457200">
-              <a:buFont typeface="Arial" panose="020B0604020202020204" pitchFamily="34" charset="0"/>
-              <a:buChar char="•"/>
-            </a:pPr>
-            <a:r>
-              <a:rPr lang="en-US" sz="2800" smtClean="0"/>
-              <a:t>Decreased </a:t>
-            </a:r>
-            <a:r>
-              <a:rPr lang="en-US" sz="2800" smtClean="0"/>
-              <a:t>Ev’s</a:t>
-            </a:r>
-            <a:r>
-              <a:rPr lang="en-US" sz="2800" dirty="0" smtClean="0"/>
-              <a:t> </a:t>
-            </a:r>
-            <a:r>
-              <a:rPr lang="en-US" sz="2800" dirty="0" smtClean="0"/>
-              <a:t>User range anxiety </a:t>
-            </a:r>
-          </a:p>
-          <a:p>
-            <a:pPr marL="457200" indent="-457200">
-              <a:buFont typeface="Arial" panose="020B0604020202020204" pitchFamily="34" charset="0"/>
-              <a:buChar char="•"/>
-            </a:pPr>
-            <a:r>
-              <a:rPr lang="tr-TR" sz="2800" dirty="0" smtClean="0"/>
-              <a:t>O</a:t>
-            </a:r>
-            <a:r>
-              <a:rPr lang="en-US" sz="2800" dirty="0" smtClean="0"/>
-              <a:t>ne </a:t>
-            </a:r>
-            <a:r>
-              <a:rPr lang="en-US" sz="2800" dirty="0"/>
-              <a:t>electric car registered per each 1,000 </a:t>
-            </a:r>
-            <a:r>
-              <a:rPr lang="en-US" sz="2800" dirty="0" smtClean="0"/>
-              <a:t>cars</a:t>
-            </a:r>
-            <a:endParaRPr lang="tr-TR" sz="2800" dirty="0" smtClean="0"/>
-          </a:p>
-          <a:p>
-            <a:pPr marL="457200" indent="-457200">
-              <a:buFont typeface="Arial" panose="020B0604020202020204" pitchFamily="34" charset="0"/>
-              <a:buChar char="•"/>
-            </a:pPr>
-            <a:r>
-              <a:rPr lang="tr-TR" sz="2800" dirty="0" smtClean="0"/>
-              <a:t>B</a:t>
-            </a:r>
-            <a:r>
-              <a:rPr lang="en-US" sz="2800" dirty="0" err="1" smtClean="0"/>
-              <a:t>attery</a:t>
-            </a:r>
-            <a:r>
-              <a:rPr lang="en-US" sz="2800" dirty="0" smtClean="0"/>
-              <a:t> </a:t>
-            </a:r>
-            <a:r>
-              <a:rPr lang="en-US" sz="2800" dirty="0"/>
-              <a:t>can be charged up to 90% in less than 30 minutes </a:t>
-            </a:r>
-            <a:endParaRPr lang="fr-FR" sz="2800" b="1" u="sng" dirty="0"/>
-          </a:p>
-        </p:txBody>
-      </p:sp>
-      <p:pic>
-        <p:nvPicPr>
-          <p:cNvPr id="7" name="图片 2"/>
-          <p:cNvPicPr/>
-          <p:nvPr/>
-        </p:nvPicPr>
-        <p:blipFill>
-          <a:blip r:embed="rId2"/>
-          <a:srcRect/>
-          <a:stretch>
-            <a:fillRect/>
-          </a:stretch>
-        </p:blipFill>
-        <p:spPr bwMode="auto">
-          <a:xfrm>
-            <a:off x="6690760" y="0"/>
-            <a:ext cx="4981575" cy="3181350"/>
-          </a:xfrm>
-          <a:prstGeom prst="rect">
-            <a:avLst/>
-          </a:prstGeom>
-          <a:noFill/>
-          <a:ln w="9525">
-            <a:noFill/>
-            <a:miter lim="800000"/>
-            <a:headEnd/>
-            <a:tailEnd/>
-          </a:ln>
-        </p:spPr>
-      </p:pic>
-    </p:spTree>
-    <p:extLst>
-      <p:ext uri="{BB962C8B-B14F-4D97-AF65-F5344CB8AC3E}">
-        <p14:creationId xmlns:p14="http://schemas.microsoft.com/office/powerpoint/2010/main" val="3399622642"/>
-      </p:ext>
-    </p:extLst>
-  </p:cSld>
-  <p:clrMapOvr>
-    <a:masterClrMapping/>
-  </p:clrMapOvr>
 </p:sld>
 </file>
 
